--- a/1 am/معالج النصوص 2/1 تقديم معالج النصوص/cours 12/عرض الدرس.pptx
+++ b/1 am/معالج النصوص 2/1 تقديم معالج النصوص/cours 12/عرض الدرس.pptx
@@ -7,12 +7,14 @@
   <p:sldIdLst>
     <p:sldId id="256" r:id="rId2"/>
     <p:sldId id="263" r:id="rId3"/>
-    <p:sldId id="262" r:id="rId4"/>
-    <p:sldId id="265" r:id="rId5"/>
-    <p:sldId id="267" r:id="rId6"/>
-    <p:sldId id="261" r:id="rId7"/>
-    <p:sldId id="266" r:id="rId8"/>
-    <p:sldId id="259" r:id="rId9"/>
+    <p:sldId id="268" r:id="rId4"/>
+    <p:sldId id="262" r:id="rId5"/>
+    <p:sldId id="261" r:id="rId6"/>
+    <p:sldId id="265" r:id="rId7"/>
+    <p:sldId id="272" r:id="rId8"/>
+    <p:sldId id="270" r:id="rId9"/>
+    <p:sldId id="269" r:id="rId10"/>
+    <p:sldId id="259" r:id="rId11"/>
   </p:sldIdLst>
   <p:sldSz cx="12192000" cy="6858000"/>
   <p:notesSz cx="6858000" cy="9144000"/>
@@ -250,7 +252,7 @@
           <a:p>
             <a:fld id="{33E46DBA-FA3B-4C5F-B700-4671668DAB72}" type="datetimeFigureOut">
               <a:rPr lang="fr-FR" smtClean="0"/>
-              <a:t>17/02/2025</a:t>
+              <a:t>05/04/2025</a:t>
             </a:fld>
             <a:endParaRPr lang="fr-FR"/>
           </a:p>
@@ -420,7 +422,7 @@
           <a:p>
             <a:fld id="{33E46DBA-FA3B-4C5F-B700-4671668DAB72}" type="datetimeFigureOut">
               <a:rPr lang="fr-FR" smtClean="0"/>
-              <a:t>17/02/2025</a:t>
+              <a:t>05/04/2025</a:t>
             </a:fld>
             <a:endParaRPr lang="fr-FR"/>
           </a:p>
@@ -600,7 +602,7 @@
           <a:p>
             <a:fld id="{33E46DBA-FA3B-4C5F-B700-4671668DAB72}" type="datetimeFigureOut">
               <a:rPr lang="fr-FR" smtClean="0"/>
-              <a:t>17/02/2025</a:t>
+              <a:t>05/04/2025</a:t>
             </a:fld>
             <a:endParaRPr lang="fr-FR"/>
           </a:p>
@@ -770,7 +772,7 @@
           <a:p>
             <a:fld id="{33E46DBA-FA3B-4C5F-B700-4671668DAB72}" type="datetimeFigureOut">
               <a:rPr lang="fr-FR" smtClean="0"/>
-              <a:t>17/02/2025</a:t>
+              <a:t>05/04/2025</a:t>
             </a:fld>
             <a:endParaRPr lang="fr-FR"/>
           </a:p>
@@ -1016,7 +1018,7 @@
           <a:p>
             <a:fld id="{33E46DBA-FA3B-4C5F-B700-4671668DAB72}" type="datetimeFigureOut">
               <a:rPr lang="fr-FR" smtClean="0"/>
-              <a:t>17/02/2025</a:t>
+              <a:t>05/04/2025</a:t>
             </a:fld>
             <a:endParaRPr lang="fr-FR"/>
           </a:p>
@@ -1248,7 +1250,7 @@
           <a:p>
             <a:fld id="{33E46DBA-FA3B-4C5F-B700-4671668DAB72}" type="datetimeFigureOut">
               <a:rPr lang="fr-FR" smtClean="0"/>
-              <a:t>17/02/2025</a:t>
+              <a:t>05/04/2025</a:t>
             </a:fld>
             <a:endParaRPr lang="fr-FR"/>
           </a:p>
@@ -1615,7 +1617,7 @@
           <a:p>
             <a:fld id="{33E46DBA-FA3B-4C5F-B700-4671668DAB72}" type="datetimeFigureOut">
               <a:rPr lang="fr-FR" smtClean="0"/>
-              <a:t>17/02/2025</a:t>
+              <a:t>05/04/2025</a:t>
             </a:fld>
             <a:endParaRPr lang="fr-FR"/>
           </a:p>
@@ -1733,7 +1735,7 @@
           <a:p>
             <a:fld id="{33E46DBA-FA3B-4C5F-B700-4671668DAB72}" type="datetimeFigureOut">
               <a:rPr lang="fr-FR" smtClean="0"/>
-              <a:t>17/02/2025</a:t>
+              <a:t>05/04/2025</a:t>
             </a:fld>
             <a:endParaRPr lang="fr-FR"/>
           </a:p>
@@ -1828,7 +1830,7 @@
           <a:p>
             <a:fld id="{33E46DBA-FA3B-4C5F-B700-4671668DAB72}" type="datetimeFigureOut">
               <a:rPr lang="fr-FR" smtClean="0"/>
-              <a:t>17/02/2025</a:t>
+              <a:t>05/04/2025</a:t>
             </a:fld>
             <a:endParaRPr lang="fr-FR"/>
           </a:p>
@@ -2105,7 +2107,7 @@
           <a:p>
             <a:fld id="{33E46DBA-FA3B-4C5F-B700-4671668DAB72}" type="datetimeFigureOut">
               <a:rPr lang="fr-FR" smtClean="0"/>
-              <a:t>17/02/2025</a:t>
+              <a:t>05/04/2025</a:t>
             </a:fld>
             <a:endParaRPr lang="fr-FR"/>
           </a:p>
@@ -2358,7 +2360,7 @@
           <a:p>
             <a:fld id="{33E46DBA-FA3B-4C5F-B700-4671668DAB72}" type="datetimeFigureOut">
               <a:rPr lang="fr-FR" smtClean="0"/>
-              <a:t>17/02/2025</a:t>
+              <a:t>05/04/2025</a:t>
             </a:fld>
             <a:endParaRPr lang="fr-FR"/>
           </a:p>
@@ -2571,7 +2573,7 @@
           <a:p>
             <a:fld id="{33E46DBA-FA3B-4C5F-B700-4671668DAB72}" type="datetimeFigureOut">
               <a:rPr lang="fr-FR" smtClean="0"/>
-              <a:t>17/02/2025</a:t>
+              <a:t>05/04/2025</a:t>
             </a:fld>
             <a:endParaRPr lang="fr-FR"/>
           </a:p>
@@ -3059,7 +3061,7 @@
               <a:rPr lang="ar-DZ" sz="3200" dirty="0" smtClean="0">
                 <a:cs typeface="+mj-cs"/>
               </a:rPr>
-              <a:t>ما هي مراحل انشاء ملف نص أو مجلد ؟</a:t>
+              <a:t>ما هو البرنامج الذي نستعمله لكتابة نصوص بسيطة ؟</a:t>
             </a:r>
             <a:endParaRPr lang="ar-DZ" sz="3200" dirty="0" smtClean="0">
               <a:latin typeface="Times New Roman" panose="02020603050405020304" pitchFamily="18" charset="0"/>
@@ -3169,36 +3171,53 @@
           </a:p>
         </p:txBody>
       </p:sp>
-      <p:pic>
-        <p:nvPicPr>
-          <p:cNvPr id="3" name="Image 2"/>
-          <p:cNvPicPr>
-            <a:picLocks noChangeAspect="1"/>
-          </p:cNvPicPr>
+      <p:sp>
+        <p:nvSpPr>
+          <p:cNvPr id="5" name="ZoneTexte 4"/>
+          <p:cNvSpPr txBox="1"/>
           <p:nvPr/>
-        </p:nvPicPr>
-        <p:blipFill>
-          <a:blip r:embed="rId2">
-            <a:extLst>
-              <a:ext uri="{28A0092B-C50C-407E-A947-70E740481C1C}">
-                <a14:useLocalDpi xmlns:a14="http://schemas.microsoft.com/office/drawing/2010/main" val="0"/>
-              </a:ext>
-            </a:extLst>
-          </a:blip>
-          <a:stretch>
-            <a:fillRect/>
-          </a:stretch>
-        </p:blipFill>
+        </p:nvSpPr>
         <p:spPr>
           <a:xfrm>
-            <a:off x="2398877" y="1964001"/>
-            <a:ext cx="7406677" cy="4603093"/>
+            <a:off x="4960307" y="1964001"/>
+            <a:ext cx="5047989" cy="584775"/>
           </a:xfrm>
           <a:prstGeom prst="rect">
             <a:avLst/>
           </a:prstGeom>
+          <a:noFill/>
         </p:spPr>
-      </p:pic>
+        <p:txBody>
+          <a:bodyPr wrap="square" rtlCol="0">
+            <a:spAutoFit/>
+          </a:bodyPr>
+          <a:lstStyle/>
+          <a:p>
+            <a:pPr algn="r" rtl="1"/>
+            <a:r>
+              <a:rPr lang="ar-DZ" sz="3200" b="1" dirty="0" smtClean="0">
+                <a:solidFill>
+                  <a:srgbClr val="FF0000"/>
+                </a:solidFill>
+              </a:rPr>
+              <a:t>برنامج الدفتر </a:t>
+            </a:r>
+            <a:r>
+              <a:rPr lang="fr-FR" sz="3200" b="1" dirty="0" err="1" smtClean="0">
+                <a:solidFill>
+                  <a:srgbClr val="FF0000"/>
+                </a:solidFill>
+              </a:rPr>
+              <a:t>WordPad</a:t>
+            </a:r>
+            <a:endParaRPr lang="fr-FR" sz="3200" b="1" dirty="0">
+              <a:solidFill>
+                <a:srgbClr val="FF0000"/>
+              </a:solidFill>
+            </a:endParaRPr>
+          </a:p>
+        </p:txBody>
+      </p:sp>
     </p:spTree>
     <p:extLst>
       <p:ext uri="{BB962C8B-B14F-4D97-AF65-F5344CB8AC3E}">
@@ -3229,9 +3248,6 @@
                     <p:cTn id="3" fill="hold">
                       <p:stCondLst>
                         <p:cond delay="indefinite"/>
-                        <p:cond evt="onBegin" delay="0">
-                          <p:tn val="2"/>
-                        </p:cond>
                       </p:stCondLst>
                       <p:childTnLst>
                         <p:par>
@@ -3241,7 +3257,7 @@
                             </p:stCondLst>
                             <p:childTnLst>
                               <p:par>
-                                <p:cTn id="5" presetID="42" presetClass="entr" presetSubtype="0" fill="hold" nodeType="withEffect">
+                                <p:cTn id="5" presetID="42" presetClass="entr" presetSubtype="0" fill="hold" grpId="0" nodeType="clickEffect">
                                   <p:stCondLst>
                                     <p:cond delay="0"/>
                                   </p:stCondLst>
@@ -3254,7 +3270,7 @@
                                           </p:stCondLst>
                                         </p:cTn>
                                         <p:tgtEl>
-                                          <p:spTgt spid="3"/>
+                                          <p:spTgt spid="5"/>
                                         </p:tgtEl>
                                         <p:attrNameLst>
                                           <p:attrName>style.visibility</p:attrName>
@@ -3268,7 +3284,7 @@
                                       <p:cBhvr>
                                         <p:cTn id="7" dur="1000"/>
                                         <p:tgtEl>
-                                          <p:spTgt spid="3"/>
+                                          <p:spTgt spid="5"/>
                                         </p:tgtEl>
                                       </p:cBhvr>
                                     </p:animEffect>
@@ -3276,7 +3292,7 @@
                                       <p:cBhvr>
                                         <p:cTn id="8" dur="1000" fill="hold"/>
                                         <p:tgtEl>
-                                          <p:spTgt spid="3"/>
+                                          <p:spTgt spid="5"/>
                                         </p:tgtEl>
                                         <p:attrNameLst>
                                           <p:attrName>ppt_x</p:attrName>
@@ -3299,7 +3315,7 @@
                                       <p:cBhvr>
                                         <p:cTn id="9" dur="1000" fill="hold"/>
                                         <p:tgtEl>
-                                          <p:spTgt spid="3"/>
+                                          <p:spTgt spid="5"/>
                                         </p:tgtEl>
                                         <p:attrNameLst>
                                           <p:attrName>ppt_y</p:attrName>
@@ -3348,6 +3364,169 @@
         </p:cTn>
       </p:par>
     </p:tnLst>
+    <p:bldLst>
+      <p:bldP spid="5" grpId="0"/>
+    </p:bldLst>
+  </p:timing>
+</p:sld>
+</file>
+
+<file path=ppt/slides/slide10.xml><?xml version="1.0" encoding="utf-8"?>
+<p:sld xmlns:a="http://schemas.openxmlformats.org/drawingml/2006/main" xmlns:r="http://schemas.openxmlformats.org/officeDocument/2006/relationships" xmlns:p="http://schemas.openxmlformats.org/presentationml/2006/main">
+  <p:cSld>
+    <p:bg>
+      <p:bgPr>
+        <a:solidFill>
+          <a:schemeClr val="bg1"/>
+        </a:solidFill>
+        <a:effectLst/>
+      </p:bgPr>
+    </p:bg>
+    <p:spTree>
+      <p:nvGrpSpPr>
+        <p:cNvPr id="1" name=""/>
+        <p:cNvGrpSpPr/>
+        <p:nvPr/>
+      </p:nvGrpSpPr>
+      <p:grpSpPr>
+        <a:xfrm>
+          <a:off x="0" y="0"/>
+          <a:ext cx="0" cy="0"/>
+          <a:chOff x="0" y="0"/>
+          <a:chExt cx="0" cy="0"/>
+        </a:xfrm>
+      </p:grpSpPr>
+      <p:sp>
+        <p:nvSpPr>
+          <p:cNvPr id="4" name="ZoneTexte 3"/>
+          <p:cNvSpPr txBox="1"/>
+          <p:nvPr/>
+        </p:nvSpPr>
+        <p:spPr>
+          <a:xfrm>
+            <a:off x="3471350" y="135676"/>
+            <a:ext cx="8362950" cy="769441"/>
+          </a:xfrm>
+          <a:prstGeom prst="rect">
+            <a:avLst/>
+          </a:prstGeom>
+          <a:noFill/>
+        </p:spPr>
+        <p:txBody>
+          <a:bodyPr wrap="square" rtlCol="1">
+            <a:spAutoFit/>
+          </a:bodyPr>
+          <a:lstStyle/>
+          <a:p>
+            <a:pPr algn="r" rtl="1"/>
+            <a:r>
+              <a:rPr lang="ar-DZ" sz="4400" b="1" u="sng" dirty="0" smtClean="0">
+                <a:solidFill>
+                  <a:srgbClr val="FF0000"/>
+                </a:solidFill>
+              </a:rPr>
+              <a:t>تدريب :</a:t>
+            </a:r>
+            <a:endParaRPr lang="ar-DZ" sz="4400" b="1" u="sng" dirty="0">
+              <a:solidFill>
+                <a:srgbClr val="FF0000"/>
+              </a:solidFill>
+            </a:endParaRPr>
+          </a:p>
+        </p:txBody>
+      </p:sp>
+      <p:sp>
+        <p:nvSpPr>
+          <p:cNvPr id="7" name="ZoneTexte 6"/>
+          <p:cNvSpPr txBox="1"/>
+          <p:nvPr/>
+        </p:nvSpPr>
+        <p:spPr>
+          <a:xfrm>
+            <a:off x="316109" y="1040119"/>
+            <a:ext cx="11618400" cy="1569660"/>
+          </a:xfrm>
+          <a:prstGeom prst="rect">
+            <a:avLst/>
+          </a:prstGeom>
+          <a:noFill/>
+        </p:spPr>
+        <p:txBody>
+          <a:bodyPr wrap="square" rtlCol="1">
+            <a:spAutoFit/>
+          </a:bodyPr>
+          <a:lstStyle/>
+          <a:p>
+            <a:pPr marL="457200" indent="-457200" algn="r" rtl="1">
+              <a:buFont typeface="Wingdings" panose="05000000000000000000" pitchFamily="2" charset="2"/>
+              <a:buChar char="§"/>
+            </a:pPr>
+            <a:r>
+              <a:rPr lang="ar-DZ" sz="3200" dirty="0" smtClean="0"/>
+              <a:t>لنفتح برنامج</a:t>
+            </a:r>
+            <a:r>
+              <a:rPr lang="fr-FR" sz="3200" dirty="0" smtClean="0"/>
+              <a:t>Word </a:t>
+            </a:r>
+            <a:r>
+              <a:rPr lang="ar-DZ" sz="3200" dirty="0" smtClean="0"/>
+              <a:t> و </a:t>
+            </a:r>
+            <a:r>
+              <a:rPr lang="ar-DZ" sz="3200" dirty="0"/>
+              <a:t>نتحقق من واجهته </a:t>
+            </a:r>
+          </a:p>
+          <a:p>
+            <a:pPr marL="457200" indent="-457200" algn="r" rtl="1">
+              <a:buFont typeface="Wingdings" panose="05000000000000000000" pitchFamily="2" charset="2"/>
+              <a:buChar char="§"/>
+            </a:pPr>
+            <a:r>
+              <a:rPr lang="ar-DZ" sz="3200" dirty="0" smtClean="0"/>
+              <a:t>لنكتب </a:t>
+            </a:r>
+            <a:r>
+              <a:rPr lang="ar-DZ" sz="3200" dirty="0"/>
+              <a:t>حكمة أو مثل من اختيارك </a:t>
+            </a:r>
+          </a:p>
+          <a:p>
+            <a:pPr marL="457200" indent="-457200" algn="r" rtl="1">
+              <a:buFont typeface="Wingdings" panose="05000000000000000000" pitchFamily="2" charset="2"/>
+              <a:buChar char="§"/>
+            </a:pPr>
+            <a:r>
+              <a:rPr lang="ar-DZ" sz="3200" dirty="0" smtClean="0"/>
+              <a:t>لنحاول </a:t>
+            </a:r>
+            <a:r>
+              <a:rPr lang="ar-DZ" sz="3200" dirty="0"/>
+              <a:t>حفظ المقولة التي كتبتها على سطح المكتب.</a:t>
+            </a:r>
+          </a:p>
+        </p:txBody>
+      </p:sp>
+    </p:spTree>
+    <p:extLst>
+      <p:ext uri="{BB962C8B-B14F-4D97-AF65-F5344CB8AC3E}">
+        <p14:creationId xmlns:p14="http://schemas.microsoft.com/office/powerpoint/2010/main" val="1603209517"/>
+      </p:ext>
+    </p:extLst>
+  </p:cSld>
+  <p:clrMapOvr>
+    <a:masterClrMapping/>
+  </p:clrMapOvr>
+  <p:transition spd="slow">
+    <p:push dir="u"/>
+  </p:transition>
+  <p:timing>
+    <p:tnLst>
+      <p:par>
+        <p:cTn id="1" dur="indefinite" restart="never" nodeType="tmRoot"/>
+      </p:par>
+    </p:tnLst>
   </p:timing>
 </p:sld>
 </file>
@@ -3432,8 +3611,8 @@
         </p:nvSpPr>
         <p:spPr>
           <a:xfrm>
-            <a:off x="5798859" y="1282062"/>
-            <a:ext cx="6000657" cy="4524315"/>
+            <a:off x="400831" y="1282062"/>
+            <a:ext cx="11398685" cy="4524315"/>
           </a:xfrm>
           <a:prstGeom prst="rect">
             <a:avLst/>
@@ -3446,86 +3625,118 @@
           </a:bodyPr>
           <a:lstStyle/>
           <a:p>
-            <a:pPr marL="571500" lvl="0" indent="-571500" algn="r" rtl="1">
+            <a:pPr algn="r" rtl="1"/>
+            <a:r>
+              <a:rPr lang="ar-DZ" sz="3600" dirty="0"/>
+              <a:t>ن</a:t>
+            </a:r>
+            <a:r>
+              <a:rPr lang="ar-DZ" sz="3600" dirty="0" smtClean="0"/>
+              <a:t>ظمت </a:t>
+            </a:r>
+            <a:r>
+              <a:rPr lang="ar-DZ" sz="3600" dirty="0"/>
+              <a:t>المتوسطة مسابقة لأحسن بحث حول الحاسوب، فقام أمين بإنجاز هذا البحث ببرنامج الدفتر كما هو موضح في (الوثيقة 01). </a:t>
+            </a:r>
+            <a:endParaRPr lang="ar-DZ" sz="3600" dirty="0" smtClean="0"/>
+          </a:p>
+          <a:p>
+            <a:pPr algn="r" rtl="1"/>
+            <a:endParaRPr lang="ar-DZ" sz="3600" dirty="0"/>
+          </a:p>
+          <a:p>
+            <a:pPr algn="r" rtl="1"/>
+            <a:r>
+              <a:rPr lang="ar-DZ" sz="3600" dirty="0"/>
+              <a:t>بينما أنت تقرأ في بحوث زملائك لفت انتباهك البحث الذي هو في (الوثيقة 02) الذي يتضمن جدول و صور و شكل فيه كتابة، بالإضافة إلى نص جميل</a:t>
+            </a:r>
+            <a:r>
+              <a:rPr lang="ar-DZ" sz="3600" dirty="0" smtClean="0"/>
+              <a:t>.</a:t>
+            </a:r>
+          </a:p>
+          <a:p>
+            <a:pPr algn="r" rtl="1"/>
+            <a:r>
+              <a:rPr lang="ar-DZ" sz="3600" dirty="0" smtClean="0"/>
+              <a:t> </a:t>
+            </a:r>
+            <a:endParaRPr lang="ar-DZ" sz="3600" dirty="0"/>
+          </a:p>
+          <a:p>
+            <a:pPr marL="571500" indent="-571500" algn="r" rtl="1">
               <a:buFont typeface="Wingdings" panose="05000000000000000000" pitchFamily="2" charset="2"/>
               <a:buChar char="Ø"/>
             </a:pPr>
             <a:r>
+              <a:rPr lang="ar-DZ" sz="3600" dirty="0" smtClean="0"/>
+              <a:t>برأيك </a:t>
+            </a:r>
+            <a:r>
               <a:rPr lang="ar-DZ" sz="3600" dirty="0"/>
-              <a:t>اليك الصورة التالية تمثل </a:t>
-            </a:r>
-            <a:r>
-              <a:rPr lang="ar-DZ" sz="3600" dirty="0" smtClean="0"/>
-              <a:t>الملفات </a:t>
-            </a:r>
-            <a:r>
-              <a:rPr lang="ar-DZ" sz="3600" dirty="0"/>
-              <a:t>الموجودة </a:t>
-            </a:r>
-            <a:r>
-              <a:rPr lang="ar-DZ" sz="3600" dirty="0" smtClean="0"/>
-              <a:t>على </a:t>
-            </a:r>
-            <a:r>
-              <a:rPr lang="ar-DZ" sz="3600" dirty="0"/>
-              <a:t>سطح المكتب</a:t>
-            </a:r>
-            <a:r>
-              <a:rPr lang="ar-DZ" sz="3600" dirty="0" smtClean="0"/>
-              <a:t>.</a:t>
-            </a:r>
-            <a:r>
-              <a:rPr lang="ar-DZ" sz="3600" dirty="0"/>
-              <a:t> جزء من سطح المكتب.</a:t>
-            </a:r>
-            <a:endParaRPr lang="fr-FR" sz="3600" dirty="0"/>
-          </a:p>
-          <a:p>
-            <a:pPr marL="571500" lvl="0" indent="-571500" algn="r" rtl="1">
+              <a:t>هل يوجد برنامج آخر له مميزات أكثر من برنامج الدفتر؟ </a:t>
+            </a:r>
+          </a:p>
+          <a:p>
+            <a:pPr marL="571500" indent="-571500" algn="r" rtl="1">
               <a:buFont typeface="Wingdings" panose="05000000000000000000" pitchFamily="2" charset="2"/>
               <a:buChar char="Ø"/>
             </a:pPr>
             <a:r>
+              <a:rPr lang="ar-DZ" sz="3600" dirty="0" smtClean="0"/>
+              <a:t>ما </a:t>
+            </a:r>
+            <a:r>
               <a:rPr lang="ar-DZ" sz="3600" dirty="0"/>
-              <a:t>كيف نسمي هذه العناصر الموجودة على سطح المكتب ؟</a:t>
-            </a:r>
-            <a:endParaRPr lang="fr-FR" sz="3600" dirty="0"/>
-          </a:p>
-          <a:p>
-            <a:pPr marL="571500" lvl="0" indent="-571500" algn="r" rtl="1">
-              <a:buFont typeface="Wingdings" panose="05000000000000000000" pitchFamily="2" charset="2"/>
-              <a:buChar char="Ø"/>
-            </a:pPr>
-            <a:r>
-              <a:rPr lang="ar-DZ" sz="3600" dirty="0"/>
-              <a:t>ما نوعها ؟</a:t>
-            </a:r>
-            <a:endParaRPr lang="fr-FR" sz="3600" dirty="0"/>
-          </a:p>
-          <a:p>
-            <a:pPr marL="571500" lvl="0" indent="-571500" algn="r" rtl="1">
-              <a:buFont typeface="Wingdings" panose="05000000000000000000" pitchFamily="2" charset="2"/>
-              <a:buChar char="Ø"/>
-            </a:pPr>
-            <a:r>
-              <a:rPr lang="ar-DZ" sz="3600" dirty="0"/>
-              <a:t>ما العمل الذي يجب ان نقوم به لتنظيم </a:t>
-            </a:r>
-            <a:endParaRPr lang="ar-DZ" sz="3600" dirty="0">
-              <a:solidFill>
-                <a:srgbClr val="00B0F0"/>
-              </a:solidFill>
-              <a:cs typeface="+mj-cs"/>
-            </a:endParaRPr>
-          </a:p>
-        </p:txBody>
-      </p:sp>
+              <a:t>اسم هذا البرنامج ؟</a:t>
+            </a:r>
+          </a:p>
+        </p:txBody>
+      </p:sp>
+    </p:spTree>
+    <p:extLst>
+      <p:ext uri="{BB962C8B-B14F-4D97-AF65-F5344CB8AC3E}">
+        <p14:creationId xmlns:p14="http://schemas.microsoft.com/office/powerpoint/2010/main" val="2346068650"/>
+      </p:ext>
+    </p:extLst>
+  </p:cSld>
+  <p:clrMapOvr>
+    <a:masterClrMapping/>
+  </p:clrMapOvr>
+  <p:transition spd="slow">
+    <p:push dir="u"/>
+  </p:transition>
+  <p:timing>
+    <p:tnLst>
+      <p:par>
+        <p:cTn id="1" dur="indefinite" restart="never" nodeType="tmRoot"/>
+      </p:par>
+    </p:tnLst>
+  </p:timing>
+</p:sld>
+</file>
+
+<file path=ppt/slides/slide3.xml><?xml version="1.0" encoding="utf-8"?>
+<p:sld xmlns:a="http://schemas.openxmlformats.org/drawingml/2006/main" xmlns:r="http://schemas.openxmlformats.org/officeDocument/2006/relationships" xmlns:p="http://schemas.openxmlformats.org/presentationml/2006/main">
+  <p:cSld>
+    <p:spTree>
+      <p:nvGrpSpPr>
+        <p:cNvPr id="1" name=""/>
+        <p:cNvGrpSpPr/>
+        <p:nvPr/>
+      </p:nvGrpSpPr>
+      <p:grpSpPr>
+        <a:xfrm>
+          <a:off x="0" y="0"/>
+          <a:ext cx="0" cy="0"/>
+          <a:chOff x="0" y="0"/>
+          <a:chExt cx="0" cy="0"/>
+        </a:xfrm>
+      </p:grpSpPr>
       <p:pic>
         <p:nvPicPr>
-          <p:cNvPr id="2" name="Image 1"/>
-          <p:cNvPicPr>
-            <a:picLocks noChangeAspect="1"/>
-          </p:cNvPicPr>
+          <p:cNvPr id="4" name="Image 3"/>
+          <p:cNvPicPr/>
           <p:nvPr/>
         </p:nvPicPr>
         <p:blipFill>
@@ -3542,18 +3753,600 @@
         </p:blipFill>
         <p:spPr>
           <a:xfrm>
-            <a:off x="400831" y="1282062"/>
-            <a:ext cx="5523288" cy="4660113"/>
+            <a:off x="5990333" y="538618"/>
+            <a:ext cx="5934445" cy="5987441"/>
+          </a:xfrm>
+          <a:prstGeom prst="rect">
+            <a:avLst/>
+          </a:prstGeom>
+          <a:ln>
+            <a:solidFill>
+              <a:srgbClr val="0070C0"/>
+            </a:solidFill>
+          </a:ln>
+        </p:spPr>
+      </p:pic>
+      <p:pic>
+        <p:nvPicPr>
+          <p:cNvPr id="5" name="Image 4"/>
+          <p:cNvPicPr/>
+          <p:nvPr/>
+        </p:nvPicPr>
+        <p:blipFill>
+          <a:blip r:embed="rId3" cstate="print">
+            <a:extLst>
+              <a:ext uri="{28A0092B-C50C-407E-A947-70E740481C1C}">
+                <a14:useLocalDpi xmlns:a14="http://schemas.microsoft.com/office/drawing/2010/main" val="0"/>
+              </a:ext>
+            </a:extLst>
+          </a:blip>
+          <a:stretch>
+            <a:fillRect/>
+          </a:stretch>
+        </p:blipFill>
+        <p:spPr>
+          <a:xfrm>
+            <a:off x="325678" y="527840"/>
+            <a:ext cx="5279316" cy="5998220"/>
+          </a:xfrm>
+          <a:prstGeom prst="rect">
+            <a:avLst/>
+          </a:prstGeom>
+          <a:ln>
+            <a:solidFill>
+              <a:srgbClr val="0070C0"/>
+            </a:solidFill>
+          </a:ln>
+        </p:spPr>
+      </p:pic>
+    </p:spTree>
+    <p:extLst>
+      <p:ext uri="{BB962C8B-B14F-4D97-AF65-F5344CB8AC3E}">
+        <p14:creationId xmlns:p14="http://schemas.microsoft.com/office/powerpoint/2010/main" val="861934490"/>
+      </p:ext>
+    </p:extLst>
+  </p:cSld>
+  <p:clrMapOvr>
+    <a:masterClrMapping/>
+  </p:clrMapOvr>
+  <p:timing>
+    <p:tnLst>
+      <p:par>
+        <p:cTn id="1" dur="indefinite" restart="never" nodeType="tmRoot"/>
+      </p:par>
+    </p:tnLst>
+  </p:timing>
+</p:sld>
+</file>
+
+<file path=ppt/slides/slide4.xml><?xml version="1.0" encoding="utf-8"?>
+<p:sld xmlns:a="http://schemas.openxmlformats.org/drawingml/2006/main" xmlns:r="http://schemas.openxmlformats.org/officeDocument/2006/relationships" xmlns:p="http://schemas.openxmlformats.org/presentationml/2006/main">
+  <p:cSld>
+    <p:spTree>
+      <p:nvGrpSpPr>
+        <p:cNvPr id="1" name=""/>
+        <p:cNvGrpSpPr/>
+        <p:nvPr/>
+      </p:nvGrpSpPr>
+      <p:grpSpPr>
+        <a:xfrm>
+          <a:off x="0" y="0"/>
+          <a:ext cx="0" cy="0"/>
+          <a:chOff x="0" y="0"/>
+          <a:chExt cx="0" cy="0"/>
+        </a:xfrm>
+      </p:grpSpPr>
+      <p:sp>
+        <p:nvSpPr>
+          <p:cNvPr id="12" name="Rectangle 11"/>
+          <p:cNvSpPr/>
+          <p:nvPr/>
+        </p:nvSpPr>
+        <p:spPr>
+          <a:xfrm>
+            <a:off x="538619" y="750364"/>
+            <a:ext cx="11348581" cy="592726"/>
+          </a:xfrm>
+          <a:prstGeom prst="rect">
+            <a:avLst/>
+          </a:prstGeom>
+          <a:ln>
+            <a:noFill/>
+          </a:ln>
+        </p:spPr>
+        <p:style>
+          <a:lnRef idx="2">
+            <a:schemeClr val="dk1"/>
+          </a:lnRef>
+          <a:fillRef idx="1">
+            <a:schemeClr val="lt1"/>
+          </a:fillRef>
+          <a:effectRef idx="0">
+            <a:schemeClr val="dk1"/>
+          </a:effectRef>
+          <a:fontRef idx="minor">
+            <a:schemeClr val="dk1"/>
+          </a:fontRef>
+        </p:style>
+        <p:txBody>
+          <a:bodyPr wrap="square">
+            <a:spAutoFit/>
+          </a:bodyPr>
+          <a:lstStyle/>
+          <a:p>
+            <a:pPr algn="r" rtl="1">
+              <a:lnSpc>
+                <a:spcPct val="107000"/>
+              </a:lnSpc>
+              <a:spcAft>
+                <a:spcPts val="800"/>
+              </a:spcAft>
+            </a:pPr>
+            <a:r>
+              <a:rPr lang="ar-SA" sz="3200" dirty="0"/>
+              <a:t>لنملأ الفراغات بالكلمات التالية لنشكل مفهوما لبرنامج معالج النصوص </a:t>
+            </a:r>
+            <a:r>
+              <a:rPr lang="ar-DZ" sz="3200" dirty="0"/>
+              <a:t>:</a:t>
+            </a:r>
+            <a:endParaRPr lang="fr-FR" sz="2400" dirty="0">
+              <a:latin typeface="Calibri" panose="020F0502020204030204" pitchFamily="34" charset="0"/>
+              <a:ea typeface="Calibri" panose="020F0502020204030204" pitchFamily="34" charset="0"/>
+              <a:cs typeface="Arial" panose="020B0604020202020204" pitchFamily="34" charset="0"/>
+            </a:endParaRPr>
+          </a:p>
+        </p:txBody>
+      </p:sp>
+      <p:sp>
+        <p:nvSpPr>
+          <p:cNvPr id="13" name="Rectangle 12"/>
+          <p:cNvSpPr/>
+          <p:nvPr/>
+        </p:nvSpPr>
+        <p:spPr>
+          <a:xfrm>
+            <a:off x="375781" y="36812"/>
+            <a:ext cx="11511419" cy="689099"/>
           </a:xfrm>
           <a:prstGeom prst="rect">
             <a:avLst/>
           </a:prstGeom>
         </p:spPr>
-      </p:pic>
+        <p:txBody>
+          <a:bodyPr wrap="square">
+            <a:spAutoFit/>
+          </a:bodyPr>
+          <a:lstStyle/>
+          <a:p>
+            <a:pPr algn="r" rtl="1">
+              <a:lnSpc>
+                <a:spcPct val="115000"/>
+              </a:lnSpc>
+              <a:spcAft>
+                <a:spcPts val="1000"/>
+              </a:spcAft>
+            </a:pPr>
+            <a:r>
+              <a:rPr lang="ar-DZ" sz="3600" b="1" u="sng" dirty="0" smtClean="0">
+                <a:solidFill>
+                  <a:srgbClr val="FF0000"/>
+                </a:solidFill>
+                <a:effectLst/>
+                <a:latin typeface="Calibri" panose="020F0502020204030204" pitchFamily="34" charset="0"/>
+                <a:ea typeface="Times New Roman" panose="02020603050405020304" pitchFamily="18" charset="0"/>
+                <a:cs typeface="Times New Roman" panose="02020603050405020304" pitchFamily="18" charset="0"/>
+              </a:rPr>
+              <a:t>نشاط 01 :</a:t>
+            </a:r>
+            <a:endParaRPr lang="fr-FR" sz="2800" b="1" dirty="0">
+              <a:solidFill>
+                <a:srgbClr val="0070C0"/>
+              </a:solidFill>
+            </a:endParaRPr>
+          </a:p>
+        </p:txBody>
+      </p:sp>
+      <p:sp>
+        <p:nvSpPr>
+          <p:cNvPr id="3" name="Rectangle 2"/>
+          <p:cNvSpPr/>
+          <p:nvPr/>
+        </p:nvSpPr>
+        <p:spPr>
+          <a:xfrm>
+            <a:off x="2236801" y="1527618"/>
+            <a:ext cx="9650399" cy="584775"/>
+          </a:xfrm>
+          <a:prstGeom prst="rect">
+            <a:avLst/>
+          </a:prstGeom>
+        </p:spPr>
+        <p:txBody>
+          <a:bodyPr wrap="none">
+            <a:spAutoFit/>
+          </a:bodyPr>
+          <a:lstStyle/>
+          <a:p>
+            <a:pPr algn="r" rtl="1"/>
+            <a:r>
+              <a:rPr lang="fr-FR" sz="3200" dirty="0" smtClean="0">
+                <a:solidFill>
+                  <a:srgbClr val="00B050"/>
+                </a:solidFill>
+              </a:rPr>
+              <a:t>Microsoft </a:t>
+            </a:r>
+            <a:r>
+              <a:rPr lang="fr-FR" sz="3200" dirty="0">
+                <a:solidFill>
+                  <a:srgbClr val="00B050"/>
+                </a:solidFill>
+              </a:rPr>
+              <a:t>W</a:t>
+            </a:r>
+            <a:r>
+              <a:rPr lang="fr-FR" sz="3200" dirty="0" smtClean="0">
+                <a:solidFill>
+                  <a:srgbClr val="00B050"/>
+                </a:solidFill>
+              </a:rPr>
+              <a:t>ord</a:t>
+            </a:r>
+            <a:r>
+              <a:rPr lang="ar-DZ" sz="3200" dirty="0" smtClean="0">
+                <a:solidFill>
+                  <a:srgbClr val="00B050"/>
+                </a:solidFill>
+              </a:rPr>
+              <a:t> </a:t>
+            </a:r>
+            <a:r>
+              <a:rPr lang="fr-FR" sz="3200" dirty="0" smtClean="0">
+                <a:solidFill>
+                  <a:srgbClr val="00B050"/>
+                </a:solidFill>
+              </a:rPr>
+              <a:t> </a:t>
+            </a:r>
+            <a:r>
+              <a:rPr lang="fr-FR" sz="3200" dirty="0">
+                <a:solidFill>
+                  <a:srgbClr val="00B050"/>
+                </a:solidFill>
+              </a:rPr>
+              <a:t>ـــ </a:t>
+            </a:r>
+            <a:r>
+              <a:rPr lang="ar-DZ" sz="3200" dirty="0">
+                <a:solidFill>
+                  <a:srgbClr val="00B050"/>
+                </a:solidFill>
+              </a:rPr>
+              <a:t>الأشكال ــ برنامج ــ حفظه ــ الصور ــ كتابة نص</a:t>
+            </a:r>
+          </a:p>
+        </p:txBody>
+      </p:sp>
+      <p:sp>
+        <p:nvSpPr>
+          <p:cNvPr id="4" name="Rectangle 3"/>
+          <p:cNvSpPr/>
+          <p:nvPr/>
+        </p:nvSpPr>
+        <p:spPr>
+          <a:xfrm>
+            <a:off x="538618" y="2242991"/>
+            <a:ext cx="11348581" cy="1569660"/>
+          </a:xfrm>
+          <a:prstGeom prst="rect">
+            <a:avLst/>
+          </a:prstGeom>
+        </p:spPr>
+        <p:txBody>
+          <a:bodyPr wrap="square">
+            <a:spAutoFit/>
+          </a:bodyPr>
+          <a:lstStyle/>
+          <a:p>
+            <a:pPr algn="r" rtl="1"/>
+            <a:r>
+              <a:rPr lang="ar-DZ" sz="3200" dirty="0" smtClean="0"/>
+              <a:t>معالج </a:t>
+            </a:r>
+            <a:r>
+              <a:rPr lang="ar-DZ" sz="3200" dirty="0"/>
+              <a:t>النصوص هو </a:t>
+            </a:r>
+            <a:r>
+              <a:rPr lang="ar-DZ" sz="3200" dirty="0" smtClean="0"/>
+              <a:t>.............. </a:t>
+            </a:r>
+            <a:r>
+              <a:rPr lang="ar-DZ" sz="3200" dirty="0"/>
+              <a:t>يسمح </a:t>
+            </a:r>
+            <a:r>
+              <a:rPr lang="ar-DZ" sz="3200" dirty="0" smtClean="0"/>
+              <a:t>بـ ................... </a:t>
+            </a:r>
+            <a:r>
+              <a:rPr lang="ar-DZ" sz="3200" dirty="0"/>
+              <a:t>و تنسيقه و ............. ، كما يسمح بإضافة ........... و ............. و الجداول. </a:t>
+            </a:r>
+          </a:p>
+          <a:p>
+            <a:pPr algn="r" rtl="1"/>
+            <a:r>
+              <a:rPr lang="ar-DZ" sz="3200" dirty="0"/>
+              <a:t>من أشهر معالجات النصوص </a:t>
+            </a:r>
+            <a:r>
+              <a:rPr lang="ar-DZ" sz="3200" dirty="0" smtClean="0"/>
+              <a:t>والأكثر </a:t>
+            </a:r>
+            <a:r>
+              <a:rPr lang="ar-DZ" sz="3200" dirty="0"/>
+              <a:t>استعمالا هو </a:t>
+            </a:r>
+            <a:r>
+              <a:rPr lang="ar-DZ" sz="3200" dirty="0" smtClean="0"/>
+              <a:t>.........................</a:t>
+            </a:r>
+            <a:endParaRPr lang="ar-DZ" sz="3200" dirty="0"/>
+          </a:p>
+        </p:txBody>
+      </p:sp>
+      <p:sp>
+        <p:nvSpPr>
+          <p:cNvPr id="5" name="ZoneTexte 4"/>
+          <p:cNvSpPr txBox="1"/>
+          <p:nvPr/>
+        </p:nvSpPr>
+        <p:spPr>
+          <a:xfrm>
+            <a:off x="7465512" y="2296921"/>
+            <a:ext cx="1678489" cy="584775"/>
+          </a:xfrm>
+          <a:prstGeom prst="rect">
+            <a:avLst/>
+          </a:prstGeom>
+          <a:solidFill>
+            <a:schemeClr val="bg1"/>
+          </a:solidFill>
+        </p:spPr>
+        <p:txBody>
+          <a:bodyPr wrap="square" rtlCol="0">
+            <a:spAutoFit/>
+          </a:bodyPr>
+          <a:lstStyle/>
+          <a:p>
+            <a:pPr algn="ctr"/>
+            <a:r>
+              <a:rPr lang="ar-DZ" sz="3200" dirty="0" smtClean="0">
+                <a:solidFill>
+                  <a:srgbClr val="FF0000"/>
+                </a:solidFill>
+              </a:rPr>
+              <a:t>برنامج</a:t>
+            </a:r>
+            <a:endParaRPr lang="fr-FR" sz="3200" dirty="0">
+              <a:solidFill>
+                <a:srgbClr val="FF0000"/>
+              </a:solidFill>
+            </a:endParaRPr>
+          </a:p>
+        </p:txBody>
+      </p:sp>
+      <p:sp>
+        <p:nvSpPr>
+          <p:cNvPr id="9" name="ZoneTexte 8"/>
+          <p:cNvSpPr txBox="1"/>
+          <p:nvPr/>
+        </p:nvSpPr>
+        <p:spPr>
+          <a:xfrm>
+            <a:off x="4196219" y="2296921"/>
+            <a:ext cx="2179529" cy="584775"/>
+          </a:xfrm>
+          <a:prstGeom prst="rect">
+            <a:avLst/>
+          </a:prstGeom>
+          <a:solidFill>
+            <a:schemeClr val="bg1"/>
+          </a:solidFill>
+        </p:spPr>
+        <p:txBody>
+          <a:bodyPr wrap="square" rtlCol="0">
+            <a:spAutoFit/>
+          </a:bodyPr>
+          <a:lstStyle/>
+          <a:p>
+            <a:pPr algn="ctr"/>
+            <a:r>
+              <a:rPr lang="ar-DZ" sz="3200" dirty="0" smtClean="0">
+                <a:solidFill>
+                  <a:srgbClr val="FF0000"/>
+                </a:solidFill>
+              </a:rPr>
+              <a:t>كتابة نص</a:t>
+            </a:r>
+            <a:endParaRPr lang="fr-FR" sz="3200" dirty="0">
+              <a:solidFill>
+                <a:srgbClr val="FF0000"/>
+              </a:solidFill>
+            </a:endParaRPr>
+          </a:p>
+        </p:txBody>
+      </p:sp>
+      <p:sp>
+        <p:nvSpPr>
+          <p:cNvPr id="10" name="ZoneTexte 9"/>
+          <p:cNvSpPr txBox="1"/>
+          <p:nvPr/>
+        </p:nvSpPr>
+        <p:spPr>
+          <a:xfrm>
+            <a:off x="1147037" y="2296921"/>
+            <a:ext cx="1483430" cy="584775"/>
+          </a:xfrm>
+          <a:prstGeom prst="rect">
+            <a:avLst/>
+          </a:prstGeom>
+          <a:solidFill>
+            <a:schemeClr val="bg1"/>
+          </a:solidFill>
+        </p:spPr>
+        <p:txBody>
+          <a:bodyPr wrap="square" rtlCol="0">
+            <a:spAutoFit/>
+          </a:bodyPr>
+          <a:lstStyle/>
+          <a:p>
+            <a:pPr algn="ctr"/>
+            <a:r>
+              <a:rPr lang="ar-DZ" sz="3200" dirty="0" smtClean="0">
+                <a:solidFill>
+                  <a:srgbClr val="FF0000"/>
+                </a:solidFill>
+              </a:rPr>
+              <a:t>حفظه</a:t>
+            </a:r>
+            <a:endParaRPr lang="fr-FR" sz="3200" dirty="0">
+              <a:solidFill>
+                <a:srgbClr val="FF0000"/>
+              </a:solidFill>
+            </a:endParaRPr>
+          </a:p>
+        </p:txBody>
+      </p:sp>
+      <p:sp>
+        <p:nvSpPr>
+          <p:cNvPr id="11" name="ZoneTexte 10"/>
+          <p:cNvSpPr txBox="1"/>
+          <p:nvPr/>
+        </p:nvSpPr>
+        <p:spPr>
+          <a:xfrm>
+            <a:off x="8151174" y="2773836"/>
+            <a:ext cx="1343555" cy="584775"/>
+          </a:xfrm>
+          <a:prstGeom prst="rect">
+            <a:avLst/>
+          </a:prstGeom>
+          <a:solidFill>
+            <a:schemeClr val="bg1"/>
+          </a:solidFill>
+        </p:spPr>
+        <p:txBody>
+          <a:bodyPr wrap="square" rtlCol="0">
+            <a:spAutoFit/>
+          </a:bodyPr>
+          <a:lstStyle/>
+          <a:p>
+            <a:pPr algn="ctr"/>
+            <a:r>
+              <a:rPr lang="ar-DZ" sz="3200" dirty="0" smtClean="0">
+                <a:solidFill>
+                  <a:srgbClr val="FF0000"/>
+                </a:solidFill>
+              </a:rPr>
+              <a:t>الصور</a:t>
+            </a:r>
+            <a:endParaRPr lang="fr-FR" sz="3200" dirty="0">
+              <a:solidFill>
+                <a:srgbClr val="FF0000"/>
+              </a:solidFill>
+            </a:endParaRPr>
+          </a:p>
+        </p:txBody>
+      </p:sp>
+      <p:sp>
+        <p:nvSpPr>
+          <p:cNvPr id="14" name="ZoneTexte 13"/>
+          <p:cNvSpPr txBox="1"/>
+          <p:nvPr/>
+        </p:nvSpPr>
+        <p:spPr>
+          <a:xfrm>
+            <a:off x="6288066" y="2773835"/>
+            <a:ext cx="1512379" cy="584775"/>
+          </a:xfrm>
+          <a:prstGeom prst="rect">
+            <a:avLst/>
+          </a:prstGeom>
+          <a:solidFill>
+            <a:schemeClr val="bg1"/>
+          </a:solidFill>
+        </p:spPr>
+        <p:txBody>
+          <a:bodyPr wrap="square" rtlCol="0">
+            <a:spAutoFit/>
+          </a:bodyPr>
+          <a:lstStyle/>
+          <a:p>
+            <a:pPr algn="ctr"/>
+            <a:r>
+              <a:rPr lang="ar-DZ" sz="3200" dirty="0" smtClean="0">
+                <a:solidFill>
+                  <a:srgbClr val="FF0000"/>
+                </a:solidFill>
+              </a:rPr>
+              <a:t>الأشكال</a:t>
+            </a:r>
+            <a:endParaRPr lang="fr-FR" sz="3200" dirty="0">
+              <a:solidFill>
+                <a:srgbClr val="FF0000"/>
+              </a:solidFill>
+            </a:endParaRPr>
+          </a:p>
+        </p:txBody>
+      </p:sp>
+      <p:sp>
+        <p:nvSpPr>
+          <p:cNvPr id="15" name="ZoneTexte 14"/>
+          <p:cNvSpPr txBox="1"/>
+          <p:nvPr/>
+        </p:nvSpPr>
+        <p:spPr>
+          <a:xfrm>
+            <a:off x="2417523" y="3227876"/>
+            <a:ext cx="2868461" cy="584775"/>
+          </a:xfrm>
+          <a:prstGeom prst="rect">
+            <a:avLst/>
+          </a:prstGeom>
+          <a:solidFill>
+            <a:schemeClr val="bg1"/>
+          </a:solidFill>
+        </p:spPr>
+        <p:txBody>
+          <a:bodyPr wrap="square" rtlCol="0">
+            <a:spAutoFit/>
+          </a:bodyPr>
+          <a:lstStyle/>
+          <a:p>
+            <a:pPr algn="ctr"/>
+            <a:r>
+              <a:rPr lang="fr-FR" sz="3200" dirty="0" smtClean="0">
+                <a:solidFill>
+                  <a:srgbClr val="FF0000"/>
+                </a:solidFill>
+              </a:rPr>
+              <a:t>Microsoft Word</a:t>
+            </a:r>
+            <a:endParaRPr lang="fr-FR" sz="3200" dirty="0">
+              <a:solidFill>
+                <a:srgbClr val="FF0000"/>
+              </a:solidFill>
+            </a:endParaRPr>
+          </a:p>
+        </p:txBody>
+      </p:sp>
     </p:spTree>
     <p:extLst>
       <p:ext uri="{BB962C8B-B14F-4D97-AF65-F5344CB8AC3E}">
-        <p14:creationId xmlns:p14="http://schemas.microsoft.com/office/powerpoint/2010/main" val="2346068650"/>
+        <p14:creationId xmlns:p14="http://schemas.microsoft.com/office/powerpoint/2010/main" val="2217613158"/>
       </p:ext>
     </p:extLst>
   </p:cSld>
@@ -3575,9 +4368,6 @@
                     <p:cTn id="3" fill="hold">
                       <p:stCondLst>
                         <p:cond delay="indefinite"/>
-                        <p:cond evt="onBegin" delay="0">
-                          <p:tn val="2"/>
-                        </p:cond>
                       </p:stCondLst>
                       <p:childTnLst>
                         <p:par>
@@ -3587,7 +4377,7 @@
                             </p:stCondLst>
                             <p:childTnLst>
                               <p:par>
-                                <p:cTn id="5" presetID="42" presetClass="entr" presetSubtype="0" fill="hold" nodeType="withEffect">
+                                <p:cTn id="5" presetID="42" presetClass="entr" presetSubtype="0" fill="hold" grpId="0" nodeType="clickEffect">
                                   <p:stCondLst>
                                     <p:cond delay="0"/>
                                   </p:stCondLst>
@@ -3600,7 +4390,7 @@
                                           </p:stCondLst>
                                         </p:cTn>
                                         <p:tgtEl>
-                                          <p:spTgt spid="2"/>
+                                          <p:spTgt spid="5"/>
                                         </p:tgtEl>
                                         <p:attrNameLst>
                                           <p:attrName>style.visibility</p:attrName>
@@ -3614,7 +4404,7 @@
                                       <p:cBhvr>
                                         <p:cTn id="7" dur="1000"/>
                                         <p:tgtEl>
-                                          <p:spTgt spid="2"/>
+                                          <p:spTgt spid="5"/>
                                         </p:tgtEl>
                                       </p:cBhvr>
                                     </p:animEffect>
@@ -3622,7 +4412,7 @@
                                       <p:cBhvr>
                                         <p:cTn id="8" dur="1000" fill="hold"/>
                                         <p:tgtEl>
-                                          <p:spTgt spid="2"/>
+                                          <p:spTgt spid="5"/>
                                         </p:tgtEl>
                                         <p:attrNameLst>
                                           <p:attrName>ppt_x</p:attrName>
@@ -3645,7 +4435,502 @@
                                       <p:cBhvr>
                                         <p:cTn id="9" dur="1000" fill="hold"/>
                                         <p:tgtEl>
-                                          <p:spTgt spid="2"/>
+                                          <p:spTgt spid="5"/>
+                                        </p:tgtEl>
+                                        <p:attrNameLst>
+                                          <p:attrName>ppt_y</p:attrName>
+                                        </p:attrNameLst>
+                                      </p:cBhvr>
+                                      <p:tavLst>
+                                        <p:tav tm="0">
+                                          <p:val>
+                                            <p:strVal val="#ppt_y+.1"/>
+                                          </p:val>
+                                        </p:tav>
+                                        <p:tav tm="100000">
+                                          <p:val>
+                                            <p:strVal val="#ppt_y"/>
+                                          </p:val>
+                                        </p:tav>
+                                      </p:tavLst>
+                                    </p:anim>
+                                  </p:childTnLst>
+                                </p:cTn>
+                              </p:par>
+                            </p:childTnLst>
+                          </p:cTn>
+                        </p:par>
+                      </p:childTnLst>
+                    </p:cTn>
+                  </p:par>
+                  <p:par>
+                    <p:cTn id="10" fill="hold">
+                      <p:stCondLst>
+                        <p:cond delay="indefinite"/>
+                      </p:stCondLst>
+                      <p:childTnLst>
+                        <p:par>
+                          <p:cTn id="11" fill="hold">
+                            <p:stCondLst>
+                              <p:cond delay="0"/>
+                            </p:stCondLst>
+                            <p:childTnLst>
+                              <p:par>
+                                <p:cTn id="12" presetID="42" presetClass="entr" presetSubtype="0" fill="hold" grpId="0" nodeType="clickEffect">
+                                  <p:stCondLst>
+                                    <p:cond delay="0"/>
+                                  </p:stCondLst>
+                                  <p:childTnLst>
+                                    <p:set>
+                                      <p:cBhvr>
+                                        <p:cTn id="13" dur="1" fill="hold">
+                                          <p:stCondLst>
+                                            <p:cond delay="0"/>
+                                          </p:stCondLst>
+                                        </p:cTn>
+                                        <p:tgtEl>
+                                          <p:spTgt spid="9"/>
+                                        </p:tgtEl>
+                                        <p:attrNameLst>
+                                          <p:attrName>style.visibility</p:attrName>
+                                        </p:attrNameLst>
+                                      </p:cBhvr>
+                                      <p:to>
+                                        <p:strVal val="visible"/>
+                                      </p:to>
+                                    </p:set>
+                                    <p:animEffect transition="in" filter="fade">
+                                      <p:cBhvr>
+                                        <p:cTn id="14" dur="1000"/>
+                                        <p:tgtEl>
+                                          <p:spTgt spid="9"/>
+                                        </p:tgtEl>
+                                      </p:cBhvr>
+                                    </p:animEffect>
+                                    <p:anim calcmode="lin" valueType="num">
+                                      <p:cBhvr>
+                                        <p:cTn id="15" dur="1000" fill="hold"/>
+                                        <p:tgtEl>
+                                          <p:spTgt spid="9"/>
+                                        </p:tgtEl>
+                                        <p:attrNameLst>
+                                          <p:attrName>ppt_x</p:attrName>
+                                        </p:attrNameLst>
+                                      </p:cBhvr>
+                                      <p:tavLst>
+                                        <p:tav tm="0">
+                                          <p:val>
+                                            <p:strVal val="#ppt_x"/>
+                                          </p:val>
+                                        </p:tav>
+                                        <p:tav tm="100000">
+                                          <p:val>
+                                            <p:strVal val="#ppt_x"/>
+                                          </p:val>
+                                        </p:tav>
+                                      </p:tavLst>
+                                    </p:anim>
+                                    <p:anim calcmode="lin" valueType="num">
+                                      <p:cBhvr>
+                                        <p:cTn id="16" dur="1000" fill="hold"/>
+                                        <p:tgtEl>
+                                          <p:spTgt spid="9"/>
+                                        </p:tgtEl>
+                                        <p:attrNameLst>
+                                          <p:attrName>ppt_y</p:attrName>
+                                        </p:attrNameLst>
+                                      </p:cBhvr>
+                                      <p:tavLst>
+                                        <p:tav tm="0">
+                                          <p:val>
+                                            <p:strVal val="#ppt_y+.1"/>
+                                          </p:val>
+                                        </p:tav>
+                                        <p:tav tm="100000">
+                                          <p:val>
+                                            <p:strVal val="#ppt_y"/>
+                                          </p:val>
+                                        </p:tav>
+                                      </p:tavLst>
+                                    </p:anim>
+                                  </p:childTnLst>
+                                </p:cTn>
+                              </p:par>
+                            </p:childTnLst>
+                          </p:cTn>
+                        </p:par>
+                      </p:childTnLst>
+                    </p:cTn>
+                  </p:par>
+                  <p:par>
+                    <p:cTn id="17" fill="hold">
+                      <p:stCondLst>
+                        <p:cond delay="indefinite"/>
+                      </p:stCondLst>
+                      <p:childTnLst>
+                        <p:par>
+                          <p:cTn id="18" fill="hold">
+                            <p:stCondLst>
+                              <p:cond delay="0"/>
+                            </p:stCondLst>
+                            <p:childTnLst>
+                              <p:par>
+                                <p:cTn id="19" presetID="42" presetClass="entr" presetSubtype="0" fill="hold" grpId="0" nodeType="clickEffect">
+                                  <p:stCondLst>
+                                    <p:cond delay="0"/>
+                                  </p:stCondLst>
+                                  <p:childTnLst>
+                                    <p:set>
+                                      <p:cBhvr>
+                                        <p:cTn id="20" dur="1" fill="hold">
+                                          <p:stCondLst>
+                                            <p:cond delay="0"/>
+                                          </p:stCondLst>
+                                        </p:cTn>
+                                        <p:tgtEl>
+                                          <p:spTgt spid="10"/>
+                                        </p:tgtEl>
+                                        <p:attrNameLst>
+                                          <p:attrName>style.visibility</p:attrName>
+                                        </p:attrNameLst>
+                                      </p:cBhvr>
+                                      <p:to>
+                                        <p:strVal val="visible"/>
+                                      </p:to>
+                                    </p:set>
+                                    <p:animEffect transition="in" filter="fade">
+                                      <p:cBhvr>
+                                        <p:cTn id="21" dur="1000"/>
+                                        <p:tgtEl>
+                                          <p:spTgt spid="10"/>
+                                        </p:tgtEl>
+                                      </p:cBhvr>
+                                    </p:animEffect>
+                                    <p:anim calcmode="lin" valueType="num">
+                                      <p:cBhvr>
+                                        <p:cTn id="22" dur="1000" fill="hold"/>
+                                        <p:tgtEl>
+                                          <p:spTgt spid="10"/>
+                                        </p:tgtEl>
+                                        <p:attrNameLst>
+                                          <p:attrName>ppt_x</p:attrName>
+                                        </p:attrNameLst>
+                                      </p:cBhvr>
+                                      <p:tavLst>
+                                        <p:tav tm="0">
+                                          <p:val>
+                                            <p:strVal val="#ppt_x"/>
+                                          </p:val>
+                                        </p:tav>
+                                        <p:tav tm="100000">
+                                          <p:val>
+                                            <p:strVal val="#ppt_x"/>
+                                          </p:val>
+                                        </p:tav>
+                                      </p:tavLst>
+                                    </p:anim>
+                                    <p:anim calcmode="lin" valueType="num">
+                                      <p:cBhvr>
+                                        <p:cTn id="23" dur="1000" fill="hold"/>
+                                        <p:tgtEl>
+                                          <p:spTgt spid="10"/>
+                                        </p:tgtEl>
+                                        <p:attrNameLst>
+                                          <p:attrName>ppt_y</p:attrName>
+                                        </p:attrNameLst>
+                                      </p:cBhvr>
+                                      <p:tavLst>
+                                        <p:tav tm="0">
+                                          <p:val>
+                                            <p:strVal val="#ppt_y+.1"/>
+                                          </p:val>
+                                        </p:tav>
+                                        <p:tav tm="100000">
+                                          <p:val>
+                                            <p:strVal val="#ppt_y"/>
+                                          </p:val>
+                                        </p:tav>
+                                      </p:tavLst>
+                                    </p:anim>
+                                  </p:childTnLst>
+                                </p:cTn>
+                              </p:par>
+                            </p:childTnLst>
+                          </p:cTn>
+                        </p:par>
+                      </p:childTnLst>
+                    </p:cTn>
+                  </p:par>
+                  <p:par>
+                    <p:cTn id="24" fill="hold">
+                      <p:stCondLst>
+                        <p:cond delay="indefinite"/>
+                      </p:stCondLst>
+                      <p:childTnLst>
+                        <p:par>
+                          <p:cTn id="25" fill="hold">
+                            <p:stCondLst>
+                              <p:cond delay="0"/>
+                            </p:stCondLst>
+                            <p:childTnLst>
+                              <p:par>
+                                <p:cTn id="26" presetID="42" presetClass="entr" presetSubtype="0" fill="hold" grpId="0" nodeType="clickEffect">
+                                  <p:stCondLst>
+                                    <p:cond delay="0"/>
+                                  </p:stCondLst>
+                                  <p:childTnLst>
+                                    <p:set>
+                                      <p:cBhvr>
+                                        <p:cTn id="27" dur="1" fill="hold">
+                                          <p:stCondLst>
+                                            <p:cond delay="0"/>
+                                          </p:stCondLst>
+                                        </p:cTn>
+                                        <p:tgtEl>
+                                          <p:spTgt spid="11"/>
+                                        </p:tgtEl>
+                                        <p:attrNameLst>
+                                          <p:attrName>style.visibility</p:attrName>
+                                        </p:attrNameLst>
+                                      </p:cBhvr>
+                                      <p:to>
+                                        <p:strVal val="visible"/>
+                                      </p:to>
+                                    </p:set>
+                                    <p:animEffect transition="in" filter="fade">
+                                      <p:cBhvr>
+                                        <p:cTn id="28" dur="1000"/>
+                                        <p:tgtEl>
+                                          <p:spTgt spid="11"/>
+                                        </p:tgtEl>
+                                      </p:cBhvr>
+                                    </p:animEffect>
+                                    <p:anim calcmode="lin" valueType="num">
+                                      <p:cBhvr>
+                                        <p:cTn id="29" dur="1000" fill="hold"/>
+                                        <p:tgtEl>
+                                          <p:spTgt spid="11"/>
+                                        </p:tgtEl>
+                                        <p:attrNameLst>
+                                          <p:attrName>ppt_x</p:attrName>
+                                        </p:attrNameLst>
+                                      </p:cBhvr>
+                                      <p:tavLst>
+                                        <p:tav tm="0">
+                                          <p:val>
+                                            <p:strVal val="#ppt_x"/>
+                                          </p:val>
+                                        </p:tav>
+                                        <p:tav tm="100000">
+                                          <p:val>
+                                            <p:strVal val="#ppt_x"/>
+                                          </p:val>
+                                        </p:tav>
+                                      </p:tavLst>
+                                    </p:anim>
+                                    <p:anim calcmode="lin" valueType="num">
+                                      <p:cBhvr>
+                                        <p:cTn id="30" dur="1000" fill="hold"/>
+                                        <p:tgtEl>
+                                          <p:spTgt spid="11"/>
+                                        </p:tgtEl>
+                                        <p:attrNameLst>
+                                          <p:attrName>ppt_y</p:attrName>
+                                        </p:attrNameLst>
+                                      </p:cBhvr>
+                                      <p:tavLst>
+                                        <p:tav tm="0">
+                                          <p:val>
+                                            <p:strVal val="#ppt_y+.1"/>
+                                          </p:val>
+                                        </p:tav>
+                                        <p:tav tm="100000">
+                                          <p:val>
+                                            <p:strVal val="#ppt_y"/>
+                                          </p:val>
+                                        </p:tav>
+                                      </p:tavLst>
+                                    </p:anim>
+                                  </p:childTnLst>
+                                </p:cTn>
+                              </p:par>
+                            </p:childTnLst>
+                          </p:cTn>
+                        </p:par>
+                      </p:childTnLst>
+                    </p:cTn>
+                  </p:par>
+                  <p:par>
+                    <p:cTn id="31" fill="hold">
+                      <p:stCondLst>
+                        <p:cond delay="indefinite"/>
+                      </p:stCondLst>
+                      <p:childTnLst>
+                        <p:par>
+                          <p:cTn id="32" fill="hold">
+                            <p:stCondLst>
+                              <p:cond delay="0"/>
+                            </p:stCondLst>
+                            <p:childTnLst>
+                              <p:par>
+                                <p:cTn id="33" presetID="42" presetClass="entr" presetSubtype="0" fill="hold" grpId="0" nodeType="clickEffect">
+                                  <p:stCondLst>
+                                    <p:cond delay="0"/>
+                                  </p:stCondLst>
+                                  <p:childTnLst>
+                                    <p:set>
+                                      <p:cBhvr>
+                                        <p:cTn id="34" dur="1" fill="hold">
+                                          <p:stCondLst>
+                                            <p:cond delay="0"/>
+                                          </p:stCondLst>
+                                        </p:cTn>
+                                        <p:tgtEl>
+                                          <p:spTgt spid="14"/>
+                                        </p:tgtEl>
+                                        <p:attrNameLst>
+                                          <p:attrName>style.visibility</p:attrName>
+                                        </p:attrNameLst>
+                                      </p:cBhvr>
+                                      <p:to>
+                                        <p:strVal val="visible"/>
+                                      </p:to>
+                                    </p:set>
+                                    <p:animEffect transition="in" filter="fade">
+                                      <p:cBhvr>
+                                        <p:cTn id="35" dur="1000"/>
+                                        <p:tgtEl>
+                                          <p:spTgt spid="14"/>
+                                        </p:tgtEl>
+                                      </p:cBhvr>
+                                    </p:animEffect>
+                                    <p:anim calcmode="lin" valueType="num">
+                                      <p:cBhvr>
+                                        <p:cTn id="36" dur="1000" fill="hold"/>
+                                        <p:tgtEl>
+                                          <p:spTgt spid="14"/>
+                                        </p:tgtEl>
+                                        <p:attrNameLst>
+                                          <p:attrName>ppt_x</p:attrName>
+                                        </p:attrNameLst>
+                                      </p:cBhvr>
+                                      <p:tavLst>
+                                        <p:tav tm="0">
+                                          <p:val>
+                                            <p:strVal val="#ppt_x"/>
+                                          </p:val>
+                                        </p:tav>
+                                        <p:tav tm="100000">
+                                          <p:val>
+                                            <p:strVal val="#ppt_x"/>
+                                          </p:val>
+                                        </p:tav>
+                                      </p:tavLst>
+                                    </p:anim>
+                                    <p:anim calcmode="lin" valueType="num">
+                                      <p:cBhvr>
+                                        <p:cTn id="37" dur="1000" fill="hold"/>
+                                        <p:tgtEl>
+                                          <p:spTgt spid="14"/>
+                                        </p:tgtEl>
+                                        <p:attrNameLst>
+                                          <p:attrName>ppt_y</p:attrName>
+                                        </p:attrNameLst>
+                                      </p:cBhvr>
+                                      <p:tavLst>
+                                        <p:tav tm="0">
+                                          <p:val>
+                                            <p:strVal val="#ppt_y+.1"/>
+                                          </p:val>
+                                        </p:tav>
+                                        <p:tav tm="100000">
+                                          <p:val>
+                                            <p:strVal val="#ppt_y"/>
+                                          </p:val>
+                                        </p:tav>
+                                      </p:tavLst>
+                                    </p:anim>
+                                  </p:childTnLst>
+                                </p:cTn>
+                              </p:par>
+                            </p:childTnLst>
+                          </p:cTn>
+                        </p:par>
+                      </p:childTnLst>
+                    </p:cTn>
+                  </p:par>
+                  <p:par>
+                    <p:cTn id="38" fill="hold">
+                      <p:stCondLst>
+                        <p:cond delay="indefinite"/>
+                      </p:stCondLst>
+                      <p:childTnLst>
+                        <p:par>
+                          <p:cTn id="39" fill="hold">
+                            <p:stCondLst>
+                              <p:cond delay="0"/>
+                            </p:stCondLst>
+                            <p:childTnLst>
+                              <p:par>
+                                <p:cTn id="40" presetID="42" presetClass="entr" presetSubtype="0" fill="hold" grpId="0" nodeType="clickEffect">
+                                  <p:stCondLst>
+                                    <p:cond delay="0"/>
+                                  </p:stCondLst>
+                                  <p:childTnLst>
+                                    <p:set>
+                                      <p:cBhvr>
+                                        <p:cTn id="41" dur="1" fill="hold">
+                                          <p:stCondLst>
+                                            <p:cond delay="0"/>
+                                          </p:stCondLst>
+                                        </p:cTn>
+                                        <p:tgtEl>
+                                          <p:spTgt spid="15"/>
+                                        </p:tgtEl>
+                                        <p:attrNameLst>
+                                          <p:attrName>style.visibility</p:attrName>
+                                        </p:attrNameLst>
+                                      </p:cBhvr>
+                                      <p:to>
+                                        <p:strVal val="visible"/>
+                                      </p:to>
+                                    </p:set>
+                                    <p:animEffect transition="in" filter="fade">
+                                      <p:cBhvr>
+                                        <p:cTn id="42" dur="1000"/>
+                                        <p:tgtEl>
+                                          <p:spTgt spid="15"/>
+                                        </p:tgtEl>
+                                      </p:cBhvr>
+                                    </p:animEffect>
+                                    <p:anim calcmode="lin" valueType="num">
+                                      <p:cBhvr>
+                                        <p:cTn id="43" dur="1000" fill="hold"/>
+                                        <p:tgtEl>
+                                          <p:spTgt spid="15"/>
+                                        </p:tgtEl>
+                                        <p:attrNameLst>
+                                          <p:attrName>ppt_x</p:attrName>
+                                        </p:attrNameLst>
+                                      </p:cBhvr>
+                                      <p:tavLst>
+                                        <p:tav tm="0">
+                                          <p:val>
+                                            <p:strVal val="#ppt_x"/>
+                                          </p:val>
+                                        </p:tav>
+                                        <p:tav tm="100000">
+                                          <p:val>
+                                            <p:strVal val="#ppt_x"/>
+                                          </p:val>
+                                        </p:tav>
+                                      </p:tavLst>
+                                    </p:anim>
+                                    <p:anim calcmode="lin" valueType="num">
+                                      <p:cBhvr>
+                                        <p:cTn id="44" dur="1000" fill="hold"/>
+                                        <p:tgtEl>
+                                          <p:spTgt spid="15"/>
                                         </p:tgtEl>
                                         <p:attrNameLst>
                                           <p:attrName>ppt_y</p:attrName>
@@ -3694,662 +4979,19 @@
         </p:cTn>
       </p:par>
     </p:tnLst>
-  </p:timing>
-</p:sld>
-</file>
-
-<file path=ppt/slides/slide3.xml><?xml version="1.0" encoding="utf-8"?>
-<p:sld xmlns:a="http://schemas.openxmlformats.org/drawingml/2006/main" xmlns:r="http://schemas.openxmlformats.org/officeDocument/2006/relationships" xmlns:p="http://schemas.openxmlformats.org/presentationml/2006/main">
-  <p:cSld>
-    <p:spTree>
-      <p:nvGrpSpPr>
-        <p:cNvPr id="1" name=""/>
-        <p:cNvGrpSpPr/>
-        <p:nvPr/>
-      </p:nvGrpSpPr>
-      <p:grpSpPr>
-        <a:xfrm>
-          <a:off x="0" y="0"/>
-          <a:ext cx="0" cy="0"/>
-          <a:chOff x="0" y="0"/>
-          <a:chExt cx="0" cy="0"/>
-        </a:xfrm>
-      </p:grpSpPr>
-      <p:sp>
-        <p:nvSpPr>
-          <p:cNvPr id="12" name="Rectangle 11"/>
-          <p:cNvSpPr/>
-          <p:nvPr/>
-        </p:nvSpPr>
-        <p:spPr>
-          <a:xfrm>
-            <a:off x="538619" y="750364"/>
-            <a:ext cx="11348581" cy="1077218"/>
-          </a:xfrm>
-          <a:prstGeom prst="rect">
-            <a:avLst/>
-          </a:prstGeom>
-          <a:ln>
-            <a:noFill/>
-          </a:ln>
-        </p:spPr>
-        <p:style>
-          <a:lnRef idx="2">
-            <a:schemeClr val="dk1"/>
-          </a:lnRef>
-          <a:fillRef idx="1">
-            <a:schemeClr val="lt1"/>
-          </a:fillRef>
-          <a:effectRef idx="0">
-            <a:schemeClr val="dk1"/>
-          </a:effectRef>
-          <a:fontRef idx="minor">
-            <a:schemeClr val="dk1"/>
-          </a:fontRef>
-        </p:style>
-        <p:txBody>
-          <a:bodyPr wrap="square">
-            <a:spAutoFit/>
-          </a:bodyPr>
-          <a:lstStyle/>
-          <a:p>
-            <a:pPr algn="r" rtl="1"/>
-            <a:r>
-              <a:rPr lang="ar-SA" sz="3200" dirty="0">
-                <a:cs typeface="+mj-cs"/>
-              </a:rPr>
-              <a:t>قم الى حاسوبك و حاول انشاء مجلد على سطح المكتب تحت اسم "صور" و حاول نسخ الصور الموجودة على سطح المكتب بداخله مستعينا بالخريطة </a:t>
-            </a:r>
-            <a:r>
-              <a:rPr lang="ar-SA" sz="3200" dirty="0" smtClean="0">
-                <a:cs typeface="+mj-cs"/>
-              </a:rPr>
-              <a:t>الاتية</a:t>
-            </a:r>
-            <a:r>
-              <a:rPr lang="fr-FR" sz="3200" dirty="0" smtClean="0">
-                <a:cs typeface="+mj-cs"/>
-              </a:rPr>
-              <a:t> </a:t>
-            </a:r>
-            <a:r>
-              <a:rPr lang="ar-SA" sz="3200" dirty="0" smtClean="0">
-                <a:cs typeface="+mj-cs"/>
-              </a:rPr>
-              <a:t>:</a:t>
-            </a:r>
-            <a:endParaRPr lang="ar-DZ" sz="3200" dirty="0">
-              <a:cs typeface="+mj-cs"/>
-            </a:endParaRPr>
-          </a:p>
-        </p:txBody>
-      </p:sp>
-      <p:sp>
-        <p:nvSpPr>
-          <p:cNvPr id="13" name="Rectangle 12"/>
-          <p:cNvSpPr/>
-          <p:nvPr/>
-        </p:nvSpPr>
-        <p:spPr>
-          <a:xfrm>
-            <a:off x="375781" y="36812"/>
-            <a:ext cx="11511419" cy="689099"/>
-          </a:xfrm>
-          <a:prstGeom prst="rect">
-            <a:avLst/>
-          </a:prstGeom>
-        </p:spPr>
-        <p:txBody>
-          <a:bodyPr wrap="square">
-            <a:spAutoFit/>
-          </a:bodyPr>
-          <a:lstStyle/>
-          <a:p>
-            <a:pPr algn="r" rtl="1">
-              <a:lnSpc>
-                <a:spcPct val="115000"/>
-              </a:lnSpc>
-              <a:spcAft>
-                <a:spcPts val="1000"/>
-              </a:spcAft>
-            </a:pPr>
-            <a:r>
-              <a:rPr lang="ar-DZ" sz="3600" b="1" u="sng" dirty="0" smtClean="0">
-                <a:solidFill>
-                  <a:srgbClr val="FF0000"/>
-                </a:solidFill>
-                <a:effectLst/>
-                <a:latin typeface="Calibri" panose="020F0502020204030204" pitchFamily="34" charset="0"/>
-                <a:ea typeface="Times New Roman" panose="02020603050405020304" pitchFamily="18" charset="0"/>
-                <a:cs typeface="Times New Roman" panose="02020603050405020304" pitchFamily="18" charset="0"/>
-              </a:rPr>
-              <a:t>نشاط 01 :</a:t>
-            </a:r>
-            <a:r>
-              <a:rPr lang="ar-DZ" sz="3600" b="1" dirty="0" smtClean="0">
-                <a:solidFill>
-                  <a:srgbClr val="FF0000"/>
-                </a:solidFill>
-                <a:effectLst/>
-                <a:latin typeface="Calibri" panose="020F0502020204030204" pitchFamily="34" charset="0"/>
-                <a:ea typeface="Times New Roman" panose="02020603050405020304" pitchFamily="18" charset="0"/>
-                <a:cs typeface="Times New Roman" panose="02020603050405020304" pitchFamily="18" charset="0"/>
-              </a:rPr>
-              <a:t> </a:t>
-            </a:r>
-            <a:r>
-              <a:rPr lang="ar-DZ" sz="2800" b="1" dirty="0">
-                <a:solidFill>
-                  <a:srgbClr val="0070C0"/>
-                </a:solidFill>
-              </a:rPr>
-              <a:t>(</a:t>
-            </a:r>
-            <a:r>
-              <a:rPr lang="ar-DZ" sz="2800" b="1" dirty="0" smtClean="0">
-                <a:solidFill>
-                  <a:srgbClr val="0070C0"/>
-                </a:solidFill>
-              </a:rPr>
-              <a:t>نسخ </a:t>
-            </a:r>
-            <a:r>
-              <a:rPr lang="ar-DZ" sz="2800" b="1" dirty="0">
-                <a:solidFill>
-                  <a:srgbClr val="0070C0"/>
-                </a:solidFill>
-              </a:rPr>
-              <a:t>صور سطح المكتب إلي المجلد "صور")</a:t>
-            </a:r>
-            <a:endParaRPr lang="fr-FR" sz="2800" b="1" dirty="0">
-              <a:solidFill>
-                <a:srgbClr val="0070C0"/>
-              </a:solidFill>
-            </a:endParaRPr>
-          </a:p>
-        </p:txBody>
-      </p:sp>
-      <p:pic>
-        <p:nvPicPr>
-          <p:cNvPr id="7" name="Image 6"/>
-          <p:cNvPicPr/>
-          <p:nvPr/>
-        </p:nvPicPr>
-        <p:blipFill>
-          <a:blip r:embed="rId2"/>
-          <a:stretch>
-            <a:fillRect/>
-          </a:stretch>
-        </p:blipFill>
-        <p:spPr>
-          <a:xfrm>
-            <a:off x="3594971" y="1852035"/>
-            <a:ext cx="6458506" cy="5005965"/>
-          </a:xfrm>
-          <a:prstGeom prst="rect">
-            <a:avLst/>
-          </a:prstGeom>
-        </p:spPr>
-      </p:pic>
-    </p:spTree>
-    <p:extLst>
-      <p:ext uri="{BB962C8B-B14F-4D97-AF65-F5344CB8AC3E}">
-        <p14:creationId xmlns:p14="http://schemas.microsoft.com/office/powerpoint/2010/main" val="2217613158"/>
-      </p:ext>
-    </p:extLst>
-  </p:cSld>
-  <p:clrMapOvr>
-    <a:masterClrMapping/>
-  </p:clrMapOvr>
-  <p:transition spd="slow">
-    <p:push dir="u"/>
-  </p:transition>
-  <p:timing>
-    <p:tnLst>
-      <p:par>
-        <p:cTn id="1" dur="indefinite" restart="never" nodeType="tmRoot"/>
-      </p:par>
-    </p:tnLst>
-  </p:timing>
-</p:sld>
-</file>
-
-<file path=ppt/slides/slide4.xml><?xml version="1.0" encoding="utf-8"?>
-<p:sld xmlns:a="http://schemas.openxmlformats.org/drawingml/2006/main" xmlns:r="http://schemas.openxmlformats.org/officeDocument/2006/relationships" xmlns:p="http://schemas.openxmlformats.org/presentationml/2006/main">
-  <p:cSld>
-    <p:spTree>
-      <p:nvGrpSpPr>
-        <p:cNvPr id="1" name=""/>
-        <p:cNvGrpSpPr/>
-        <p:nvPr/>
-      </p:nvGrpSpPr>
-      <p:grpSpPr>
-        <a:xfrm>
-          <a:off x="0" y="0"/>
-          <a:ext cx="0" cy="0"/>
-          <a:chOff x="0" y="0"/>
-          <a:chExt cx="0" cy="0"/>
-        </a:xfrm>
-      </p:grpSpPr>
-      <p:sp>
-        <p:nvSpPr>
-          <p:cNvPr id="13" name="Rectangle 12"/>
-          <p:cNvSpPr/>
-          <p:nvPr/>
-        </p:nvSpPr>
-        <p:spPr>
-          <a:xfrm>
-            <a:off x="375781" y="366846"/>
-            <a:ext cx="11511419" cy="622799"/>
-          </a:xfrm>
-          <a:prstGeom prst="rect">
-            <a:avLst/>
-          </a:prstGeom>
-        </p:spPr>
-        <p:txBody>
-          <a:bodyPr wrap="square">
-            <a:spAutoFit/>
-          </a:bodyPr>
-          <a:lstStyle/>
-          <a:p>
-            <a:pPr algn="r" rtl="1">
-              <a:lnSpc>
-                <a:spcPct val="115000"/>
-              </a:lnSpc>
-              <a:spcAft>
-                <a:spcPts val="1000"/>
-              </a:spcAft>
-            </a:pPr>
-            <a:r>
-              <a:rPr lang="ar-DZ" sz="3200" b="1" u="sng" dirty="0" smtClean="0">
-                <a:solidFill>
-                  <a:srgbClr val="FF0000"/>
-                </a:solidFill>
-                <a:effectLst/>
-                <a:latin typeface="Calibri" panose="020F0502020204030204" pitchFamily="34" charset="0"/>
-                <a:ea typeface="Times New Roman" panose="02020603050405020304" pitchFamily="18" charset="0"/>
-                <a:cs typeface="Times New Roman" panose="02020603050405020304" pitchFamily="18" charset="0"/>
-              </a:rPr>
-              <a:t>نشاط 02 :</a:t>
-            </a:r>
-            <a:r>
-              <a:rPr lang="ar-DZ" sz="3200" b="1" dirty="0" smtClean="0">
-                <a:solidFill>
-                  <a:srgbClr val="FF0000"/>
-                </a:solidFill>
-                <a:effectLst/>
-                <a:latin typeface="Calibri" panose="020F0502020204030204" pitchFamily="34" charset="0"/>
-                <a:ea typeface="Times New Roman" panose="02020603050405020304" pitchFamily="18" charset="0"/>
-                <a:cs typeface="Times New Roman" panose="02020603050405020304" pitchFamily="18" charset="0"/>
-              </a:rPr>
-              <a:t> </a:t>
-            </a:r>
-            <a:r>
-              <a:rPr lang="ar-DZ" sz="2800" b="1" dirty="0">
-                <a:solidFill>
-                  <a:srgbClr val="0070C0"/>
-                </a:solidFill>
-              </a:rPr>
-              <a:t>(نقل المجلد "صور" إلى القرص </a:t>
-            </a:r>
-            <a:r>
-              <a:rPr lang="fr-FR" sz="2800" b="1" dirty="0">
-                <a:solidFill>
-                  <a:srgbClr val="0070C0"/>
-                </a:solidFill>
-              </a:rPr>
-              <a:t>D</a:t>
-            </a:r>
-            <a:r>
-              <a:rPr lang="ar-DZ" sz="2800" b="1" dirty="0">
-                <a:solidFill>
-                  <a:srgbClr val="0070C0"/>
-                </a:solidFill>
-              </a:rPr>
-              <a:t>)</a:t>
-            </a:r>
-            <a:endParaRPr lang="fr-FR" sz="2800" dirty="0">
-              <a:solidFill>
-                <a:srgbClr val="0070C0"/>
-              </a:solidFill>
-            </a:endParaRPr>
-          </a:p>
-        </p:txBody>
-      </p:sp>
-      <p:sp>
-        <p:nvSpPr>
-          <p:cNvPr id="2" name="Rectangle 1"/>
-          <p:cNvSpPr/>
-          <p:nvPr/>
-        </p:nvSpPr>
-        <p:spPr>
-          <a:xfrm>
-            <a:off x="375781" y="1302800"/>
-            <a:ext cx="11511419" cy="2862322"/>
-          </a:xfrm>
-          <a:prstGeom prst="rect">
-            <a:avLst/>
-          </a:prstGeom>
-        </p:spPr>
-        <p:txBody>
-          <a:bodyPr wrap="square">
-            <a:spAutoFit/>
-          </a:bodyPr>
-          <a:lstStyle/>
-          <a:p>
-            <a:pPr marL="571500" lvl="0" indent="-571500" algn="r" rtl="1">
-              <a:buFont typeface="Wingdings" panose="05000000000000000000" pitchFamily="2" charset="2"/>
-              <a:buChar char="Ø"/>
-            </a:pPr>
-            <a:r>
-              <a:rPr lang="ar-SA" sz="3600" dirty="0"/>
-              <a:t>احتجت الى نقل المجلد " صور" و وضعه في القرص </a:t>
-            </a:r>
-            <a:r>
-              <a:rPr lang="fr-FR" sz="3600" dirty="0"/>
-              <a:t>D </a:t>
-            </a:r>
-            <a:r>
-              <a:rPr lang="ar-DZ" sz="3600" dirty="0" smtClean="0"/>
-              <a:t> </a:t>
-            </a:r>
-            <a:r>
-              <a:rPr lang="ar-SA" sz="3600" dirty="0" smtClean="0"/>
-              <a:t>الموجود </a:t>
-            </a:r>
-            <a:r>
-              <a:rPr lang="ar-SA" sz="3600" dirty="0"/>
-              <a:t>في </a:t>
-            </a:r>
-            <a:r>
-              <a:rPr lang="ar-SA" sz="3600" dirty="0" smtClean="0"/>
-              <a:t>ايقونة</a:t>
-            </a:r>
-            <a:r>
-              <a:rPr lang="fr-FR" sz="3600" dirty="0" smtClean="0"/>
-              <a:t>Ce PC   </a:t>
-            </a:r>
-            <a:endParaRPr lang="fr-FR" sz="3600" dirty="0"/>
-          </a:p>
-          <a:p>
-            <a:pPr marL="571500" lvl="0" indent="-571500" algn="r" rtl="1">
-              <a:buFont typeface="Wingdings" panose="05000000000000000000" pitchFamily="2" charset="2"/>
-              <a:buChar char="Ø"/>
-            </a:pPr>
-            <a:r>
-              <a:rPr lang="ar-SA" sz="3600" dirty="0" smtClean="0"/>
-              <a:t>هل </a:t>
-            </a:r>
-            <a:r>
-              <a:rPr lang="ar-SA" sz="3600" dirty="0"/>
-              <a:t>يمكن ذلك ؟ </a:t>
-            </a:r>
-          </a:p>
-          <a:p>
-            <a:pPr marL="571500" lvl="0" indent="-571500" algn="r" rtl="1">
-              <a:buFont typeface="Wingdings" panose="05000000000000000000" pitchFamily="2" charset="2"/>
-              <a:buChar char="Ø"/>
-            </a:pPr>
-            <a:r>
-              <a:rPr lang="ar-SA" sz="3600" dirty="0" smtClean="0"/>
-              <a:t>جد </a:t>
-            </a:r>
-            <a:r>
-              <a:rPr lang="ar-SA" sz="3600" dirty="0"/>
-              <a:t>التعليمة المناسبة للقيام بهذا العمل.</a:t>
-            </a:r>
-          </a:p>
-          <a:p>
-            <a:pPr marL="571500" lvl="0" indent="-571500" algn="r" rtl="1">
-              <a:buFont typeface="Wingdings" panose="05000000000000000000" pitchFamily="2" charset="2"/>
-              <a:buChar char="Ø"/>
-            </a:pPr>
-            <a:r>
-              <a:rPr lang="ar-SA" sz="3600" dirty="0" smtClean="0"/>
-              <a:t>يمكنك </a:t>
-            </a:r>
-            <a:r>
-              <a:rPr lang="ar-SA" sz="3600" dirty="0" err="1"/>
-              <a:t>الإستعانة</a:t>
-            </a:r>
-            <a:r>
-              <a:rPr lang="ar-SA" sz="3600" dirty="0"/>
-              <a:t> دائما بالخريطة </a:t>
-            </a:r>
-            <a:r>
-              <a:rPr lang="ar-SA" sz="3600" dirty="0" err="1"/>
-              <a:t>المفاهيمية</a:t>
-            </a:r>
-            <a:r>
-              <a:rPr lang="ar-SA" sz="3600" dirty="0"/>
-              <a:t>.</a:t>
-            </a:r>
-            <a:endParaRPr lang="fr-FR" sz="3600" dirty="0"/>
-          </a:p>
-        </p:txBody>
-      </p:sp>
-    </p:spTree>
-    <p:extLst>
-      <p:ext uri="{BB962C8B-B14F-4D97-AF65-F5344CB8AC3E}">
-        <p14:creationId xmlns:p14="http://schemas.microsoft.com/office/powerpoint/2010/main" val="3853107822"/>
-      </p:ext>
-    </p:extLst>
-  </p:cSld>
-  <p:clrMapOvr>
-    <a:masterClrMapping/>
-  </p:clrMapOvr>
-  <p:transition spd="slow">
-    <p:push dir="u"/>
-  </p:transition>
-  <p:timing>
-    <p:tnLst>
-      <p:par>
-        <p:cTn id="1" dur="indefinite" restart="never" nodeType="tmRoot"/>
-      </p:par>
-    </p:tnLst>
+    <p:bldLst>
+      <p:bldP spid="5" grpId="0" animBg="1"/>
+      <p:bldP spid="9" grpId="0" animBg="1"/>
+      <p:bldP spid="10" grpId="0" animBg="1"/>
+      <p:bldP spid="11" grpId="0" animBg="1"/>
+      <p:bldP spid="14" grpId="0" animBg="1"/>
+      <p:bldP spid="15" grpId="0" animBg="1"/>
+    </p:bldLst>
   </p:timing>
 </p:sld>
 </file>
 
 <file path=ppt/slides/slide5.xml><?xml version="1.0" encoding="utf-8"?>
-<p:sld xmlns:a="http://schemas.openxmlformats.org/drawingml/2006/main" xmlns:r="http://schemas.openxmlformats.org/officeDocument/2006/relationships" xmlns:p="http://schemas.openxmlformats.org/presentationml/2006/main">
-  <p:cSld>
-    <p:spTree>
-      <p:nvGrpSpPr>
-        <p:cNvPr id="1" name=""/>
-        <p:cNvGrpSpPr/>
-        <p:nvPr/>
-      </p:nvGrpSpPr>
-      <p:grpSpPr>
-        <a:xfrm>
-          <a:off x="0" y="0"/>
-          <a:ext cx="0" cy="0"/>
-          <a:chOff x="0" y="0"/>
-          <a:chExt cx="0" cy="0"/>
-        </a:xfrm>
-      </p:grpSpPr>
-      <p:sp>
-        <p:nvSpPr>
-          <p:cNvPr id="13" name="Rectangle 12"/>
-          <p:cNvSpPr/>
-          <p:nvPr/>
-        </p:nvSpPr>
-        <p:spPr>
-          <a:xfrm>
-            <a:off x="375781" y="366846"/>
-            <a:ext cx="11511419" cy="622799"/>
-          </a:xfrm>
-          <a:prstGeom prst="rect">
-            <a:avLst/>
-          </a:prstGeom>
-        </p:spPr>
-        <p:txBody>
-          <a:bodyPr wrap="square">
-            <a:spAutoFit/>
-          </a:bodyPr>
-          <a:lstStyle/>
-          <a:p>
-            <a:pPr algn="r" rtl="1">
-              <a:lnSpc>
-                <a:spcPct val="115000"/>
-              </a:lnSpc>
-              <a:spcAft>
-                <a:spcPts val="1000"/>
-              </a:spcAft>
-            </a:pPr>
-            <a:r>
-              <a:rPr lang="ar-DZ" sz="3200" b="1" u="sng" dirty="0" smtClean="0">
-                <a:solidFill>
-                  <a:srgbClr val="FF0000"/>
-                </a:solidFill>
-                <a:effectLst/>
-                <a:latin typeface="Calibri" panose="020F0502020204030204" pitchFamily="34" charset="0"/>
-                <a:ea typeface="Times New Roman" panose="02020603050405020304" pitchFamily="18" charset="0"/>
-                <a:cs typeface="Times New Roman" panose="02020603050405020304" pitchFamily="18" charset="0"/>
-              </a:rPr>
-              <a:t>نشاط 03 :</a:t>
-            </a:r>
-            <a:r>
-              <a:rPr lang="ar-DZ" sz="3200" b="1" dirty="0" smtClean="0">
-                <a:solidFill>
-                  <a:srgbClr val="FF0000"/>
-                </a:solidFill>
-                <a:effectLst/>
-                <a:latin typeface="Calibri" panose="020F0502020204030204" pitchFamily="34" charset="0"/>
-                <a:ea typeface="Times New Roman" panose="02020603050405020304" pitchFamily="18" charset="0"/>
-                <a:cs typeface="Times New Roman" panose="02020603050405020304" pitchFamily="18" charset="0"/>
-              </a:rPr>
-              <a:t> </a:t>
-            </a:r>
-            <a:r>
-              <a:rPr lang="ar-DZ" sz="2800" b="1" dirty="0">
-                <a:solidFill>
-                  <a:srgbClr val="0070C0"/>
-                </a:solidFill>
-              </a:rPr>
-              <a:t>( حذف المجلد "صور" المتواجد على القرص  </a:t>
-            </a:r>
-            <a:r>
-              <a:rPr lang="fr-FR" sz="2800" b="1" dirty="0">
-                <a:solidFill>
-                  <a:srgbClr val="0070C0"/>
-                </a:solidFill>
-              </a:rPr>
-              <a:t>D</a:t>
-            </a:r>
-            <a:r>
-              <a:rPr lang="ar-DZ" sz="2800" b="1" dirty="0">
-                <a:solidFill>
-                  <a:srgbClr val="0070C0"/>
-                </a:solidFill>
-              </a:rPr>
-              <a:t>)</a:t>
-            </a:r>
-            <a:endParaRPr lang="fr-FR" sz="2800" dirty="0">
-              <a:solidFill>
-                <a:srgbClr val="0070C0"/>
-              </a:solidFill>
-            </a:endParaRPr>
-          </a:p>
-        </p:txBody>
-      </p:sp>
-      <p:sp>
-        <p:nvSpPr>
-          <p:cNvPr id="2" name="Rectangle 1"/>
-          <p:cNvSpPr/>
-          <p:nvPr/>
-        </p:nvSpPr>
-        <p:spPr>
-          <a:xfrm>
-            <a:off x="375781" y="1302800"/>
-            <a:ext cx="11511419" cy="1754326"/>
-          </a:xfrm>
-          <a:prstGeom prst="rect">
-            <a:avLst/>
-          </a:prstGeom>
-        </p:spPr>
-        <p:txBody>
-          <a:bodyPr wrap="square">
-            <a:spAutoFit/>
-          </a:bodyPr>
-          <a:lstStyle/>
-          <a:p>
-            <a:pPr marL="571500" lvl="0" indent="-571500" algn="r" rtl="1">
-              <a:buFont typeface="Wingdings" panose="05000000000000000000" pitchFamily="2" charset="2"/>
-              <a:buChar char="Ø"/>
-            </a:pPr>
-            <a:r>
-              <a:rPr lang="ar-SA" sz="3600" dirty="0"/>
-              <a:t>لم تعد بحاجة إلى المجلد "صور" الموجود علي القرص </a:t>
-            </a:r>
-            <a:r>
-              <a:rPr lang="fr-FR" sz="3600" dirty="0"/>
-              <a:t>D</a:t>
-            </a:r>
-          </a:p>
-          <a:p>
-            <a:pPr marL="571500" lvl="0" indent="-571500" algn="r" rtl="1">
-              <a:buFont typeface="Wingdings" panose="05000000000000000000" pitchFamily="2" charset="2"/>
-              <a:buChar char="Ø"/>
-            </a:pPr>
-            <a:r>
-              <a:rPr lang="ar-DZ" sz="3600" dirty="0" smtClean="0"/>
-              <a:t>م</a:t>
-            </a:r>
-            <a:r>
-              <a:rPr lang="ar-DZ" sz="3600" dirty="0"/>
-              <a:t>ا</a:t>
-            </a:r>
-            <a:r>
-              <a:rPr lang="ar-SA" sz="3600" dirty="0" smtClean="0"/>
-              <a:t>ذا </a:t>
-            </a:r>
-            <a:r>
-              <a:rPr lang="ar-SA" sz="3600" dirty="0"/>
-              <a:t>ستفعل له ؟</a:t>
-            </a:r>
-          </a:p>
-          <a:p>
-            <a:pPr marL="571500" lvl="0" indent="-571500" algn="r" rtl="1">
-              <a:buFont typeface="Wingdings" panose="05000000000000000000" pitchFamily="2" charset="2"/>
-              <a:buChar char="Ø"/>
-            </a:pPr>
-            <a:r>
-              <a:rPr lang="ar-SA" sz="3600" dirty="0" smtClean="0"/>
-              <a:t>كيف </a:t>
-            </a:r>
-            <a:r>
-              <a:rPr lang="ar-SA" sz="3600" dirty="0"/>
-              <a:t>ذلك ؟ </a:t>
-            </a:r>
-            <a:endParaRPr lang="fr-FR" sz="3600" dirty="0"/>
-          </a:p>
-        </p:txBody>
-      </p:sp>
-    </p:spTree>
-    <p:extLst>
-      <p:ext uri="{BB962C8B-B14F-4D97-AF65-F5344CB8AC3E}">
-        <p14:creationId xmlns:p14="http://schemas.microsoft.com/office/powerpoint/2010/main" val="3238671311"/>
-      </p:ext>
-    </p:extLst>
-  </p:cSld>
-  <p:clrMapOvr>
-    <a:masterClrMapping/>
-  </p:clrMapOvr>
-  <p:transition spd="slow">
-    <p:push dir="u"/>
-  </p:transition>
-  <p:timing>
-    <p:tnLst>
-      <p:par>
-        <p:cTn id="1" dur="indefinite" restart="never" nodeType="tmRoot"/>
-      </p:par>
-    </p:tnLst>
-  </p:timing>
-</p:sld>
-</file>
-
-<file path=ppt/slides/slide6.xml><?xml version="1.0" encoding="utf-8"?>
 <p:sld xmlns:a="http://schemas.openxmlformats.org/drawingml/2006/main" xmlns:r="http://schemas.openxmlformats.org/officeDocument/2006/relationships" xmlns:p="http://schemas.openxmlformats.org/presentationml/2006/main">
   <p:cSld>
     <p:bg>
@@ -4485,7 +5127,7 @@
         </p:nvSpPr>
         <p:spPr>
           <a:xfrm>
-            <a:off x="88901" y="988758"/>
+            <a:off x="88901" y="1057210"/>
             <a:ext cx="11702571" cy="1754326"/>
           </a:xfrm>
           <a:prstGeom prst="rect">
@@ -4499,103 +5141,22 @@
           </a:bodyPr>
           <a:lstStyle/>
           <a:p>
-            <a:pPr marL="571500" indent="-571500" algn="r" rtl="1">
-              <a:buFont typeface="Arial" panose="020B0604020202020204" pitchFamily="34" charset="0"/>
-              <a:buChar char="•"/>
-            </a:pPr>
-            <a:r>
-              <a:rPr lang="ar-DZ" sz="3600" dirty="0" smtClean="0">
-                <a:cs typeface="+mj-cs"/>
-              </a:rPr>
-              <a:t>ننقر </a:t>
-            </a:r>
-            <a:r>
-              <a:rPr lang="ar-DZ" sz="3600" dirty="0">
-                <a:cs typeface="+mj-cs"/>
-              </a:rPr>
-              <a:t>بالزر الأيمن للفأرة على الملف أو المجلد فتظهر لنا قائمة الخيارات</a:t>
-            </a:r>
-          </a:p>
-          <a:p>
-            <a:pPr marL="571500" indent="-571500" algn="r" rtl="1">
-              <a:buFont typeface="Arial" panose="020B0604020202020204" pitchFamily="34" charset="0"/>
-              <a:buChar char="•"/>
-            </a:pPr>
-            <a:r>
-              <a:rPr lang="ar-DZ" sz="3600" dirty="0" smtClean="0">
-                <a:cs typeface="+mj-cs"/>
-              </a:rPr>
-              <a:t>نختار </a:t>
-            </a:r>
-            <a:r>
-              <a:rPr lang="ar-DZ" sz="3600" dirty="0">
-                <a:cs typeface="+mj-cs"/>
-              </a:rPr>
-              <a:t>نسخ </a:t>
-            </a:r>
-            <a:r>
-              <a:rPr lang="fr-FR" sz="3600" dirty="0" smtClean="0">
-                <a:cs typeface="+mj-cs"/>
-              </a:rPr>
-              <a:t>copier </a:t>
-            </a:r>
-            <a:r>
-              <a:rPr lang="ar-DZ" sz="3600" dirty="0" smtClean="0">
-                <a:cs typeface="+mj-cs"/>
-              </a:rPr>
-              <a:t> لعملية </a:t>
-            </a:r>
-            <a:r>
-              <a:rPr lang="ar-DZ" sz="3600" dirty="0">
-                <a:cs typeface="+mj-cs"/>
-              </a:rPr>
-              <a:t>النسخ أو نختار </a:t>
-            </a:r>
-            <a:r>
-              <a:rPr lang="ar-DZ" sz="3600" dirty="0" smtClean="0">
-                <a:cs typeface="+mj-cs"/>
-              </a:rPr>
-              <a:t>قص</a:t>
-            </a:r>
-            <a:r>
-              <a:rPr lang="fr-FR" sz="3600" dirty="0" smtClean="0">
-                <a:cs typeface="+mj-cs"/>
-              </a:rPr>
-              <a:t> couper </a:t>
-            </a:r>
-            <a:r>
-              <a:rPr lang="ar-DZ" sz="3600" dirty="0">
-                <a:cs typeface="+mj-cs"/>
-              </a:rPr>
-              <a:t>لعملية النقل </a:t>
-            </a:r>
-          </a:p>
-          <a:p>
-            <a:pPr marL="571500" indent="-571500" algn="r" rtl="1">
-              <a:buFont typeface="Arial" panose="020B0604020202020204" pitchFamily="34" charset="0"/>
-              <a:buChar char="•"/>
-            </a:pPr>
-            <a:r>
-              <a:rPr lang="ar-DZ" sz="3600" dirty="0" smtClean="0">
-                <a:cs typeface="+mj-cs"/>
-              </a:rPr>
-              <a:t>نختار </a:t>
-            </a:r>
-            <a:r>
-              <a:rPr lang="ar-DZ" sz="3600" dirty="0">
-                <a:cs typeface="+mj-cs"/>
-              </a:rPr>
-              <a:t>مكان للصق ثم نضغط بالزر الأيمن للفأرة ونختار من القائمة</a:t>
-            </a:r>
-            <a:r>
-              <a:rPr lang="fr-FR" sz="3600" dirty="0">
-                <a:cs typeface="+mj-cs"/>
-              </a:rPr>
-              <a:t>Coller </a:t>
-            </a:r>
-            <a:endParaRPr lang="ar-DZ" sz="3600" dirty="0">
-              <a:cs typeface="+mj-cs"/>
-            </a:endParaRPr>
+            <a:pPr algn="r" rtl="1"/>
+            <a:r>
+              <a:rPr lang="ar-DZ" sz="3600" dirty="0"/>
+              <a:t>معالج النصوص هو برنامج يسمح بكتابة نص، و تنسيقه، وحفظه كما يسمح بإضافة الصور و الأشكال و الجداول. </a:t>
+            </a:r>
+          </a:p>
+          <a:p>
+            <a:pPr algn="r" rtl="1"/>
+            <a:r>
+              <a:rPr lang="ar-DZ" sz="3600" dirty="0"/>
+              <a:t>من أشهر معالجات النصوص والأكثر استعمالا هو </a:t>
+            </a:r>
+            <a:r>
+              <a:rPr lang="fr-FR" sz="3600" dirty="0"/>
+              <a:t>Microsoft Word</a:t>
+            </a:r>
           </a:p>
         </p:txBody>
       </p:sp>
@@ -4632,7 +5193,7 @@
                 </a:solidFill>
                 <a:cs typeface="+mj-cs"/>
               </a:rPr>
-              <a:t>نقل أو نسخ ملف أو مجلد :</a:t>
+              <a:t>مفهوم برنامج معالج النصوص :</a:t>
             </a:r>
             <a:endParaRPr lang="ar-DZ" sz="3600" b="1" u="sng" dirty="0">
               <a:solidFill>
@@ -4647,6 +5208,127 @@
     <p:extLst>
       <p:ext uri="{BB962C8B-B14F-4D97-AF65-F5344CB8AC3E}">
         <p14:creationId xmlns:p14="http://schemas.microsoft.com/office/powerpoint/2010/main" val="4076906244"/>
+      </p:ext>
+    </p:extLst>
+  </p:cSld>
+  <p:clrMapOvr>
+    <a:masterClrMapping/>
+  </p:clrMapOvr>
+  <p:transition spd="slow">
+    <p:push dir="u"/>
+  </p:transition>
+  <p:timing>
+    <p:tnLst>
+      <p:par>
+        <p:cTn id="1" dur="indefinite" restart="never" nodeType="tmRoot"/>
+      </p:par>
+    </p:tnLst>
+  </p:timing>
+</p:sld>
+</file>
+
+<file path=ppt/slides/slide6.xml><?xml version="1.0" encoding="utf-8"?>
+<p:sld xmlns:a="http://schemas.openxmlformats.org/drawingml/2006/main" xmlns:r="http://schemas.openxmlformats.org/officeDocument/2006/relationships" xmlns:p="http://schemas.openxmlformats.org/presentationml/2006/main">
+  <p:cSld>
+    <p:spTree>
+      <p:nvGrpSpPr>
+        <p:cNvPr id="1" name=""/>
+        <p:cNvGrpSpPr/>
+        <p:nvPr/>
+      </p:nvGrpSpPr>
+      <p:grpSpPr>
+        <a:xfrm>
+          <a:off x="0" y="0"/>
+          <a:ext cx="0" cy="0"/>
+          <a:chOff x="0" y="0"/>
+          <a:chExt cx="0" cy="0"/>
+        </a:xfrm>
+      </p:grpSpPr>
+      <p:sp>
+        <p:nvSpPr>
+          <p:cNvPr id="13" name="Rectangle 12"/>
+          <p:cNvSpPr/>
+          <p:nvPr/>
+        </p:nvSpPr>
+        <p:spPr>
+          <a:xfrm>
+            <a:off x="375781" y="366846"/>
+            <a:ext cx="11511419" cy="689099"/>
+          </a:xfrm>
+          <a:prstGeom prst="rect">
+            <a:avLst/>
+          </a:prstGeom>
+        </p:spPr>
+        <p:txBody>
+          <a:bodyPr wrap="square">
+            <a:spAutoFit/>
+          </a:bodyPr>
+          <a:lstStyle/>
+          <a:p>
+            <a:pPr algn="r" rtl="1">
+              <a:lnSpc>
+                <a:spcPct val="115000"/>
+              </a:lnSpc>
+              <a:spcAft>
+                <a:spcPts val="1000"/>
+              </a:spcAft>
+            </a:pPr>
+            <a:r>
+              <a:rPr lang="ar-DZ" sz="3600" b="1" u="sng" dirty="0" smtClean="0">
+                <a:solidFill>
+                  <a:srgbClr val="FF0000"/>
+                </a:solidFill>
+                <a:effectLst/>
+                <a:latin typeface="Calibri" panose="020F0502020204030204" pitchFamily="34" charset="0"/>
+                <a:ea typeface="Times New Roman" panose="02020603050405020304" pitchFamily="18" charset="0"/>
+                <a:cs typeface="Times New Roman" panose="02020603050405020304" pitchFamily="18" charset="0"/>
+              </a:rPr>
+              <a:t>نشاط 02 :</a:t>
+            </a:r>
+            <a:endParaRPr lang="fr-FR" sz="3200" dirty="0">
+              <a:solidFill>
+                <a:srgbClr val="0070C0"/>
+              </a:solidFill>
+            </a:endParaRPr>
+          </a:p>
+        </p:txBody>
+      </p:sp>
+      <p:sp>
+        <p:nvSpPr>
+          <p:cNvPr id="2" name="Rectangle 1"/>
+          <p:cNvSpPr/>
+          <p:nvPr/>
+        </p:nvSpPr>
+        <p:spPr>
+          <a:xfrm>
+            <a:off x="513567" y="1403009"/>
+            <a:ext cx="11511419" cy="707886"/>
+          </a:xfrm>
+          <a:prstGeom prst="rect">
+            <a:avLst/>
+          </a:prstGeom>
+        </p:spPr>
+        <p:txBody>
+          <a:bodyPr wrap="square">
+            <a:spAutoFit/>
+          </a:bodyPr>
+          <a:lstStyle/>
+          <a:p>
+            <a:pPr marL="571500" indent="-571500" algn="r" rtl="1">
+              <a:buFont typeface="Wingdings" panose="05000000000000000000" pitchFamily="2" charset="2"/>
+              <a:buChar char="Ø"/>
+            </a:pPr>
+            <a:r>
+              <a:rPr lang="ar-DZ" sz="4000" dirty="0"/>
+              <a:t>لنتوجه إلى الحاسوب و نحاول إيجاد مختلف طرق تشغيل البرنامج. </a:t>
+            </a:r>
+          </a:p>
+        </p:txBody>
+      </p:sp>
+    </p:spTree>
+    <p:extLst>
+      <p:ext uri="{BB962C8B-B14F-4D97-AF65-F5344CB8AC3E}">
+        <p14:creationId xmlns:p14="http://schemas.microsoft.com/office/powerpoint/2010/main" val="3853107822"/>
       </p:ext>
     </p:extLst>
   </p:cSld>
@@ -4674,10 +5356,7 @@
         <a:gradFill>
           <a:gsLst>
             <a:gs pos="0">
-              <a:schemeClr val="accent1">
-                <a:lumMod val="5000"/>
-                <a:lumOff val="95000"/>
-              </a:schemeClr>
+              <a:schemeClr val="bg1"/>
             </a:gs>
             <a:gs pos="100000">
               <a:schemeClr val="accent1">
@@ -4796,14 +5475,14 @@
       </p:sp>
       <p:sp>
         <p:nvSpPr>
-          <p:cNvPr id="10" name="ZoneTexte 9"/>
+          <p:cNvPr id="2" name="ZoneTexte 1"/>
           <p:cNvSpPr txBox="1"/>
           <p:nvPr/>
         </p:nvSpPr>
         <p:spPr>
           <a:xfrm>
-            <a:off x="300625" y="226213"/>
-            <a:ext cx="11490847" cy="646331"/>
+            <a:off x="88901" y="1182470"/>
+            <a:ext cx="11702571" cy="1754326"/>
           </a:xfrm>
           <a:prstGeom prst="rect">
             <a:avLst/>
@@ -4816,6 +5495,74 @@
           </a:bodyPr>
           <a:lstStyle/>
           <a:p>
+            <a:pPr algn="r" rtl="1"/>
+            <a:r>
+              <a:rPr lang="ar-DZ" sz="3600" dirty="0"/>
+              <a:t>1. انقر مرتين على اختصاره الموجود على سطح المكتب </a:t>
+            </a:r>
+          </a:p>
+          <a:p>
+            <a:pPr algn="r" rtl="1"/>
+            <a:r>
+              <a:rPr lang="ar-DZ" sz="3600" dirty="0"/>
+              <a:t>2. او انقر على ايقونته المتواجدة على شريط المهام </a:t>
+            </a:r>
+          </a:p>
+          <a:p>
+            <a:pPr algn="r" rtl="1"/>
+            <a:r>
+              <a:rPr lang="ar-DZ" sz="3600" dirty="0"/>
+              <a:t>3. او انقر </a:t>
+            </a:r>
+            <a:r>
+              <a:rPr lang="ar-DZ" sz="3600" dirty="0" smtClean="0"/>
+              <a:t>على</a:t>
+            </a:r>
+            <a:r>
+              <a:rPr lang="fr-FR" sz="3600" dirty="0" smtClean="0"/>
+              <a:t> Démarrer </a:t>
+            </a:r>
+            <a:r>
+              <a:rPr lang="ar-DZ" sz="3600" dirty="0"/>
+              <a:t>ثم </a:t>
+            </a:r>
+            <a:r>
+              <a:rPr lang="ar-DZ" sz="3600" dirty="0" smtClean="0"/>
+              <a:t>اكتب</a:t>
+            </a:r>
+            <a:r>
+              <a:rPr lang="fr-FR" sz="3600" dirty="0" smtClean="0"/>
+              <a:t> Word </a:t>
+            </a:r>
+            <a:r>
+              <a:rPr lang="ar-DZ" sz="3600" dirty="0"/>
+              <a:t>ثم انقر على أيقونته عندما تظهر</a:t>
+            </a:r>
+          </a:p>
+        </p:txBody>
+      </p:sp>
+      <p:sp>
+        <p:nvSpPr>
+          <p:cNvPr id="9" name="ZoneTexte 8"/>
+          <p:cNvSpPr txBox="1"/>
+          <p:nvPr/>
+        </p:nvSpPr>
+        <p:spPr>
+          <a:xfrm>
+            <a:off x="3371708" y="262247"/>
+            <a:ext cx="8419764" cy="646331"/>
+          </a:xfrm>
+          <a:prstGeom prst="rect">
+            <a:avLst/>
+          </a:prstGeom>
+          <a:noFill/>
+        </p:spPr>
+        <p:txBody>
+          <a:bodyPr wrap="square" rtlCol="1">
+            <a:spAutoFit/>
+          </a:bodyPr>
+          <a:lstStyle/>
+          <a:p>
             <a:pPr marL="742950" indent="-742950" algn="r" rtl="1">
               <a:buFont typeface="+mj-lt"/>
               <a:buAutoNum type="arabicPeriod" startAt="2"/>
@@ -4827,124 +5574,39 @@
                 </a:solidFill>
                 <a:cs typeface="+mj-cs"/>
               </a:rPr>
-              <a:t>حذف ملف أو مجلد </a:t>
-            </a:r>
-            <a:r>
-              <a:rPr lang="ar-DZ" sz="3600" b="1" u="sng" dirty="0">
+              <a:t>طرق تشغيل برنامج </a:t>
+            </a:r>
+            <a:r>
+              <a:rPr lang="fr-FR" sz="3600" b="1" u="sng" dirty="0" smtClean="0">
                 <a:solidFill>
                   <a:srgbClr val="FF0000"/>
                 </a:solidFill>
                 <a:cs typeface="+mj-cs"/>
               </a:rPr>
-              <a:t>:</a:t>
-            </a:r>
-          </a:p>
-        </p:txBody>
-      </p:sp>
-      <p:sp>
-        <p:nvSpPr>
-          <p:cNvPr id="4" name="Rectangle 3"/>
-          <p:cNvSpPr/>
-          <p:nvPr/>
-        </p:nvSpPr>
-        <p:spPr>
-          <a:xfrm>
-            <a:off x="300625" y="1057210"/>
-            <a:ext cx="11490847" cy="1200329"/>
-          </a:xfrm>
-          <a:prstGeom prst="rect">
-            <a:avLst/>
-          </a:prstGeom>
-        </p:spPr>
-        <p:txBody>
-          <a:bodyPr wrap="square">
-            <a:spAutoFit/>
-          </a:bodyPr>
-          <a:lstStyle/>
-          <a:p>
-            <a:pPr marL="571500" indent="-571500" algn="r" rtl="1">
-              <a:buFont typeface="Arial" panose="020B0604020202020204" pitchFamily="34" charset="0"/>
-              <a:buChar char="•"/>
-            </a:pPr>
-            <a:r>
-              <a:rPr lang="ar-DZ" sz="3600" dirty="0" smtClean="0">
+              <a:t>Word</a:t>
+            </a:r>
+            <a:r>
+              <a:rPr lang="ar-DZ" sz="3600" b="1" u="sng" dirty="0" smtClean="0">
+                <a:solidFill>
+                  <a:srgbClr val="FF0000"/>
+                </a:solidFill>
                 <a:cs typeface="+mj-cs"/>
               </a:rPr>
-              <a:t>ننقر </a:t>
-            </a:r>
-            <a:r>
-              <a:rPr lang="ar-DZ" sz="3600" dirty="0">
-                <a:cs typeface="+mj-cs"/>
-              </a:rPr>
-              <a:t>بالزر الأيمن للفأرة على الملف أو المجلد الذي نريد حذفه</a:t>
-            </a:r>
-          </a:p>
-          <a:p>
-            <a:pPr marL="571500" indent="-571500" algn="r" rtl="1">
-              <a:buFont typeface="Arial" panose="020B0604020202020204" pitchFamily="34" charset="0"/>
-              <a:buChar char="•"/>
-            </a:pPr>
-            <a:r>
-              <a:rPr lang="ar-DZ" sz="3600" dirty="0" smtClean="0">
-                <a:cs typeface="+mj-cs"/>
-              </a:rPr>
-              <a:t>نختار </a:t>
-            </a:r>
-            <a:r>
-              <a:rPr lang="ar-DZ" sz="3600" dirty="0">
-                <a:cs typeface="+mj-cs"/>
-              </a:rPr>
-              <a:t>من القائمة حذف </a:t>
-            </a:r>
-            <a:r>
-              <a:rPr lang="fr-FR" sz="3600" dirty="0">
-                <a:cs typeface="+mj-cs"/>
-              </a:rPr>
-              <a:t>Supprimer</a:t>
-            </a:r>
-            <a:endParaRPr lang="ar-DZ" sz="3600" dirty="0">
+              <a:t> :</a:t>
+            </a:r>
+            <a:endParaRPr lang="ar-DZ" sz="3600" b="1" u="sng" dirty="0">
+              <a:solidFill>
+                <a:srgbClr val="FF0000"/>
+              </a:solidFill>
               <a:cs typeface="+mj-cs"/>
             </a:endParaRPr>
           </a:p>
         </p:txBody>
       </p:sp>
-      <p:pic>
-        <p:nvPicPr>
-          <p:cNvPr id="5" name="Image 4"/>
-          <p:cNvPicPr/>
-          <p:nvPr/>
-        </p:nvPicPr>
-        <p:blipFill>
-          <a:blip r:embed="rId2">
-            <a:extLst>
-              <a:ext uri="{28A0092B-C50C-407E-A947-70E740481C1C}">
-                <a14:useLocalDpi xmlns:a14="http://schemas.microsoft.com/office/drawing/2010/main" val="0"/>
-              </a:ext>
-            </a:extLst>
-          </a:blip>
-          <a:stretch>
-            <a:fillRect/>
-          </a:stretch>
-        </p:blipFill>
-        <p:spPr>
-          <a:xfrm>
-            <a:off x="4221271" y="2561900"/>
-            <a:ext cx="4160063" cy="3901531"/>
-          </a:xfrm>
-          <a:prstGeom prst="rect">
-            <a:avLst/>
-          </a:prstGeom>
-          <a:ln w="38100">
-            <a:solidFill>
-              <a:schemeClr val="tx1"/>
-            </a:solidFill>
-          </a:ln>
-        </p:spPr>
-      </p:pic>
     </p:spTree>
     <p:extLst>
       <p:ext uri="{BB962C8B-B14F-4D97-AF65-F5344CB8AC3E}">
-        <p14:creationId xmlns:p14="http://schemas.microsoft.com/office/powerpoint/2010/main" val="1820897292"/>
+        <p14:creationId xmlns:p14="http://schemas.microsoft.com/office/powerpoint/2010/main" val="2457771603"/>
       </p:ext>
     </p:extLst>
   </p:cSld>
@@ -4967,11 +5629,2593 @@
 <file path=ppt/slides/slide8.xml><?xml version="1.0" encoding="utf-8"?>
 <p:sld xmlns:a="http://schemas.openxmlformats.org/drawingml/2006/main" xmlns:r="http://schemas.openxmlformats.org/officeDocument/2006/relationships" xmlns:p="http://schemas.openxmlformats.org/presentationml/2006/main">
   <p:cSld>
+    <p:spTree>
+      <p:nvGrpSpPr>
+        <p:cNvPr id="1" name=""/>
+        <p:cNvGrpSpPr/>
+        <p:nvPr/>
+      </p:nvGrpSpPr>
+      <p:grpSpPr>
+        <a:xfrm>
+          <a:off x="0" y="0"/>
+          <a:ext cx="0" cy="0"/>
+          <a:chOff x="0" y="0"/>
+          <a:chExt cx="0" cy="0"/>
+        </a:xfrm>
+      </p:grpSpPr>
+      <p:sp>
+        <p:nvSpPr>
+          <p:cNvPr id="6" name="Rectangle 5"/>
+          <p:cNvSpPr>
+            <a:spLocks noChangeArrowheads="1"/>
+          </p:cNvSpPr>
+          <p:nvPr/>
+        </p:nvSpPr>
+        <p:spPr bwMode="auto">
+          <a:xfrm>
+            <a:off x="4829578" y="687878"/>
+            <a:ext cx="184731" cy="369332"/>
+          </a:xfrm>
+          <a:prstGeom prst="rect">
+            <a:avLst/>
+          </a:prstGeom>
+          <a:noFill/>
+          <a:ln>
+            <a:noFill/>
+          </a:ln>
+          <a:effectLst/>
+          <a:extLst>
+            <a:ext uri="{909E8E84-426E-40DD-AFC4-6F175D3DCCD1}">
+              <a14:hiddenFill xmlns:a14="http://schemas.microsoft.com/office/drawing/2010/main">
+                <a:solidFill>
+                  <a:schemeClr val="accent1"/>
+                </a:solidFill>
+              </a14:hiddenFill>
+            </a:ext>
+            <a:ext uri="{91240B29-F687-4F45-9708-019B960494DF}">
+              <a14:hiddenLine xmlns:a14="http://schemas.microsoft.com/office/drawing/2010/main" w="9525">
+                <a:solidFill>
+                  <a:schemeClr val="tx1"/>
+                </a:solidFill>
+                <a:miter lim="800000"/>
+                <a:headEnd/>
+                <a:tailEnd/>
+              </a14:hiddenLine>
+            </a:ext>
+            <a:ext uri="{AF507438-7753-43E0-B8FC-AC1667EBCBE1}">
+              <a14:hiddenEffects xmlns:a14="http://schemas.microsoft.com/office/drawing/2010/main">
+                <a:effectLst>
+                  <a:outerShdw dist="35921" dir="2700000" algn="ctr" rotWithShape="0">
+                    <a:schemeClr val="bg2"/>
+                  </a:outerShdw>
+                </a:effectLst>
+              </a14:hiddenEffects>
+            </a:ext>
+          </a:extLst>
+        </p:spPr>
+        <p:txBody>
+          <a:bodyPr vert="horz" wrap="none" lIns="91440" tIns="45720" rIns="91440" bIns="45720" numCol="1" anchor="ctr" anchorCtr="0" compatLnSpc="1">
+            <a:prstTxWarp prst="textNoShape">
+              <a:avLst/>
+            </a:prstTxWarp>
+            <a:spAutoFit/>
+          </a:bodyPr>
+          <a:lstStyle/>
+          <a:p>
+            <a:pPr marL="0" marR="0" lvl="0" indent="0" algn="l" defTabSz="914400" rtl="0" eaLnBrk="0" fontAlgn="base" latinLnBrk="0" hangingPunct="0">
+              <a:lnSpc>
+                <a:spcPct val="100000"/>
+              </a:lnSpc>
+              <a:spcBef>
+                <a:spcPct val="0"/>
+              </a:spcBef>
+              <a:spcAft>
+                <a:spcPct val="0"/>
+              </a:spcAft>
+              <a:buClrTx/>
+              <a:buSzTx/>
+              <a:buFontTx/>
+              <a:buNone/>
+              <a:tabLst/>
+            </a:pPr>
+            <a:endParaRPr kumimoji="0" lang="fr-FR" sz="1800" b="1" i="0" u="none" strike="noStrike" cap="none" normalizeH="0" baseline="0" dirty="0" smtClean="0">
+              <a:ln>
+                <a:noFill/>
+              </a:ln>
+              <a:solidFill>
+                <a:schemeClr val="tx1"/>
+              </a:solidFill>
+              <a:effectLst/>
+              <a:latin typeface="Arial" panose="020B0604020202020204" pitchFamily="34" charset="0"/>
+              <a:cs typeface="Arial" panose="020B0604020202020204" pitchFamily="34" charset="0"/>
+            </a:endParaRPr>
+          </a:p>
+        </p:txBody>
+      </p:sp>
+      <p:sp>
+        <p:nvSpPr>
+          <p:cNvPr id="8" name="Rectangle 2"/>
+          <p:cNvSpPr>
+            <a:spLocks noChangeArrowheads="1"/>
+          </p:cNvSpPr>
+          <p:nvPr/>
+        </p:nvSpPr>
+        <p:spPr bwMode="auto">
+          <a:xfrm>
+            <a:off x="3081980" y="116347"/>
+            <a:ext cx="8993111" cy="584775"/>
+          </a:xfrm>
+          <a:prstGeom prst="rect">
+            <a:avLst/>
+          </a:prstGeom>
+          <a:noFill/>
+          <a:ln>
+            <a:noFill/>
+          </a:ln>
+          <a:effectLst/>
+          <a:extLst>
+            <a:ext uri="{909E8E84-426E-40DD-AFC4-6F175D3DCCD1}">
+              <a14:hiddenFill xmlns:a14="http://schemas.microsoft.com/office/drawing/2010/main">
+                <a:solidFill>
+                  <a:schemeClr val="accent1"/>
+                </a:solidFill>
+              </a14:hiddenFill>
+            </a:ext>
+            <a:ext uri="{91240B29-F687-4F45-9708-019B960494DF}">
+              <a14:hiddenLine xmlns:a14="http://schemas.microsoft.com/office/drawing/2010/main" w="9525">
+                <a:solidFill>
+                  <a:schemeClr val="tx1"/>
+                </a:solidFill>
+                <a:miter lim="800000"/>
+                <a:headEnd/>
+                <a:tailEnd/>
+              </a14:hiddenLine>
+            </a:ext>
+            <a:ext uri="{AF507438-7753-43E0-B8FC-AC1667EBCBE1}">
+              <a14:hiddenEffects xmlns:a14="http://schemas.microsoft.com/office/drawing/2010/main">
+                <a:effectLst>
+                  <a:outerShdw dist="35921" dir="2700000" algn="ctr" rotWithShape="0">
+                    <a:schemeClr val="bg2"/>
+                  </a:outerShdw>
+                </a:effectLst>
+              </a14:hiddenEffects>
+            </a:ext>
+          </a:extLst>
+        </p:spPr>
+        <p:txBody>
+          <a:bodyPr vert="horz" wrap="square" lIns="91440" tIns="45720" rIns="91440" bIns="45720" numCol="1" anchor="ctr" anchorCtr="0" compatLnSpc="1">
+            <a:prstTxWarp prst="textNoShape">
+              <a:avLst/>
+            </a:prstTxWarp>
+            <a:spAutoFit/>
+          </a:bodyPr>
+          <a:lstStyle/>
+          <a:p>
+            <a:pPr algn="r" rtl="1" eaLnBrk="0" fontAlgn="base" hangingPunct="0">
+              <a:spcBef>
+                <a:spcPct val="0"/>
+              </a:spcBef>
+              <a:spcAft>
+                <a:spcPct val="0"/>
+              </a:spcAft>
+            </a:pPr>
+            <a:r>
+              <a:rPr kumimoji="0" lang="ar-DZ" sz="3200" b="1" i="0" u="sng" strike="noStrike" cap="none" normalizeH="0" baseline="0" dirty="0" smtClean="0">
+                <a:ln>
+                  <a:noFill/>
+                </a:ln>
+                <a:solidFill>
+                  <a:srgbClr val="FF0000"/>
+                </a:solidFill>
+                <a:effectLst/>
+                <a:latin typeface="Times New Roman" panose="02020603050405020304" pitchFamily="18" charset="0"/>
+                <a:ea typeface="Calibri" panose="020F0502020204030204" pitchFamily="34" charset="0"/>
+                <a:cs typeface="Times New Roman" panose="02020603050405020304" pitchFamily="18" charset="0"/>
+              </a:rPr>
+              <a:t>نشاط 03 :</a:t>
+            </a:r>
+            <a:r>
+              <a:rPr kumimoji="0" lang="ar-DZ" sz="3200" b="1" i="0" strike="noStrike" cap="none" normalizeH="0" dirty="0" smtClean="0">
+                <a:ln>
+                  <a:noFill/>
+                </a:ln>
+                <a:solidFill>
+                  <a:srgbClr val="FF0000"/>
+                </a:solidFill>
+                <a:effectLst/>
+                <a:latin typeface="Times New Roman" panose="02020603050405020304" pitchFamily="18" charset="0"/>
+                <a:ea typeface="Calibri" panose="020F0502020204030204" pitchFamily="34" charset="0"/>
+                <a:cs typeface="Times New Roman" panose="02020603050405020304" pitchFamily="18" charset="0"/>
+              </a:rPr>
+              <a:t> </a:t>
+            </a:r>
+            <a:r>
+              <a:rPr lang="ar-DZ" sz="3200" b="1" dirty="0">
+                <a:ea typeface="Calibri" panose="020F0502020204030204" pitchFamily="34" charset="0"/>
+                <a:cs typeface="Times New Roman" panose="02020603050405020304" pitchFamily="18" charset="0"/>
+              </a:rPr>
+              <a:t>بعد </a:t>
+            </a:r>
+            <a:r>
+              <a:rPr lang="ar-DZ" sz="3200" b="1" dirty="0" smtClean="0">
+                <a:ea typeface="Calibri" panose="020F0502020204030204" pitchFamily="34" charset="0"/>
+                <a:cs typeface="Times New Roman" panose="02020603050405020304" pitchFamily="18" charset="0"/>
+              </a:rPr>
+              <a:t>تشغيل </a:t>
+            </a:r>
+            <a:r>
+              <a:rPr lang="ar-DZ" sz="3200" b="1" dirty="0">
+                <a:ea typeface="Calibri" panose="020F0502020204030204" pitchFamily="34" charset="0"/>
+                <a:cs typeface="Times New Roman" panose="02020603050405020304" pitchFamily="18" charset="0"/>
+              </a:rPr>
+              <a:t>البرنامج، </a:t>
+            </a:r>
+            <a:r>
+              <a:rPr lang="ar-DZ" sz="3200" b="1" dirty="0" smtClean="0">
+                <a:ea typeface="Calibri" panose="020F0502020204030204" pitchFamily="34" charset="0"/>
+                <a:cs typeface="Times New Roman" panose="02020603050405020304" pitchFamily="18" charset="0"/>
+              </a:rPr>
+              <a:t>كيف نسمي الصورة التي ظهرت </a:t>
+            </a:r>
+            <a:r>
+              <a:rPr lang="ar-DZ" sz="3200" b="1" dirty="0" smtClean="0">
+                <a:ea typeface="Calibri" panose="020F0502020204030204" pitchFamily="34" charset="0"/>
+                <a:cs typeface="Times New Roman" panose="02020603050405020304" pitchFamily="18" charset="0"/>
+              </a:rPr>
+              <a:t> </a:t>
+            </a:r>
+            <a:r>
+              <a:rPr lang="ar-DZ" sz="3200" b="1" dirty="0" smtClean="0">
+                <a:ea typeface="Calibri" panose="020F0502020204030204" pitchFamily="34" charset="0"/>
+                <a:cs typeface="Times New Roman" panose="02020603050405020304" pitchFamily="18" charset="0"/>
+              </a:rPr>
+              <a:t>؟</a:t>
+            </a:r>
+            <a:endParaRPr lang="fr-FR" sz="6600" b="1" dirty="0"/>
+          </a:p>
+        </p:txBody>
+      </p:sp>
+      <p:sp>
+        <p:nvSpPr>
+          <p:cNvPr id="2" name="ZoneTexte 1"/>
+          <p:cNvSpPr txBox="1"/>
+          <p:nvPr/>
+        </p:nvSpPr>
+        <p:spPr>
+          <a:xfrm>
+            <a:off x="701993" y="829572"/>
+            <a:ext cx="11436265" cy="584775"/>
+          </a:xfrm>
+          <a:prstGeom prst="rect">
+            <a:avLst/>
+          </a:prstGeom>
+          <a:noFill/>
+        </p:spPr>
+        <p:txBody>
+          <a:bodyPr wrap="square" rtlCol="1">
+            <a:spAutoFit/>
+          </a:bodyPr>
+          <a:lstStyle/>
+          <a:p>
+            <a:pPr algn="r" rtl="1"/>
+            <a:r>
+              <a:rPr lang="ar-DZ" sz="3200" b="1" dirty="0" smtClean="0">
+                <a:cs typeface="+mj-cs"/>
+              </a:rPr>
+              <a:t>بالمقارنة </a:t>
+            </a:r>
+            <a:r>
+              <a:rPr lang="ar-DZ" sz="3200" b="1" dirty="0">
+                <a:cs typeface="+mj-cs"/>
+              </a:rPr>
+              <a:t>مع واجهة برنامج الدفتر، لنحاول التعرف على عناصر واجهة برنامج </a:t>
+            </a:r>
+            <a:r>
+              <a:rPr lang="fr-FR" sz="3200" b="1" dirty="0">
+                <a:cs typeface="+mj-cs"/>
+              </a:rPr>
+              <a:t>Word </a:t>
+            </a:r>
+          </a:p>
+        </p:txBody>
+      </p:sp>
+      <p:sp>
+        <p:nvSpPr>
+          <p:cNvPr id="3" name="ZoneTexte 2"/>
+          <p:cNvSpPr txBox="1"/>
+          <p:nvPr/>
+        </p:nvSpPr>
+        <p:spPr>
+          <a:xfrm>
+            <a:off x="745082" y="-20008"/>
+            <a:ext cx="2336898" cy="1077218"/>
+          </a:xfrm>
+          <a:prstGeom prst="rect">
+            <a:avLst/>
+          </a:prstGeom>
+          <a:noFill/>
+        </p:spPr>
+        <p:txBody>
+          <a:bodyPr wrap="square" rtlCol="0">
+            <a:spAutoFit/>
+          </a:bodyPr>
+          <a:lstStyle/>
+          <a:p>
+            <a:pPr algn="ctr"/>
+            <a:r>
+              <a:rPr lang="ar-DZ" sz="3200" b="1" dirty="0" smtClean="0">
+                <a:solidFill>
+                  <a:srgbClr val="FF0000"/>
+                </a:solidFill>
+                <a:cs typeface="+mj-cs"/>
+              </a:rPr>
+              <a:t>واجهة </a:t>
+            </a:r>
+            <a:r>
+              <a:rPr lang="ar-DZ" sz="3200" b="1" dirty="0" smtClean="0">
+                <a:solidFill>
+                  <a:srgbClr val="FF0000"/>
+                </a:solidFill>
+                <a:cs typeface="+mj-cs"/>
+              </a:rPr>
+              <a:t>برنامج معالج النصوص</a:t>
+            </a:r>
+            <a:endParaRPr lang="fr-FR" sz="3200" b="1" dirty="0">
+              <a:solidFill>
+                <a:srgbClr val="FF0000"/>
+              </a:solidFill>
+              <a:cs typeface="+mj-cs"/>
+            </a:endParaRPr>
+          </a:p>
+        </p:txBody>
+      </p:sp>
+      <p:sp>
+        <p:nvSpPr>
+          <p:cNvPr id="7" name="AutoShape 2">
+            <a:extLst>
+              <a:ext uri="{FF2B5EF4-FFF2-40B4-BE49-F238E27FC236}">
+                <a16:creationId xmlns="" xmlns:a16="http://schemas.microsoft.com/office/drawing/2014/main" id="{5C6A2B0B-A849-A4FC-330C-41B69E87EFAB}"/>
+              </a:ext>
+            </a:extLst>
+          </p:cNvPr>
+          <p:cNvSpPr>
+            <a:spLocks noChangeArrowheads="1"/>
+          </p:cNvSpPr>
+          <p:nvPr/>
+        </p:nvSpPr>
+        <p:spPr bwMode="auto">
+          <a:xfrm>
+            <a:off x="8604417" y="3090700"/>
+            <a:ext cx="2818544" cy="584775"/>
+          </a:xfrm>
+          <a:prstGeom prst="roundRect">
+            <a:avLst>
+              <a:gd name="adj" fmla="val 16667"/>
+            </a:avLst>
+          </a:prstGeom>
+          <a:gradFill rotWithShape="1">
+            <a:gsLst>
+              <a:gs pos="0">
+                <a:srgbClr val="FFDD9C"/>
+              </a:gs>
+              <a:gs pos="50000">
+                <a:srgbClr val="FFD78E"/>
+              </a:gs>
+              <a:gs pos="100000">
+                <a:srgbClr val="FFD479"/>
+              </a:gs>
+            </a:gsLst>
+            <a:lin ang="5400000"/>
+          </a:gradFill>
+          <a:ln w="6350">
+            <a:solidFill>
+              <a:srgbClr val="FFC000"/>
+            </a:solidFill>
+            <a:miter lim="800000"/>
+            <a:headEnd/>
+            <a:tailEnd/>
+          </a:ln>
+        </p:spPr>
+        <p:txBody>
+          <a:bodyPr vert="horz" wrap="square" lIns="91440" tIns="45720" rIns="91440" bIns="45720" numCol="1" anchor="ctr" anchorCtr="0" compatLnSpc="1">
+            <a:prstTxWarp prst="textNoShape">
+              <a:avLst/>
+            </a:prstTxWarp>
+          </a:bodyPr>
+          <a:lstStyle/>
+          <a:p>
+            <a:pPr marL="0" marR="0" lvl="0" indent="0" algn="ctr" defTabSz="914400" rtl="0" eaLnBrk="0" fontAlgn="base" latinLnBrk="0" hangingPunct="0">
+              <a:lnSpc>
+                <a:spcPct val="100000"/>
+              </a:lnSpc>
+              <a:spcBef>
+                <a:spcPct val="0"/>
+              </a:spcBef>
+              <a:spcAft>
+                <a:spcPts val="800"/>
+              </a:spcAft>
+              <a:buClrTx/>
+              <a:buSzTx/>
+              <a:buFontTx/>
+              <a:buNone/>
+              <a:tabLst/>
+            </a:pPr>
+            <a:r>
+              <a:rPr kumimoji="0" lang="ar-DZ" altLang="fr-FR" sz="2800" b="1" i="0" u="none" strike="noStrike" cap="none" normalizeH="0" baseline="0" dirty="0">
+                <a:ln>
+                  <a:noFill/>
+                </a:ln>
+                <a:solidFill>
+                  <a:schemeClr val="tx1"/>
+                </a:solidFill>
+                <a:effectLst/>
+                <a:latin typeface="Times New Roman" panose="02020603050405020304" pitchFamily="18" charset="0"/>
+                <a:ea typeface="Arial" panose="020B0604020202020204" pitchFamily="34" charset="0"/>
+                <a:cs typeface="Times New Roman" panose="02020603050405020304" pitchFamily="18" charset="0"/>
+              </a:rPr>
+              <a:t>شريط المعلومات</a:t>
+            </a:r>
+            <a:endParaRPr kumimoji="0" lang="fr-FR" altLang="fr-FR" sz="2800" b="0" i="0" u="none" strike="noStrike" cap="none" normalizeH="0" baseline="0" dirty="0">
+              <a:ln>
+                <a:noFill/>
+              </a:ln>
+              <a:solidFill>
+                <a:schemeClr val="tx1"/>
+              </a:solidFill>
+              <a:effectLst/>
+              <a:latin typeface="Arial" panose="020B0604020202020204" pitchFamily="34" charset="0"/>
+            </a:endParaRPr>
+          </a:p>
+        </p:txBody>
+      </p:sp>
+      <p:sp>
+        <p:nvSpPr>
+          <p:cNvPr id="9" name="AutoShape 3">
+            <a:extLst>
+              <a:ext uri="{FF2B5EF4-FFF2-40B4-BE49-F238E27FC236}">
+                <a16:creationId xmlns="" xmlns:a16="http://schemas.microsoft.com/office/drawing/2014/main" id="{1BD37110-EA45-9A5D-8474-6AC363B5A5BE}"/>
+              </a:ext>
+            </a:extLst>
+          </p:cNvPr>
+          <p:cNvSpPr>
+            <a:spLocks noChangeArrowheads="1"/>
+          </p:cNvSpPr>
+          <p:nvPr/>
+        </p:nvSpPr>
+        <p:spPr bwMode="auto">
+          <a:xfrm>
+            <a:off x="8604417" y="4584520"/>
+            <a:ext cx="2818544" cy="584775"/>
+          </a:xfrm>
+          <a:prstGeom prst="roundRect">
+            <a:avLst>
+              <a:gd name="adj" fmla="val 16667"/>
+            </a:avLst>
+          </a:prstGeom>
+          <a:gradFill rotWithShape="1">
+            <a:gsLst>
+              <a:gs pos="0">
+                <a:srgbClr val="FFDD9C"/>
+              </a:gs>
+              <a:gs pos="50000">
+                <a:srgbClr val="FFD78E"/>
+              </a:gs>
+              <a:gs pos="100000">
+                <a:srgbClr val="FFD479"/>
+              </a:gs>
+            </a:gsLst>
+            <a:lin ang="5400000"/>
+          </a:gradFill>
+          <a:ln w="6350">
+            <a:solidFill>
+              <a:srgbClr val="FFC000"/>
+            </a:solidFill>
+            <a:miter lim="800000"/>
+            <a:headEnd/>
+            <a:tailEnd/>
+          </a:ln>
+        </p:spPr>
+        <p:txBody>
+          <a:bodyPr vert="horz" wrap="square" lIns="91440" tIns="45720" rIns="91440" bIns="45720" numCol="1" anchor="ctr" anchorCtr="0" compatLnSpc="1">
+            <a:prstTxWarp prst="textNoShape">
+              <a:avLst/>
+            </a:prstTxWarp>
+          </a:bodyPr>
+          <a:lstStyle/>
+          <a:p>
+            <a:pPr marL="0" marR="0" lvl="0" indent="0" algn="ctr" defTabSz="914400" rtl="0" eaLnBrk="0" fontAlgn="base" latinLnBrk="0" hangingPunct="0">
+              <a:lnSpc>
+                <a:spcPct val="100000"/>
+              </a:lnSpc>
+              <a:spcBef>
+                <a:spcPct val="0"/>
+              </a:spcBef>
+              <a:spcAft>
+                <a:spcPts val="800"/>
+              </a:spcAft>
+              <a:buClrTx/>
+              <a:buSzTx/>
+              <a:buFontTx/>
+              <a:buNone/>
+              <a:tabLst/>
+            </a:pPr>
+            <a:r>
+              <a:rPr lang="ar-DZ" altLang="fr-FR" sz="2800" b="1" dirty="0" smtClean="0">
+                <a:latin typeface="Arial" panose="020B0604020202020204" pitchFamily="34" charset="0"/>
+                <a:cs typeface="+mj-cs"/>
+              </a:rPr>
+              <a:t>ورقة الكتابة</a:t>
+            </a:r>
+            <a:endParaRPr kumimoji="0" lang="ar-DZ" altLang="fr-FR" sz="4000" b="1" i="0" u="none" strike="noStrike" cap="none" normalizeH="0" baseline="0" dirty="0">
+              <a:ln>
+                <a:noFill/>
+              </a:ln>
+              <a:solidFill>
+                <a:schemeClr val="tx1"/>
+              </a:solidFill>
+              <a:effectLst/>
+              <a:latin typeface="Times New Roman" panose="02020603050405020304" pitchFamily="18" charset="0"/>
+              <a:ea typeface="Arial" panose="020B0604020202020204" pitchFamily="34" charset="0"/>
+              <a:cs typeface="+mj-cs"/>
+            </a:endParaRPr>
+          </a:p>
+        </p:txBody>
+      </p:sp>
+      <p:sp>
+        <p:nvSpPr>
+          <p:cNvPr id="12" name="AutoShape 4">
+            <a:extLst>
+              <a:ext uri="{FF2B5EF4-FFF2-40B4-BE49-F238E27FC236}">
+                <a16:creationId xmlns="" xmlns:a16="http://schemas.microsoft.com/office/drawing/2014/main" id="{F3F4B74F-4D54-2644-12F3-BFA2D3CB4D54}"/>
+              </a:ext>
+            </a:extLst>
+          </p:cNvPr>
+          <p:cNvSpPr>
+            <a:spLocks noChangeArrowheads="1"/>
+          </p:cNvSpPr>
+          <p:nvPr/>
+        </p:nvSpPr>
+        <p:spPr bwMode="auto">
+          <a:xfrm>
+            <a:off x="8604417" y="5317481"/>
+            <a:ext cx="2818544" cy="641875"/>
+          </a:xfrm>
+          <a:prstGeom prst="roundRect">
+            <a:avLst>
+              <a:gd name="adj" fmla="val 16667"/>
+            </a:avLst>
+          </a:prstGeom>
+          <a:gradFill rotWithShape="1">
+            <a:gsLst>
+              <a:gs pos="0">
+                <a:srgbClr val="FFDD9C"/>
+              </a:gs>
+              <a:gs pos="50000">
+                <a:srgbClr val="FFD78E"/>
+              </a:gs>
+              <a:gs pos="100000">
+                <a:srgbClr val="FFD479"/>
+              </a:gs>
+            </a:gsLst>
+            <a:lin ang="5400000"/>
+          </a:gradFill>
+          <a:ln w="6350">
+            <a:solidFill>
+              <a:srgbClr val="FFC000"/>
+            </a:solidFill>
+            <a:miter lim="800000"/>
+            <a:headEnd/>
+            <a:tailEnd/>
+          </a:ln>
+        </p:spPr>
+        <p:txBody>
+          <a:bodyPr vert="horz" wrap="square" lIns="91440" tIns="45720" rIns="91440" bIns="45720" numCol="1" anchor="ctr" anchorCtr="0" compatLnSpc="1">
+            <a:prstTxWarp prst="textNoShape">
+              <a:avLst/>
+            </a:prstTxWarp>
+          </a:bodyPr>
+          <a:lstStyle/>
+          <a:p>
+            <a:pPr marL="0" marR="0" lvl="0" indent="0" algn="ctr" defTabSz="914400" rtl="0" eaLnBrk="0" fontAlgn="base" latinLnBrk="0" hangingPunct="0">
+              <a:lnSpc>
+                <a:spcPct val="100000"/>
+              </a:lnSpc>
+              <a:spcBef>
+                <a:spcPct val="0"/>
+              </a:spcBef>
+              <a:spcAft>
+                <a:spcPts val="800"/>
+              </a:spcAft>
+              <a:buClrTx/>
+              <a:buSzTx/>
+              <a:buFontTx/>
+              <a:buNone/>
+              <a:tabLst/>
+            </a:pPr>
+            <a:r>
+              <a:rPr kumimoji="0" lang="ar-DZ" altLang="fr-FR" sz="2800" b="1" i="0" u="none" strike="noStrike" cap="none" normalizeH="0" baseline="0" dirty="0">
+                <a:ln>
+                  <a:noFill/>
+                </a:ln>
+                <a:solidFill>
+                  <a:schemeClr val="tx1"/>
+                </a:solidFill>
+                <a:effectLst/>
+                <a:latin typeface="Times New Roman" panose="02020603050405020304" pitchFamily="18" charset="0"/>
+                <a:ea typeface="Arial" panose="020B0604020202020204" pitchFamily="34" charset="0"/>
+                <a:cs typeface="Times New Roman" panose="02020603050405020304" pitchFamily="18" charset="0"/>
+              </a:rPr>
+              <a:t>شريط العنوان</a:t>
+            </a:r>
+            <a:r>
+              <a:rPr kumimoji="0" lang="fr-FR" altLang="fr-FR" sz="2800" b="1" i="0" u="none" strike="noStrike" cap="none" normalizeH="0" baseline="0" dirty="0">
+                <a:ln>
+                  <a:noFill/>
+                </a:ln>
+                <a:solidFill>
+                  <a:schemeClr val="tx1"/>
+                </a:solidFill>
+                <a:effectLst/>
+                <a:latin typeface="Times New Roman" panose="02020603050405020304" pitchFamily="18" charset="0"/>
+                <a:ea typeface="Arial" panose="020B0604020202020204" pitchFamily="34" charset="0"/>
+              </a:rPr>
+              <a:t> </a:t>
+            </a:r>
+            <a:endParaRPr kumimoji="0" lang="fr-FR" altLang="fr-FR" sz="2800" b="0" i="0" u="none" strike="noStrike" cap="none" normalizeH="0" baseline="0" dirty="0">
+              <a:ln>
+                <a:noFill/>
+              </a:ln>
+              <a:solidFill>
+                <a:schemeClr val="tx1"/>
+              </a:solidFill>
+              <a:effectLst/>
+              <a:latin typeface="Arial" panose="020B0604020202020204" pitchFamily="34" charset="0"/>
+            </a:endParaRPr>
+          </a:p>
+        </p:txBody>
+      </p:sp>
+      <p:sp>
+        <p:nvSpPr>
+          <p:cNvPr id="13" name="AutoShape 5">
+            <a:extLst>
+              <a:ext uri="{FF2B5EF4-FFF2-40B4-BE49-F238E27FC236}">
+                <a16:creationId xmlns="" xmlns:a16="http://schemas.microsoft.com/office/drawing/2014/main" id="{17FD8BDE-D82E-75CA-6D57-44402CD7F60D}"/>
+              </a:ext>
+            </a:extLst>
+          </p:cNvPr>
+          <p:cNvSpPr>
+            <a:spLocks noChangeArrowheads="1"/>
+          </p:cNvSpPr>
+          <p:nvPr/>
+        </p:nvSpPr>
+        <p:spPr bwMode="auto">
+          <a:xfrm>
+            <a:off x="7878871" y="3846012"/>
+            <a:ext cx="3544089" cy="620818"/>
+          </a:xfrm>
+          <a:prstGeom prst="roundRect">
+            <a:avLst>
+              <a:gd name="adj" fmla="val 16667"/>
+            </a:avLst>
+          </a:prstGeom>
+          <a:gradFill rotWithShape="1">
+            <a:gsLst>
+              <a:gs pos="0">
+                <a:srgbClr val="FFDD9C"/>
+              </a:gs>
+              <a:gs pos="50000">
+                <a:srgbClr val="FFD78E"/>
+              </a:gs>
+              <a:gs pos="100000">
+                <a:srgbClr val="FFD479"/>
+              </a:gs>
+            </a:gsLst>
+            <a:lin ang="5400000"/>
+          </a:gradFill>
+          <a:ln w="6350">
+            <a:solidFill>
+              <a:srgbClr val="FFC000"/>
+            </a:solidFill>
+            <a:miter lim="800000"/>
+            <a:headEnd/>
+            <a:tailEnd/>
+          </a:ln>
+        </p:spPr>
+        <p:txBody>
+          <a:bodyPr vert="horz" wrap="square" lIns="91440" tIns="45720" rIns="91440" bIns="45720" numCol="1" anchor="ctr" anchorCtr="0" compatLnSpc="1">
+            <a:prstTxWarp prst="textNoShape">
+              <a:avLst/>
+            </a:prstTxWarp>
+          </a:bodyPr>
+          <a:lstStyle/>
+          <a:p>
+            <a:pPr marL="0" marR="0" lvl="0" indent="0" algn="ctr" defTabSz="914400" rtl="0" eaLnBrk="0" fontAlgn="base" latinLnBrk="0" hangingPunct="0">
+              <a:lnSpc>
+                <a:spcPct val="100000"/>
+              </a:lnSpc>
+              <a:spcBef>
+                <a:spcPct val="0"/>
+              </a:spcBef>
+              <a:spcAft>
+                <a:spcPts val="800"/>
+              </a:spcAft>
+              <a:buClrTx/>
+              <a:buSzTx/>
+              <a:buFontTx/>
+              <a:buNone/>
+              <a:tabLst/>
+            </a:pPr>
+            <a:r>
+              <a:rPr kumimoji="0" lang="ar-DZ" altLang="fr-FR" sz="2800" b="1" i="0" u="none" strike="noStrike" cap="none" normalizeH="0" baseline="0" dirty="0" smtClean="0">
+                <a:ln>
+                  <a:noFill/>
+                </a:ln>
+                <a:solidFill>
+                  <a:schemeClr val="tx1"/>
+                </a:solidFill>
+                <a:effectLst/>
+                <a:latin typeface="Times New Roman" panose="02020603050405020304" pitchFamily="18" charset="0"/>
+                <a:ea typeface="Arial" panose="020B0604020202020204" pitchFamily="34" charset="0"/>
+                <a:cs typeface="Times New Roman" panose="02020603050405020304" pitchFamily="18" charset="0"/>
+              </a:rPr>
+              <a:t>شريط</a:t>
+            </a:r>
+            <a:r>
+              <a:rPr lang="ar-DZ" altLang="fr-FR" sz="2800" b="1" dirty="0">
+                <a:latin typeface="Times New Roman" panose="02020603050405020304" pitchFamily="18" charset="0"/>
+                <a:ea typeface="Arial" panose="020B0604020202020204" pitchFamily="34" charset="0"/>
+                <a:cs typeface="Times New Roman" panose="02020603050405020304" pitchFamily="18" charset="0"/>
+              </a:rPr>
+              <a:t> </a:t>
+            </a:r>
+            <a:r>
+              <a:rPr lang="ar-DZ" altLang="fr-FR" sz="2800" b="1" dirty="0" smtClean="0">
+                <a:latin typeface="Times New Roman" panose="02020603050405020304" pitchFamily="18" charset="0"/>
+                <a:ea typeface="Arial" panose="020B0604020202020204" pitchFamily="34" charset="0"/>
+                <a:cs typeface="Times New Roman" panose="02020603050405020304" pitchFamily="18" charset="0"/>
+              </a:rPr>
+              <a:t>المجموعات و</a:t>
+            </a:r>
+            <a:r>
+              <a:rPr kumimoji="0" lang="ar-DZ" altLang="fr-FR" sz="2800" b="1" i="0" u="none" strike="noStrike" cap="none" normalizeH="0" baseline="0" dirty="0" smtClean="0">
+                <a:ln>
+                  <a:noFill/>
+                </a:ln>
+                <a:solidFill>
+                  <a:schemeClr val="tx1"/>
+                </a:solidFill>
+                <a:effectLst/>
+                <a:latin typeface="Times New Roman" panose="02020603050405020304" pitchFamily="18" charset="0"/>
+                <a:ea typeface="Arial" panose="020B0604020202020204" pitchFamily="34" charset="0"/>
+                <a:cs typeface="Times New Roman" panose="02020603050405020304" pitchFamily="18" charset="0"/>
+              </a:rPr>
+              <a:t> </a:t>
+            </a:r>
+            <a:r>
+              <a:rPr kumimoji="0" lang="ar-DZ" altLang="fr-FR" sz="2800" b="1" i="0" u="none" strike="noStrike" cap="none" normalizeH="0" baseline="0" dirty="0">
+                <a:ln>
+                  <a:noFill/>
+                </a:ln>
+                <a:solidFill>
+                  <a:schemeClr val="tx1"/>
+                </a:solidFill>
+                <a:effectLst/>
+                <a:latin typeface="Times New Roman" panose="02020603050405020304" pitchFamily="18" charset="0"/>
+                <a:ea typeface="Arial" panose="020B0604020202020204" pitchFamily="34" charset="0"/>
+                <a:cs typeface="Times New Roman" panose="02020603050405020304" pitchFamily="18" charset="0"/>
+              </a:rPr>
+              <a:t>الأدوات</a:t>
+            </a:r>
+            <a:r>
+              <a:rPr kumimoji="0" lang="fr-FR" altLang="fr-FR" sz="2800" b="1" i="0" u="none" strike="noStrike" cap="none" normalizeH="0" baseline="0" dirty="0">
+                <a:ln>
+                  <a:noFill/>
+                </a:ln>
+                <a:solidFill>
+                  <a:schemeClr val="tx1"/>
+                </a:solidFill>
+                <a:effectLst/>
+                <a:latin typeface="Times New Roman" panose="02020603050405020304" pitchFamily="18" charset="0"/>
+                <a:ea typeface="Arial" panose="020B0604020202020204" pitchFamily="34" charset="0"/>
+              </a:rPr>
+              <a:t> </a:t>
+            </a:r>
+            <a:endParaRPr kumimoji="0" lang="fr-FR" altLang="fr-FR" sz="2800" b="0" i="0" u="none" strike="noStrike" cap="none" normalizeH="0" baseline="0" dirty="0">
+              <a:ln>
+                <a:noFill/>
+              </a:ln>
+              <a:solidFill>
+                <a:schemeClr val="tx1"/>
+              </a:solidFill>
+              <a:effectLst/>
+              <a:latin typeface="Arial" panose="020B0604020202020204" pitchFamily="34" charset="0"/>
+            </a:endParaRPr>
+          </a:p>
+        </p:txBody>
+      </p:sp>
+      <p:sp>
+        <p:nvSpPr>
+          <p:cNvPr id="15" name="AutoShape 2">
+            <a:extLst>
+              <a:ext uri="{FF2B5EF4-FFF2-40B4-BE49-F238E27FC236}">
+                <a16:creationId xmlns="" xmlns:a16="http://schemas.microsoft.com/office/drawing/2014/main" id="{5C6A2B0B-A849-A4FC-330C-41B69E87EFAB}"/>
+              </a:ext>
+            </a:extLst>
+          </p:cNvPr>
+          <p:cNvSpPr>
+            <a:spLocks noChangeArrowheads="1"/>
+          </p:cNvSpPr>
+          <p:nvPr/>
+        </p:nvSpPr>
+        <p:spPr bwMode="auto">
+          <a:xfrm>
+            <a:off x="7878871" y="2315729"/>
+            <a:ext cx="3544090" cy="620818"/>
+          </a:xfrm>
+          <a:prstGeom prst="roundRect">
+            <a:avLst>
+              <a:gd name="adj" fmla="val 16667"/>
+            </a:avLst>
+          </a:prstGeom>
+          <a:gradFill rotWithShape="1">
+            <a:gsLst>
+              <a:gs pos="0">
+                <a:srgbClr val="FFDD9C"/>
+              </a:gs>
+              <a:gs pos="50000">
+                <a:srgbClr val="FFD78E"/>
+              </a:gs>
+              <a:gs pos="100000">
+                <a:srgbClr val="FFD479"/>
+              </a:gs>
+            </a:gsLst>
+            <a:lin ang="5400000"/>
+          </a:gradFill>
+          <a:ln w="6350">
+            <a:solidFill>
+              <a:srgbClr val="FFC000"/>
+            </a:solidFill>
+            <a:miter lim="800000"/>
+            <a:headEnd/>
+            <a:tailEnd/>
+          </a:ln>
+        </p:spPr>
+        <p:txBody>
+          <a:bodyPr vert="horz" wrap="square" lIns="91440" tIns="45720" rIns="91440" bIns="45720" numCol="1" anchor="ctr" anchorCtr="0" compatLnSpc="1">
+            <a:prstTxWarp prst="textNoShape">
+              <a:avLst/>
+            </a:prstTxWarp>
+          </a:bodyPr>
+          <a:lstStyle/>
+          <a:p>
+            <a:pPr marL="0" marR="0" lvl="0" indent="0" algn="ctr" defTabSz="914400" rtl="0" eaLnBrk="0" fontAlgn="base" latinLnBrk="0" hangingPunct="0">
+              <a:lnSpc>
+                <a:spcPct val="100000"/>
+              </a:lnSpc>
+              <a:spcBef>
+                <a:spcPct val="0"/>
+              </a:spcBef>
+              <a:spcAft>
+                <a:spcPts val="800"/>
+              </a:spcAft>
+              <a:buClrTx/>
+              <a:buSzTx/>
+              <a:buFontTx/>
+              <a:buNone/>
+              <a:tabLst/>
+            </a:pPr>
+            <a:r>
+              <a:rPr lang="ar-DZ" altLang="fr-FR" sz="2800" b="1" dirty="0" smtClean="0">
+                <a:latin typeface="Times New Roman" panose="02020603050405020304" pitchFamily="18" charset="0"/>
+                <a:cs typeface="Times New Roman" panose="02020603050405020304" pitchFamily="18" charset="0"/>
+              </a:rPr>
+              <a:t>المسطرة الأفقية و العمودية</a:t>
+            </a:r>
+            <a:endParaRPr kumimoji="0" lang="fr-FR" altLang="fr-FR" sz="2800" b="0" i="0" u="none" strike="noStrike" cap="none" normalizeH="0" baseline="0" dirty="0">
+              <a:ln>
+                <a:noFill/>
+              </a:ln>
+              <a:solidFill>
+                <a:schemeClr val="tx1"/>
+              </a:solidFill>
+              <a:effectLst/>
+              <a:latin typeface="Arial" panose="020B0604020202020204" pitchFamily="34" charset="0"/>
+            </a:endParaRPr>
+          </a:p>
+        </p:txBody>
+      </p:sp>
+      <p:sp>
+        <p:nvSpPr>
+          <p:cNvPr id="16" name="AutoShape 2">
+            <a:extLst>
+              <a:ext uri="{FF2B5EF4-FFF2-40B4-BE49-F238E27FC236}">
+                <a16:creationId xmlns="" xmlns:a16="http://schemas.microsoft.com/office/drawing/2014/main" id="{5C6A2B0B-A849-A4FC-330C-41B69E87EFAB}"/>
+              </a:ext>
+            </a:extLst>
+          </p:cNvPr>
+          <p:cNvSpPr>
+            <a:spLocks noChangeArrowheads="1"/>
+          </p:cNvSpPr>
+          <p:nvPr/>
+        </p:nvSpPr>
+        <p:spPr bwMode="auto">
+          <a:xfrm>
+            <a:off x="11560748" y="5345947"/>
+            <a:ext cx="577510" cy="620818"/>
+          </a:xfrm>
+          <a:prstGeom prst="roundRect">
+            <a:avLst>
+              <a:gd name="adj" fmla="val 16667"/>
+            </a:avLst>
+          </a:prstGeom>
+          <a:solidFill>
+            <a:schemeClr val="bg1">
+              <a:lumMod val="95000"/>
+            </a:schemeClr>
+          </a:solidFill>
+          <a:ln w="6350">
+            <a:solidFill>
+              <a:srgbClr val="FFC000"/>
+            </a:solidFill>
+            <a:miter lim="800000"/>
+            <a:headEnd/>
+            <a:tailEnd/>
+          </a:ln>
+        </p:spPr>
+        <p:txBody>
+          <a:bodyPr vert="horz" wrap="square" lIns="91440" tIns="45720" rIns="91440" bIns="45720" numCol="1" anchor="ctr" anchorCtr="0" compatLnSpc="1">
+            <a:prstTxWarp prst="textNoShape">
+              <a:avLst/>
+            </a:prstTxWarp>
+          </a:bodyPr>
+          <a:lstStyle/>
+          <a:p>
+            <a:pPr marL="0" marR="0" lvl="0" indent="0" algn="ctr" defTabSz="914400" rtl="0" eaLnBrk="0" fontAlgn="base" latinLnBrk="0" hangingPunct="0">
+              <a:lnSpc>
+                <a:spcPct val="100000"/>
+              </a:lnSpc>
+              <a:spcBef>
+                <a:spcPct val="0"/>
+              </a:spcBef>
+              <a:spcAft>
+                <a:spcPts val="800"/>
+              </a:spcAft>
+              <a:buClrTx/>
+              <a:buSzTx/>
+              <a:buFontTx/>
+              <a:buNone/>
+              <a:tabLst/>
+            </a:pPr>
+            <a:r>
+              <a:rPr lang="ar-DZ" altLang="fr-FR" sz="3200" b="1" dirty="0">
+                <a:latin typeface="Times New Roman" panose="02020603050405020304" pitchFamily="18" charset="0"/>
+                <a:cs typeface="Times New Roman" panose="02020603050405020304" pitchFamily="18" charset="0"/>
+              </a:rPr>
+              <a:t>1</a:t>
+            </a:r>
+            <a:endParaRPr kumimoji="0" lang="fr-FR" altLang="fr-FR" sz="3200" b="0" i="0" u="none" strike="noStrike" cap="none" normalizeH="0" baseline="0" dirty="0">
+              <a:ln>
+                <a:noFill/>
+              </a:ln>
+              <a:effectLst/>
+              <a:latin typeface="Arial" panose="020B0604020202020204" pitchFamily="34" charset="0"/>
+            </a:endParaRPr>
+          </a:p>
+        </p:txBody>
+      </p:sp>
+      <p:sp>
+        <p:nvSpPr>
+          <p:cNvPr id="18" name="AutoShape 2">
+            <a:extLst>
+              <a:ext uri="{FF2B5EF4-FFF2-40B4-BE49-F238E27FC236}">
+                <a16:creationId xmlns="" xmlns:a16="http://schemas.microsoft.com/office/drawing/2014/main" id="{5C6A2B0B-A849-A4FC-330C-41B69E87EFAB}"/>
+              </a:ext>
+            </a:extLst>
+          </p:cNvPr>
+          <p:cNvSpPr>
+            <a:spLocks noChangeArrowheads="1"/>
+          </p:cNvSpPr>
+          <p:nvPr/>
+        </p:nvSpPr>
+        <p:spPr bwMode="auto">
+          <a:xfrm>
+            <a:off x="11560748" y="2315729"/>
+            <a:ext cx="577510" cy="620818"/>
+          </a:xfrm>
+          <a:prstGeom prst="roundRect">
+            <a:avLst>
+              <a:gd name="adj" fmla="val 16667"/>
+            </a:avLst>
+          </a:prstGeom>
+          <a:solidFill>
+            <a:schemeClr val="bg1">
+              <a:lumMod val="95000"/>
+            </a:schemeClr>
+          </a:solidFill>
+          <a:ln w="6350">
+            <a:solidFill>
+              <a:srgbClr val="FFC000"/>
+            </a:solidFill>
+            <a:miter lim="800000"/>
+            <a:headEnd/>
+            <a:tailEnd/>
+          </a:ln>
+        </p:spPr>
+        <p:txBody>
+          <a:bodyPr vert="horz" wrap="square" lIns="91440" tIns="45720" rIns="91440" bIns="45720" numCol="1" anchor="ctr" anchorCtr="0" compatLnSpc="1">
+            <a:prstTxWarp prst="textNoShape">
+              <a:avLst/>
+            </a:prstTxWarp>
+          </a:bodyPr>
+          <a:lstStyle/>
+          <a:p>
+            <a:pPr marL="0" marR="0" lvl="0" indent="0" algn="ctr" defTabSz="914400" rtl="1" eaLnBrk="0" fontAlgn="base" latinLnBrk="0" hangingPunct="0">
+              <a:lnSpc>
+                <a:spcPct val="100000"/>
+              </a:lnSpc>
+              <a:spcBef>
+                <a:spcPct val="0"/>
+              </a:spcBef>
+              <a:spcAft>
+                <a:spcPts val="800"/>
+              </a:spcAft>
+              <a:buClrTx/>
+              <a:buSzTx/>
+              <a:buFontTx/>
+              <a:buNone/>
+              <a:tabLst/>
+            </a:pPr>
+            <a:r>
+              <a:rPr kumimoji="0" lang="ar-DZ" altLang="fr-FR" sz="3200" b="1" i="0" u="none" strike="noStrike" cap="none" normalizeH="0" baseline="0" dirty="0" smtClean="0">
+                <a:ln>
+                  <a:noFill/>
+                </a:ln>
+                <a:effectLst/>
+                <a:latin typeface="Arial" panose="020B0604020202020204" pitchFamily="34" charset="0"/>
+                <a:cs typeface="+mj-cs"/>
+              </a:rPr>
+              <a:t>4</a:t>
+            </a:r>
+            <a:endParaRPr kumimoji="0" lang="fr-FR" altLang="fr-FR" sz="3200" b="1" i="0" u="none" strike="noStrike" cap="none" normalizeH="0" baseline="0" dirty="0">
+              <a:ln>
+                <a:noFill/>
+              </a:ln>
+              <a:effectLst/>
+              <a:latin typeface="Arial" panose="020B0604020202020204" pitchFamily="34" charset="0"/>
+              <a:cs typeface="+mj-cs"/>
+            </a:endParaRPr>
+          </a:p>
+        </p:txBody>
+      </p:sp>
+      <p:sp>
+        <p:nvSpPr>
+          <p:cNvPr id="19" name="AutoShape 2">
+            <a:extLst>
+              <a:ext uri="{FF2B5EF4-FFF2-40B4-BE49-F238E27FC236}">
+                <a16:creationId xmlns="" xmlns:a16="http://schemas.microsoft.com/office/drawing/2014/main" id="{5C6A2B0B-A849-A4FC-330C-41B69E87EFAB}"/>
+              </a:ext>
+            </a:extLst>
+          </p:cNvPr>
+          <p:cNvSpPr>
+            <a:spLocks noChangeArrowheads="1"/>
+          </p:cNvSpPr>
+          <p:nvPr/>
+        </p:nvSpPr>
+        <p:spPr bwMode="auto">
+          <a:xfrm>
+            <a:off x="11560748" y="6127099"/>
+            <a:ext cx="577510" cy="620818"/>
+          </a:xfrm>
+          <a:prstGeom prst="roundRect">
+            <a:avLst>
+              <a:gd name="adj" fmla="val 16667"/>
+            </a:avLst>
+          </a:prstGeom>
+          <a:solidFill>
+            <a:schemeClr val="bg1">
+              <a:lumMod val="95000"/>
+            </a:schemeClr>
+          </a:solidFill>
+          <a:ln w="6350">
+            <a:solidFill>
+              <a:srgbClr val="FFC000"/>
+            </a:solidFill>
+            <a:miter lim="800000"/>
+            <a:headEnd/>
+            <a:tailEnd/>
+          </a:ln>
+        </p:spPr>
+        <p:txBody>
+          <a:bodyPr vert="horz" wrap="square" lIns="91440" tIns="45720" rIns="91440" bIns="45720" numCol="1" anchor="ctr" anchorCtr="0" compatLnSpc="1">
+            <a:prstTxWarp prst="textNoShape">
+              <a:avLst/>
+            </a:prstTxWarp>
+          </a:bodyPr>
+          <a:lstStyle/>
+          <a:p>
+            <a:pPr marL="0" marR="0" lvl="0" indent="0" algn="ctr" defTabSz="914400" rtl="0" eaLnBrk="0" fontAlgn="base" latinLnBrk="0" hangingPunct="0">
+              <a:lnSpc>
+                <a:spcPct val="100000"/>
+              </a:lnSpc>
+              <a:spcBef>
+                <a:spcPct val="0"/>
+              </a:spcBef>
+              <a:spcAft>
+                <a:spcPts val="800"/>
+              </a:spcAft>
+              <a:buClrTx/>
+              <a:buSzTx/>
+              <a:buFontTx/>
+              <a:buNone/>
+              <a:tabLst/>
+            </a:pPr>
+            <a:r>
+              <a:rPr lang="ar-DZ" altLang="fr-FR" sz="3200" b="1" dirty="0" smtClean="0">
+                <a:latin typeface="Times New Roman" panose="02020603050405020304" pitchFamily="18" charset="0"/>
+                <a:cs typeface="Times New Roman" panose="02020603050405020304" pitchFamily="18" charset="0"/>
+              </a:rPr>
+              <a:t>7</a:t>
+            </a:r>
+            <a:endParaRPr kumimoji="0" lang="fr-FR" altLang="fr-FR" sz="3200" b="0" i="0" u="none" strike="noStrike" cap="none" normalizeH="0" baseline="0" dirty="0">
+              <a:ln>
+                <a:noFill/>
+              </a:ln>
+              <a:effectLst/>
+              <a:latin typeface="Arial" panose="020B0604020202020204" pitchFamily="34" charset="0"/>
+            </a:endParaRPr>
+          </a:p>
+        </p:txBody>
+      </p:sp>
+      <p:sp>
+        <p:nvSpPr>
+          <p:cNvPr id="20" name="AutoShape 2">
+            <a:extLst>
+              <a:ext uri="{FF2B5EF4-FFF2-40B4-BE49-F238E27FC236}">
+                <a16:creationId xmlns="" xmlns:a16="http://schemas.microsoft.com/office/drawing/2014/main" id="{5C6A2B0B-A849-A4FC-330C-41B69E87EFAB}"/>
+              </a:ext>
+            </a:extLst>
+          </p:cNvPr>
+          <p:cNvSpPr>
+            <a:spLocks noChangeArrowheads="1"/>
+          </p:cNvSpPr>
+          <p:nvPr/>
+        </p:nvSpPr>
+        <p:spPr bwMode="auto">
+          <a:xfrm>
+            <a:off x="11560748" y="4584520"/>
+            <a:ext cx="577510" cy="620818"/>
+          </a:xfrm>
+          <a:prstGeom prst="roundRect">
+            <a:avLst>
+              <a:gd name="adj" fmla="val 16667"/>
+            </a:avLst>
+          </a:prstGeom>
+          <a:solidFill>
+            <a:schemeClr val="bg1">
+              <a:lumMod val="95000"/>
+            </a:schemeClr>
+          </a:solidFill>
+          <a:ln w="6350">
+            <a:solidFill>
+              <a:srgbClr val="FFC000"/>
+            </a:solidFill>
+            <a:miter lim="800000"/>
+            <a:headEnd/>
+            <a:tailEnd/>
+          </a:ln>
+        </p:spPr>
+        <p:txBody>
+          <a:bodyPr vert="horz" wrap="square" lIns="91440" tIns="45720" rIns="91440" bIns="45720" numCol="1" anchor="ctr" anchorCtr="0" compatLnSpc="1">
+            <a:prstTxWarp prst="textNoShape">
+              <a:avLst/>
+            </a:prstTxWarp>
+          </a:bodyPr>
+          <a:lstStyle/>
+          <a:p>
+            <a:pPr marL="0" marR="0" lvl="0" indent="0" algn="ctr" defTabSz="914400" rtl="0" eaLnBrk="0" fontAlgn="base" latinLnBrk="0" hangingPunct="0">
+              <a:lnSpc>
+                <a:spcPct val="100000"/>
+              </a:lnSpc>
+              <a:spcBef>
+                <a:spcPct val="0"/>
+              </a:spcBef>
+              <a:spcAft>
+                <a:spcPts val="800"/>
+              </a:spcAft>
+              <a:buClrTx/>
+              <a:buSzTx/>
+              <a:buFontTx/>
+              <a:buNone/>
+              <a:tabLst/>
+            </a:pPr>
+            <a:r>
+              <a:rPr lang="ar-DZ" altLang="fr-FR" sz="3200" b="1" dirty="0" smtClean="0">
+                <a:latin typeface="Times New Roman" panose="02020603050405020304" pitchFamily="18" charset="0"/>
+                <a:cs typeface="Times New Roman" panose="02020603050405020304" pitchFamily="18" charset="0"/>
+              </a:rPr>
+              <a:t>5</a:t>
+            </a:r>
+            <a:endParaRPr kumimoji="0" lang="fr-FR" altLang="fr-FR" sz="3200" b="0" i="0" u="none" strike="noStrike" cap="none" normalizeH="0" baseline="0" dirty="0">
+              <a:ln>
+                <a:noFill/>
+              </a:ln>
+              <a:effectLst/>
+              <a:latin typeface="Arial" panose="020B0604020202020204" pitchFamily="34" charset="0"/>
+            </a:endParaRPr>
+          </a:p>
+        </p:txBody>
+      </p:sp>
+      <p:sp>
+        <p:nvSpPr>
+          <p:cNvPr id="21" name="AutoShape 2">
+            <a:extLst>
+              <a:ext uri="{FF2B5EF4-FFF2-40B4-BE49-F238E27FC236}">
+                <a16:creationId xmlns="" xmlns:a16="http://schemas.microsoft.com/office/drawing/2014/main" id="{5C6A2B0B-A849-A4FC-330C-41B69E87EFAB}"/>
+              </a:ext>
+            </a:extLst>
+          </p:cNvPr>
+          <p:cNvSpPr>
+            <a:spLocks noChangeArrowheads="1"/>
+          </p:cNvSpPr>
+          <p:nvPr/>
+        </p:nvSpPr>
+        <p:spPr bwMode="auto">
+          <a:xfrm>
+            <a:off x="11560748" y="3865671"/>
+            <a:ext cx="577510" cy="620818"/>
+          </a:xfrm>
+          <a:prstGeom prst="roundRect">
+            <a:avLst>
+              <a:gd name="adj" fmla="val 16667"/>
+            </a:avLst>
+          </a:prstGeom>
+          <a:solidFill>
+            <a:schemeClr val="bg1">
+              <a:lumMod val="95000"/>
+            </a:schemeClr>
+          </a:solidFill>
+          <a:ln w="6350">
+            <a:solidFill>
+              <a:srgbClr val="FFC000"/>
+            </a:solidFill>
+            <a:miter lim="800000"/>
+            <a:headEnd/>
+            <a:tailEnd/>
+          </a:ln>
+        </p:spPr>
+        <p:txBody>
+          <a:bodyPr vert="horz" wrap="square" lIns="91440" tIns="45720" rIns="91440" bIns="45720" numCol="1" anchor="ctr" anchorCtr="0" compatLnSpc="1">
+            <a:prstTxWarp prst="textNoShape">
+              <a:avLst/>
+            </a:prstTxWarp>
+          </a:bodyPr>
+          <a:lstStyle/>
+          <a:p>
+            <a:pPr marL="0" marR="0" lvl="0" indent="0" algn="ctr" defTabSz="914400" rtl="0" eaLnBrk="0" fontAlgn="base" latinLnBrk="0" hangingPunct="0">
+              <a:lnSpc>
+                <a:spcPct val="100000"/>
+              </a:lnSpc>
+              <a:spcBef>
+                <a:spcPct val="0"/>
+              </a:spcBef>
+              <a:spcAft>
+                <a:spcPts val="800"/>
+              </a:spcAft>
+              <a:buClrTx/>
+              <a:buSzTx/>
+              <a:buFontTx/>
+              <a:buNone/>
+              <a:tabLst/>
+            </a:pPr>
+            <a:r>
+              <a:rPr kumimoji="0" lang="ar-DZ" altLang="fr-FR" sz="3200" b="1" i="0" u="none" strike="noStrike" cap="none" normalizeH="0" baseline="0" dirty="0" smtClean="0">
+                <a:ln>
+                  <a:noFill/>
+                </a:ln>
+                <a:effectLst/>
+                <a:latin typeface="Arial" panose="020B0604020202020204" pitchFamily="34" charset="0"/>
+                <a:cs typeface="+mj-cs"/>
+              </a:rPr>
+              <a:t>3</a:t>
+            </a:r>
+            <a:endParaRPr kumimoji="0" lang="fr-FR" altLang="fr-FR" sz="3200" b="1" i="0" u="none" strike="noStrike" cap="none" normalizeH="0" baseline="0" dirty="0">
+              <a:ln>
+                <a:noFill/>
+              </a:ln>
+              <a:effectLst/>
+              <a:latin typeface="Arial" panose="020B0604020202020204" pitchFamily="34" charset="0"/>
+              <a:cs typeface="+mj-cs"/>
+            </a:endParaRPr>
+          </a:p>
+        </p:txBody>
+      </p:sp>
+      <p:sp>
+        <p:nvSpPr>
+          <p:cNvPr id="22" name="AutoShape 2">
+            <a:extLst>
+              <a:ext uri="{FF2B5EF4-FFF2-40B4-BE49-F238E27FC236}">
+                <a16:creationId xmlns="" xmlns:a16="http://schemas.microsoft.com/office/drawing/2014/main" id="{5C6A2B0B-A849-A4FC-330C-41B69E87EFAB}"/>
+              </a:ext>
+            </a:extLst>
+          </p:cNvPr>
+          <p:cNvSpPr>
+            <a:spLocks noChangeArrowheads="1"/>
+          </p:cNvSpPr>
+          <p:nvPr/>
+        </p:nvSpPr>
+        <p:spPr bwMode="auto">
+          <a:xfrm>
+            <a:off x="11560748" y="3090700"/>
+            <a:ext cx="577510" cy="620818"/>
+          </a:xfrm>
+          <a:prstGeom prst="roundRect">
+            <a:avLst>
+              <a:gd name="adj" fmla="val 16667"/>
+            </a:avLst>
+          </a:prstGeom>
+          <a:solidFill>
+            <a:schemeClr val="bg1">
+              <a:lumMod val="95000"/>
+            </a:schemeClr>
+          </a:solidFill>
+          <a:ln w="6350">
+            <a:solidFill>
+              <a:srgbClr val="FFC000"/>
+            </a:solidFill>
+            <a:miter lim="800000"/>
+            <a:headEnd/>
+            <a:tailEnd/>
+          </a:ln>
+        </p:spPr>
+        <p:txBody>
+          <a:bodyPr vert="horz" wrap="square" lIns="91440" tIns="45720" rIns="91440" bIns="45720" numCol="1" anchor="ctr" anchorCtr="0" compatLnSpc="1">
+            <a:prstTxWarp prst="textNoShape">
+              <a:avLst/>
+            </a:prstTxWarp>
+          </a:bodyPr>
+          <a:lstStyle/>
+          <a:p>
+            <a:pPr marL="0" marR="0" lvl="0" indent="0" algn="ctr" defTabSz="914400" rtl="0" eaLnBrk="0" fontAlgn="base" latinLnBrk="0" hangingPunct="0">
+              <a:lnSpc>
+                <a:spcPct val="100000"/>
+              </a:lnSpc>
+              <a:spcBef>
+                <a:spcPct val="0"/>
+              </a:spcBef>
+              <a:spcAft>
+                <a:spcPts val="800"/>
+              </a:spcAft>
+              <a:buClrTx/>
+              <a:buSzTx/>
+              <a:buFontTx/>
+              <a:buNone/>
+              <a:tabLst/>
+            </a:pPr>
+            <a:r>
+              <a:rPr lang="ar-DZ" altLang="fr-FR" sz="3200" b="1" dirty="0" smtClean="0">
+                <a:latin typeface="Times New Roman" panose="02020603050405020304" pitchFamily="18" charset="0"/>
+                <a:cs typeface="Times New Roman" panose="02020603050405020304" pitchFamily="18" charset="0"/>
+              </a:rPr>
+              <a:t>6</a:t>
+            </a:r>
+            <a:endParaRPr kumimoji="0" lang="fr-FR" altLang="fr-FR" sz="3200" b="0" i="0" u="none" strike="noStrike" cap="none" normalizeH="0" baseline="0" dirty="0">
+              <a:ln>
+                <a:noFill/>
+              </a:ln>
+              <a:effectLst/>
+              <a:latin typeface="Arial" panose="020B0604020202020204" pitchFamily="34" charset="0"/>
+            </a:endParaRPr>
+          </a:p>
+        </p:txBody>
+      </p:sp>
+      <p:pic>
+        <p:nvPicPr>
+          <p:cNvPr id="4" name="Image 3"/>
+          <p:cNvPicPr>
+            <a:picLocks noChangeAspect="1"/>
+          </p:cNvPicPr>
+          <p:nvPr/>
+        </p:nvPicPr>
+        <p:blipFill>
+          <a:blip r:embed="rId2">
+            <a:extLst>
+              <a:ext uri="{28A0092B-C50C-407E-A947-70E740481C1C}">
+                <a14:useLocalDpi xmlns:a14="http://schemas.microsoft.com/office/drawing/2010/main" val="0"/>
+              </a:ext>
+            </a:extLst>
+          </a:blip>
+          <a:stretch>
+            <a:fillRect/>
+          </a:stretch>
+        </p:blipFill>
+        <p:spPr>
+          <a:xfrm>
+            <a:off x="304957" y="1568600"/>
+            <a:ext cx="7436126" cy="4558499"/>
+          </a:xfrm>
+          <a:prstGeom prst="rect">
+            <a:avLst/>
+          </a:prstGeom>
+        </p:spPr>
+      </p:pic>
+      <p:sp>
+        <p:nvSpPr>
+          <p:cNvPr id="23" name="AutoShape 2">
+            <a:extLst>
+              <a:ext uri="{FF2B5EF4-FFF2-40B4-BE49-F238E27FC236}">
+                <a16:creationId xmlns="" xmlns:a16="http://schemas.microsoft.com/office/drawing/2014/main" id="{5C6A2B0B-A849-A4FC-330C-41B69E87EFAB}"/>
+              </a:ext>
+            </a:extLst>
+          </p:cNvPr>
+          <p:cNvSpPr>
+            <a:spLocks noChangeArrowheads="1"/>
+          </p:cNvSpPr>
+          <p:nvPr/>
+        </p:nvSpPr>
+        <p:spPr bwMode="auto">
+          <a:xfrm>
+            <a:off x="7553195" y="6127099"/>
+            <a:ext cx="3869766" cy="620818"/>
+          </a:xfrm>
+          <a:prstGeom prst="roundRect">
+            <a:avLst>
+              <a:gd name="adj" fmla="val 16667"/>
+            </a:avLst>
+          </a:prstGeom>
+          <a:gradFill rotWithShape="1">
+            <a:gsLst>
+              <a:gs pos="0">
+                <a:srgbClr val="FFDD9C"/>
+              </a:gs>
+              <a:gs pos="50000">
+                <a:srgbClr val="FFD78E"/>
+              </a:gs>
+              <a:gs pos="100000">
+                <a:srgbClr val="FFD479"/>
+              </a:gs>
+            </a:gsLst>
+            <a:lin ang="5400000"/>
+          </a:gradFill>
+          <a:ln w="6350">
+            <a:solidFill>
+              <a:srgbClr val="FFC000"/>
+            </a:solidFill>
+            <a:miter lim="800000"/>
+            <a:headEnd/>
+            <a:tailEnd/>
+          </a:ln>
+        </p:spPr>
+        <p:txBody>
+          <a:bodyPr vert="horz" wrap="square" lIns="91440" tIns="45720" rIns="91440" bIns="45720" numCol="1" anchor="ctr" anchorCtr="0" compatLnSpc="1">
+            <a:prstTxWarp prst="textNoShape">
+              <a:avLst/>
+            </a:prstTxWarp>
+          </a:bodyPr>
+          <a:lstStyle/>
+          <a:p>
+            <a:pPr marL="0" marR="0" lvl="0" indent="0" algn="ctr" defTabSz="914400" rtl="0" eaLnBrk="0" fontAlgn="base" latinLnBrk="0" hangingPunct="0">
+              <a:lnSpc>
+                <a:spcPct val="100000"/>
+              </a:lnSpc>
+              <a:spcBef>
+                <a:spcPct val="0"/>
+              </a:spcBef>
+              <a:spcAft>
+                <a:spcPts val="800"/>
+              </a:spcAft>
+              <a:buClrTx/>
+              <a:buSzTx/>
+              <a:buFontTx/>
+              <a:buNone/>
+              <a:tabLst/>
+            </a:pPr>
+            <a:r>
+              <a:rPr lang="ar-DZ" altLang="fr-FR" sz="2800" b="1" dirty="0" smtClean="0">
+                <a:latin typeface="Times New Roman" panose="02020603050405020304" pitchFamily="18" charset="0"/>
+                <a:cs typeface="Times New Roman" panose="02020603050405020304" pitchFamily="18" charset="0"/>
+              </a:rPr>
+              <a:t>شريط التمرير الأفقي و العمودي</a:t>
+            </a:r>
+            <a:endParaRPr kumimoji="0" lang="fr-FR" altLang="fr-FR" sz="2800" b="0" i="0" u="none" strike="noStrike" cap="none" normalizeH="0" baseline="0" dirty="0">
+              <a:ln>
+                <a:noFill/>
+              </a:ln>
+              <a:solidFill>
+                <a:schemeClr val="tx1"/>
+              </a:solidFill>
+              <a:effectLst/>
+              <a:latin typeface="Arial" panose="020B0604020202020204" pitchFamily="34" charset="0"/>
+            </a:endParaRPr>
+          </a:p>
+        </p:txBody>
+      </p:sp>
+      <p:sp>
+        <p:nvSpPr>
+          <p:cNvPr id="24" name="AutoShape 2">
+            <a:extLst>
+              <a:ext uri="{FF2B5EF4-FFF2-40B4-BE49-F238E27FC236}">
+                <a16:creationId xmlns="" xmlns:a16="http://schemas.microsoft.com/office/drawing/2014/main" id="{5C6A2B0B-A849-A4FC-330C-41B69E87EFAB}"/>
+              </a:ext>
+            </a:extLst>
+          </p:cNvPr>
+          <p:cNvSpPr>
+            <a:spLocks noChangeArrowheads="1"/>
+          </p:cNvSpPr>
+          <p:nvPr/>
+        </p:nvSpPr>
+        <p:spPr bwMode="auto">
+          <a:xfrm>
+            <a:off x="11560748" y="1529177"/>
+            <a:ext cx="577510" cy="620818"/>
+          </a:xfrm>
+          <a:prstGeom prst="roundRect">
+            <a:avLst>
+              <a:gd name="adj" fmla="val 16667"/>
+            </a:avLst>
+          </a:prstGeom>
+          <a:solidFill>
+            <a:schemeClr val="bg1">
+              <a:lumMod val="95000"/>
+            </a:schemeClr>
+          </a:solidFill>
+          <a:ln w="6350">
+            <a:solidFill>
+              <a:srgbClr val="FFC000"/>
+            </a:solidFill>
+            <a:miter lim="800000"/>
+            <a:headEnd/>
+            <a:tailEnd/>
+          </a:ln>
+        </p:spPr>
+        <p:txBody>
+          <a:bodyPr vert="horz" wrap="square" lIns="91440" tIns="45720" rIns="91440" bIns="45720" numCol="1" anchor="ctr" anchorCtr="0" compatLnSpc="1">
+            <a:prstTxWarp prst="textNoShape">
+              <a:avLst/>
+            </a:prstTxWarp>
+          </a:bodyPr>
+          <a:lstStyle/>
+          <a:p>
+            <a:pPr marL="0" marR="0" lvl="0" indent="0" algn="ctr" defTabSz="914400" rtl="1" eaLnBrk="0" fontAlgn="base" latinLnBrk="0" hangingPunct="0">
+              <a:lnSpc>
+                <a:spcPct val="100000"/>
+              </a:lnSpc>
+              <a:spcBef>
+                <a:spcPct val="0"/>
+              </a:spcBef>
+              <a:spcAft>
+                <a:spcPts val="800"/>
+              </a:spcAft>
+              <a:buClrTx/>
+              <a:buSzTx/>
+              <a:buFontTx/>
+              <a:buNone/>
+              <a:tabLst/>
+            </a:pPr>
+            <a:r>
+              <a:rPr kumimoji="0" lang="ar-DZ" altLang="fr-FR" sz="3200" b="1" i="0" u="none" strike="noStrike" cap="none" normalizeH="0" baseline="0" dirty="0" smtClean="0">
+                <a:ln>
+                  <a:noFill/>
+                </a:ln>
+                <a:effectLst/>
+                <a:latin typeface="Arial" panose="020B0604020202020204" pitchFamily="34" charset="0"/>
+                <a:cs typeface="+mj-cs"/>
+              </a:rPr>
+              <a:t>2</a:t>
+            </a:r>
+            <a:endParaRPr kumimoji="0" lang="fr-FR" altLang="fr-FR" sz="3200" b="1" i="0" u="none" strike="noStrike" cap="none" normalizeH="0" baseline="0" dirty="0">
+              <a:ln>
+                <a:noFill/>
+              </a:ln>
+              <a:effectLst/>
+              <a:latin typeface="Arial" panose="020B0604020202020204" pitchFamily="34" charset="0"/>
+              <a:cs typeface="+mj-cs"/>
+            </a:endParaRPr>
+          </a:p>
+        </p:txBody>
+      </p:sp>
+      <p:sp>
+        <p:nvSpPr>
+          <p:cNvPr id="25" name="AutoShape 2">
+            <a:extLst>
+              <a:ext uri="{FF2B5EF4-FFF2-40B4-BE49-F238E27FC236}">
+                <a16:creationId xmlns="" xmlns:a16="http://schemas.microsoft.com/office/drawing/2014/main" id="{5C6A2B0B-A849-A4FC-330C-41B69E87EFAB}"/>
+              </a:ext>
+            </a:extLst>
+          </p:cNvPr>
+          <p:cNvSpPr>
+            <a:spLocks noChangeArrowheads="1"/>
+          </p:cNvSpPr>
+          <p:nvPr/>
+        </p:nvSpPr>
+        <p:spPr bwMode="auto">
+          <a:xfrm>
+            <a:off x="8604417" y="1547198"/>
+            <a:ext cx="2818544" cy="584775"/>
+          </a:xfrm>
+          <a:prstGeom prst="roundRect">
+            <a:avLst>
+              <a:gd name="adj" fmla="val 16667"/>
+            </a:avLst>
+          </a:prstGeom>
+          <a:gradFill rotWithShape="1">
+            <a:gsLst>
+              <a:gs pos="0">
+                <a:srgbClr val="FFDD9C"/>
+              </a:gs>
+              <a:gs pos="50000">
+                <a:srgbClr val="FFD78E"/>
+              </a:gs>
+              <a:gs pos="100000">
+                <a:srgbClr val="FFD479"/>
+              </a:gs>
+            </a:gsLst>
+            <a:lin ang="5400000"/>
+          </a:gradFill>
+          <a:ln w="6350">
+            <a:solidFill>
+              <a:srgbClr val="FFC000"/>
+            </a:solidFill>
+            <a:miter lim="800000"/>
+            <a:headEnd/>
+            <a:tailEnd/>
+          </a:ln>
+        </p:spPr>
+        <p:txBody>
+          <a:bodyPr vert="horz" wrap="square" lIns="91440" tIns="45720" rIns="91440" bIns="45720" numCol="1" anchor="ctr" anchorCtr="0" compatLnSpc="1">
+            <a:prstTxWarp prst="textNoShape">
+              <a:avLst/>
+            </a:prstTxWarp>
+          </a:bodyPr>
+          <a:lstStyle/>
+          <a:p>
+            <a:pPr marL="0" marR="0" lvl="0" indent="0" algn="ctr" defTabSz="914400" rtl="0" eaLnBrk="0" fontAlgn="base" latinLnBrk="0" hangingPunct="0">
+              <a:lnSpc>
+                <a:spcPct val="100000"/>
+              </a:lnSpc>
+              <a:spcBef>
+                <a:spcPct val="0"/>
+              </a:spcBef>
+              <a:spcAft>
+                <a:spcPts val="800"/>
+              </a:spcAft>
+              <a:buClrTx/>
+              <a:buSzTx/>
+              <a:buFontTx/>
+              <a:buNone/>
+              <a:tabLst/>
+            </a:pPr>
+            <a:r>
+              <a:rPr kumimoji="0" lang="ar-DZ" altLang="fr-FR" sz="2800" b="1" i="0" u="none" strike="noStrike" cap="none" normalizeH="0" baseline="0" dirty="0">
+                <a:ln>
+                  <a:noFill/>
+                </a:ln>
+                <a:solidFill>
+                  <a:schemeClr val="tx1"/>
+                </a:solidFill>
+                <a:effectLst/>
+                <a:latin typeface="Times New Roman" panose="02020603050405020304" pitchFamily="18" charset="0"/>
+                <a:ea typeface="Arial" panose="020B0604020202020204" pitchFamily="34" charset="0"/>
+                <a:cs typeface="Times New Roman" panose="02020603050405020304" pitchFamily="18" charset="0"/>
+              </a:rPr>
+              <a:t>شريط </a:t>
+            </a:r>
+            <a:r>
+              <a:rPr kumimoji="0" lang="ar-DZ" altLang="fr-FR" sz="2800" b="1" i="0" u="none" strike="noStrike" cap="none" normalizeH="0" baseline="0" dirty="0" err="1" smtClean="0">
+                <a:ln>
+                  <a:noFill/>
+                </a:ln>
+                <a:solidFill>
+                  <a:schemeClr val="tx1"/>
+                </a:solidFill>
+                <a:effectLst/>
+                <a:latin typeface="Times New Roman" panose="02020603050405020304" pitchFamily="18" charset="0"/>
+                <a:ea typeface="Arial" panose="020B0604020202020204" pitchFamily="34" charset="0"/>
+                <a:cs typeface="Times New Roman" panose="02020603050405020304" pitchFamily="18" charset="0"/>
+              </a:rPr>
+              <a:t>التبويبات</a:t>
+            </a:r>
+            <a:endParaRPr kumimoji="0" lang="fr-FR" altLang="fr-FR" sz="2800" b="0" i="0" u="none" strike="noStrike" cap="none" normalizeH="0" baseline="0" dirty="0">
+              <a:ln>
+                <a:noFill/>
+              </a:ln>
+              <a:solidFill>
+                <a:schemeClr val="tx1"/>
+              </a:solidFill>
+              <a:effectLst/>
+              <a:latin typeface="Arial" panose="020B0604020202020204" pitchFamily="34" charset="0"/>
+            </a:endParaRPr>
+          </a:p>
+        </p:txBody>
+      </p:sp>
+    </p:spTree>
+    <p:extLst>
+      <p:ext uri="{BB962C8B-B14F-4D97-AF65-F5344CB8AC3E}">
+        <p14:creationId xmlns:p14="http://schemas.microsoft.com/office/powerpoint/2010/main" val="2269366262"/>
+      </p:ext>
+    </p:extLst>
+  </p:cSld>
+  <p:clrMapOvr>
+    <a:masterClrMapping/>
+  </p:clrMapOvr>
+  <p:transition spd="slow">
+    <p:push dir="u"/>
+  </p:transition>
+  <p:timing>
+    <p:tnLst>
+      <p:par>
+        <p:cTn id="1" dur="indefinite" restart="never" nodeType="tmRoot">
+          <p:childTnLst>
+            <p:seq concurrent="1" nextAc="seek">
+              <p:cTn id="2" dur="indefinite" nodeType="mainSeq">
+                <p:childTnLst>
+                  <p:par>
+                    <p:cTn id="3" fill="hold">
+                      <p:stCondLst>
+                        <p:cond delay="indefinite"/>
+                      </p:stCondLst>
+                      <p:childTnLst>
+                        <p:par>
+                          <p:cTn id="4" fill="hold">
+                            <p:stCondLst>
+                              <p:cond delay="0"/>
+                            </p:stCondLst>
+                            <p:childTnLst>
+                              <p:par>
+                                <p:cTn id="5" presetID="10" presetClass="entr" presetSubtype="0" fill="hold" grpId="0" nodeType="clickEffect">
+                                  <p:stCondLst>
+                                    <p:cond delay="0"/>
+                                  </p:stCondLst>
+                                  <p:childTnLst>
+                                    <p:set>
+                                      <p:cBhvr>
+                                        <p:cTn id="6" dur="1" fill="hold">
+                                          <p:stCondLst>
+                                            <p:cond delay="0"/>
+                                          </p:stCondLst>
+                                        </p:cTn>
+                                        <p:tgtEl>
+                                          <p:spTgt spid="3"/>
+                                        </p:tgtEl>
+                                        <p:attrNameLst>
+                                          <p:attrName>style.visibility</p:attrName>
+                                        </p:attrNameLst>
+                                      </p:cBhvr>
+                                      <p:to>
+                                        <p:strVal val="visible"/>
+                                      </p:to>
+                                    </p:set>
+                                    <p:animEffect transition="in" filter="fade">
+                                      <p:cBhvr>
+                                        <p:cTn id="7" dur="500"/>
+                                        <p:tgtEl>
+                                          <p:spTgt spid="3"/>
+                                        </p:tgtEl>
+                                      </p:cBhvr>
+                                    </p:animEffect>
+                                  </p:childTnLst>
+                                </p:cTn>
+                              </p:par>
+                            </p:childTnLst>
+                          </p:cTn>
+                        </p:par>
+                      </p:childTnLst>
+                    </p:cTn>
+                  </p:par>
+                  <p:par>
+                    <p:cTn id="8" fill="hold">
+                      <p:stCondLst>
+                        <p:cond delay="indefinite"/>
+                      </p:stCondLst>
+                      <p:childTnLst>
+                        <p:par>
+                          <p:cTn id="9" fill="hold">
+                            <p:stCondLst>
+                              <p:cond delay="0"/>
+                            </p:stCondLst>
+                            <p:childTnLst>
+                              <p:par>
+                                <p:cTn id="10" presetID="10" presetClass="entr" presetSubtype="0" fill="hold" grpId="0" nodeType="clickEffect">
+                                  <p:stCondLst>
+                                    <p:cond delay="0"/>
+                                  </p:stCondLst>
+                                  <p:childTnLst>
+                                    <p:set>
+                                      <p:cBhvr>
+                                        <p:cTn id="11" dur="1" fill="hold">
+                                          <p:stCondLst>
+                                            <p:cond delay="0"/>
+                                          </p:stCondLst>
+                                        </p:cTn>
+                                        <p:tgtEl>
+                                          <p:spTgt spid="2"/>
+                                        </p:tgtEl>
+                                        <p:attrNameLst>
+                                          <p:attrName>style.visibility</p:attrName>
+                                        </p:attrNameLst>
+                                      </p:cBhvr>
+                                      <p:to>
+                                        <p:strVal val="visible"/>
+                                      </p:to>
+                                    </p:set>
+                                    <p:animEffect transition="in" filter="fade">
+                                      <p:cBhvr>
+                                        <p:cTn id="12" dur="500"/>
+                                        <p:tgtEl>
+                                          <p:spTgt spid="2"/>
+                                        </p:tgtEl>
+                                      </p:cBhvr>
+                                    </p:animEffect>
+                                  </p:childTnLst>
+                                </p:cTn>
+                              </p:par>
+                              <p:par>
+                                <p:cTn id="13" presetID="16" presetClass="entr" presetSubtype="21" fill="hold" grpId="0" nodeType="withEffect">
+                                  <p:stCondLst>
+                                    <p:cond delay="0"/>
+                                  </p:stCondLst>
+                                  <p:childTnLst>
+                                    <p:set>
+                                      <p:cBhvr>
+                                        <p:cTn id="14" dur="1" fill="hold">
+                                          <p:stCondLst>
+                                            <p:cond delay="0"/>
+                                          </p:stCondLst>
+                                        </p:cTn>
+                                        <p:tgtEl>
+                                          <p:spTgt spid="25"/>
+                                        </p:tgtEl>
+                                        <p:attrNameLst>
+                                          <p:attrName>style.visibility</p:attrName>
+                                        </p:attrNameLst>
+                                      </p:cBhvr>
+                                      <p:to>
+                                        <p:strVal val="visible"/>
+                                      </p:to>
+                                    </p:set>
+                                    <p:animEffect transition="in" filter="barn(inVertical)">
+                                      <p:cBhvr>
+                                        <p:cTn id="15" dur="1000"/>
+                                        <p:tgtEl>
+                                          <p:spTgt spid="25"/>
+                                        </p:tgtEl>
+                                      </p:cBhvr>
+                                    </p:animEffect>
+                                  </p:childTnLst>
+                                </p:cTn>
+                              </p:par>
+                              <p:par>
+                                <p:cTn id="16" presetID="16" presetClass="entr" presetSubtype="21" fill="hold" grpId="0" nodeType="withEffect">
+                                  <p:stCondLst>
+                                    <p:cond delay="0"/>
+                                  </p:stCondLst>
+                                  <p:childTnLst>
+                                    <p:set>
+                                      <p:cBhvr>
+                                        <p:cTn id="17" dur="1" fill="hold">
+                                          <p:stCondLst>
+                                            <p:cond delay="0"/>
+                                          </p:stCondLst>
+                                        </p:cTn>
+                                        <p:tgtEl>
+                                          <p:spTgt spid="15"/>
+                                        </p:tgtEl>
+                                        <p:attrNameLst>
+                                          <p:attrName>style.visibility</p:attrName>
+                                        </p:attrNameLst>
+                                      </p:cBhvr>
+                                      <p:to>
+                                        <p:strVal val="visible"/>
+                                      </p:to>
+                                    </p:set>
+                                    <p:animEffect transition="in" filter="barn(inVertical)">
+                                      <p:cBhvr>
+                                        <p:cTn id="18" dur="1000"/>
+                                        <p:tgtEl>
+                                          <p:spTgt spid="15"/>
+                                        </p:tgtEl>
+                                      </p:cBhvr>
+                                    </p:animEffect>
+                                  </p:childTnLst>
+                                </p:cTn>
+                              </p:par>
+                              <p:par>
+                                <p:cTn id="19" presetID="16" presetClass="entr" presetSubtype="21" fill="hold" grpId="0" nodeType="withEffect">
+                                  <p:stCondLst>
+                                    <p:cond delay="0"/>
+                                  </p:stCondLst>
+                                  <p:childTnLst>
+                                    <p:set>
+                                      <p:cBhvr>
+                                        <p:cTn id="20" dur="1" fill="hold">
+                                          <p:stCondLst>
+                                            <p:cond delay="0"/>
+                                          </p:stCondLst>
+                                        </p:cTn>
+                                        <p:tgtEl>
+                                          <p:spTgt spid="7"/>
+                                        </p:tgtEl>
+                                        <p:attrNameLst>
+                                          <p:attrName>style.visibility</p:attrName>
+                                        </p:attrNameLst>
+                                      </p:cBhvr>
+                                      <p:to>
+                                        <p:strVal val="visible"/>
+                                      </p:to>
+                                    </p:set>
+                                    <p:animEffect transition="in" filter="barn(inVertical)">
+                                      <p:cBhvr>
+                                        <p:cTn id="21" dur="1000"/>
+                                        <p:tgtEl>
+                                          <p:spTgt spid="7"/>
+                                        </p:tgtEl>
+                                      </p:cBhvr>
+                                    </p:animEffect>
+                                  </p:childTnLst>
+                                </p:cTn>
+                              </p:par>
+                              <p:par>
+                                <p:cTn id="22" presetID="16" presetClass="entr" presetSubtype="21" fill="hold" grpId="0" nodeType="withEffect">
+                                  <p:stCondLst>
+                                    <p:cond delay="0"/>
+                                  </p:stCondLst>
+                                  <p:childTnLst>
+                                    <p:set>
+                                      <p:cBhvr>
+                                        <p:cTn id="23" dur="1" fill="hold">
+                                          <p:stCondLst>
+                                            <p:cond delay="0"/>
+                                          </p:stCondLst>
+                                        </p:cTn>
+                                        <p:tgtEl>
+                                          <p:spTgt spid="13"/>
+                                        </p:tgtEl>
+                                        <p:attrNameLst>
+                                          <p:attrName>style.visibility</p:attrName>
+                                        </p:attrNameLst>
+                                      </p:cBhvr>
+                                      <p:to>
+                                        <p:strVal val="visible"/>
+                                      </p:to>
+                                    </p:set>
+                                    <p:animEffect transition="in" filter="barn(inVertical)">
+                                      <p:cBhvr>
+                                        <p:cTn id="24" dur="1000"/>
+                                        <p:tgtEl>
+                                          <p:spTgt spid="13"/>
+                                        </p:tgtEl>
+                                      </p:cBhvr>
+                                    </p:animEffect>
+                                  </p:childTnLst>
+                                </p:cTn>
+                              </p:par>
+                              <p:par>
+                                <p:cTn id="25" presetID="16" presetClass="entr" presetSubtype="21" fill="hold" grpId="0" nodeType="withEffect">
+                                  <p:stCondLst>
+                                    <p:cond delay="0"/>
+                                  </p:stCondLst>
+                                  <p:childTnLst>
+                                    <p:set>
+                                      <p:cBhvr>
+                                        <p:cTn id="26" dur="1" fill="hold">
+                                          <p:stCondLst>
+                                            <p:cond delay="0"/>
+                                          </p:stCondLst>
+                                        </p:cTn>
+                                        <p:tgtEl>
+                                          <p:spTgt spid="9"/>
+                                        </p:tgtEl>
+                                        <p:attrNameLst>
+                                          <p:attrName>style.visibility</p:attrName>
+                                        </p:attrNameLst>
+                                      </p:cBhvr>
+                                      <p:to>
+                                        <p:strVal val="visible"/>
+                                      </p:to>
+                                    </p:set>
+                                    <p:animEffect transition="in" filter="barn(inVertical)">
+                                      <p:cBhvr>
+                                        <p:cTn id="27" dur="1000"/>
+                                        <p:tgtEl>
+                                          <p:spTgt spid="9"/>
+                                        </p:tgtEl>
+                                      </p:cBhvr>
+                                    </p:animEffect>
+                                  </p:childTnLst>
+                                </p:cTn>
+                              </p:par>
+                              <p:par>
+                                <p:cTn id="28" presetID="16" presetClass="entr" presetSubtype="21" fill="hold" grpId="0" nodeType="withEffect">
+                                  <p:stCondLst>
+                                    <p:cond delay="0"/>
+                                  </p:stCondLst>
+                                  <p:childTnLst>
+                                    <p:set>
+                                      <p:cBhvr>
+                                        <p:cTn id="29" dur="1" fill="hold">
+                                          <p:stCondLst>
+                                            <p:cond delay="0"/>
+                                          </p:stCondLst>
+                                        </p:cTn>
+                                        <p:tgtEl>
+                                          <p:spTgt spid="12"/>
+                                        </p:tgtEl>
+                                        <p:attrNameLst>
+                                          <p:attrName>style.visibility</p:attrName>
+                                        </p:attrNameLst>
+                                      </p:cBhvr>
+                                      <p:to>
+                                        <p:strVal val="visible"/>
+                                      </p:to>
+                                    </p:set>
+                                    <p:animEffect transition="in" filter="barn(inVertical)">
+                                      <p:cBhvr>
+                                        <p:cTn id="30" dur="1000"/>
+                                        <p:tgtEl>
+                                          <p:spTgt spid="12"/>
+                                        </p:tgtEl>
+                                      </p:cBhvr>
+                                    </p:animEffect>
+                                  </p:childTnLst>
+                                </p:cTn>
+                              </p:par>
+                              <p:par>
+                                <p:cTn id="31" presetID="16" presetClass="entr" presetSubtype="21" fill="hold" grpId="0" nodeType="withEffect">
+                                  <p:stCondLst>
+                                    <p:cond delay="0"/>
+                                  </p:stCondLst>
+                                  <p:childTnLst>
+                                    <p:set>
+                                      <p:cBhvr>
+                                        <p:cTn id="32" dur="1" fill="hold">
+                                          <p:stCondLst>
+                                            <p:cond delay="0"/>
+                                          </p:stCondLst>
+                                        </p:cTn>
+                                        <p:tgtEl>
+                                          <p:spTgt spid="23"/>
+                                        </p:tgtEl>
+                                        <p:attrNameLst>
+                                          <p:attrName>style.visibility</p:attrName>
+                                        </p:attrNameLst>
+                                      </p:cBhvr>
+                                      <p:to>
+                                        <p:strVal val="visible"/>
+                                      </p:to>
+                                    </p:set>
+                                    <p:animEffect transition="in" filter="barn(inVertical)">
+                                      <p:cBhvr>
+                                        <p:cTn id="33" dur="500"/>
+                                        <p:tgtEl>
+                                          <p:spTgt spid="23"/>
+                                        </p:tgtEl>
+                                      </p:cBhvr>
+                                    </p:animEffect>
+                                  </p:childTnLst>
+                                </p:cTn>
+                              </p:par>
+                              <p:par>
+                                <p:cTn id="34" presetID="42" presetClass="entr" presetSubtype="0" fill="hold" nodeType="withEffect">
+                                  <p:stCondLst>
+                                    <p:cond delay="0"/>
+                                  </p:stCondLst>
+                                  <p:childTnLst>
+                                    <p:set>
+                                      <p:cBhvr>
+                                        <p:cTn id="35" dur="1" fill="hold">
+                                          <p:stCondLst>
+                                            <p:cond delay="0"/>
+                                          </p:stCondLst>
+                                        </p:cTn>
+                                        <p:tgtEl>
+                                          <p:spTgt spid="4"/>
+                                        </p:tgtEl>
+                                        <p:attrNameLst>
+                                          <p:attrName>style.visibility</p:attrName>
+                                        </p:attrNameLst>
+                                      </p:cBhvr>
+                                      <p:to>
+                                        <p:strVal val="visible"/>
+                                      </p:to>
+                                    </p:set>
+                                    <p:animEffect transition="in" filter="fade">
+                                      <p:cBhvr>
+                                        <p:cTn id="36" dur="1000"/>
+                                        <p:tgtEl>
+                                          <p:spTgt spid="4"/>
+                                        </p:tgtEl>
+                                      </p:cBhvr>
+                                    </p:animEffect>
+                                    <p:anim calcmode="lin" valueType="num">
+                                      <p:cBhvr>
+                                        <p:cTn id="37" dur="1000" fill="hold"/>
+                                        <p:tgtEl>
+                                          <p:spTgt spid="4"/>
+                                        </p:tgtEl>
+                                        <p:attrNameLst>
+                                          <p:attrName>ppt_x</p:attrName>
+                                        </p:attrNameLst>
+                                      </p:cBhvr>
+                                      <p:tavLst>
+                                        <p:tav tm="0">
+                                          <p:val>
+                                            <p:strVal val="#ppt_x"/>
+                                          </p:val>
+                                        </p:tav>
+                                        <p:tav tm="100000">
+                                          <p:val>
+                                            <p:strVal val="#ppt_x"/>
+                                          </p:val>
+                                        </p:tav>
+                                      </p:tavLst>
+                                    </p:anim>
+                                    <p:anim calcmode="lin" valueType="num">
+                                      <p:cBhvr>
+                                        <p:cTn id="38" dur="1000" fill="hold"/>
+                                        <p:tgtEl>
+                                          <p:spTgt spid="4"/>
+                                        </p:tgtEl>
+                                        <p:attrNameLst>
+                                          <p:attrName>ppt_y</p:attrName>
+                                        </p:attrNameLst>
+                                      </p:cBhvr>
+                                      <p:tavLst>
+                                        <p:tav tm="0">
+                                          <p:val>
+                                            <p:strVal val="#ppt_y+.1"/>
+                                          </p:val>
+                                        </p:tav>
+                                        <p:tav tm="100000">
+                                          <p:val>
+                                            <p:strVal val="#ppt_y"/>
+                                          </p:val>
+                                        </p:tav>
+                                      </p:tavLst>
+                                    </p:anim>
+                                  </p:childTnLst>
+                                </p:cTn>
+                              </p:par>
+                            </p:childTnLst>
+                          </p:cTn>
+                        </p:par>
+                      </p:childTnLst>
+                    </p:cTn>
+                  </p:par>
+                  <p:par>
+                    <p:cTn id="39" fill="hold">
+                      <p:stCondLst>
+                        <p:cond delay="indefinite"/>
+                      </p:stCondLst>
+                      <p:childTnLst>
+                        <p:par>
+                          <p:cTn id="40" fill="hold">
+                            <p:stCondLst>
+                              <p:cond delay="0"/>
+                            </p:stCondLst>
+                            <p:childTnLst>
+                              <p:par>
+                                <p:cTn id="41" presetID="10" presetClass="entr" presetSubtype="0" fill="hold" grpId="0" nodeType="clickEffect">
+                                  <p:stCondLst>
+                                    <p:cond delay="0"/>
+                                  </p:stCondLst>
+                                  <p:childTnLst>
+                                    <p:set>
+                                      <p:cBhvr>
+                                        <p:cTn id="42" dur="1" fill="hold">
+                                          <p:stCondLst>
+                                            <p:cond delay="0"/>
+                                          </p:stCondLst>
+                                        </p:cTn>
+                                        <p:tgtEl>
+                                          <p:spTgt spid="16"/>
+                                        </p:tgtEl>
+                                        <p:attrNameLst>
+                                          <p:attrName>style.visibility</p:attrName>
+                                        </p:attrNameLst>
+                                      </p:cBhvr>
+                                      <p:to>
+                                        <p:strVal val="visible"/>
+                                      </p:to>
+                                    </p:set>
+                                    <p:animEffect transition="in" filter="fade">
+                                      <p:cBhvr>
+                                        <p:cTn id="43" dur="500"/>
+                                        <p:tgtEl>
+                                          <p:spTgt spid="16"/>
+                                        </p:tgtEl>
+                                      </p:cBhvr>
+                                    </p:animEffect>
+                                  </p:childTnLst>
+                                </p:cTn>
+                              </p:par>
+                            </p:childTnLst>
+                          </p:cTn>
+                        </p:par>
+                      </p:childTnLst>
+                    </p:cTn>
+                  </p:par>
+                  <p:par>
+                    <p:cTn id="44" fill="hold">
+                      <p:stCondLst>
+                        <p:cond delay="indefinite"/>
+                      </p:stCondLst>
+                      <p:childTnLst>
+                        <p:par>
+                          <p:cTn id="45" fill="hold">
+                            <p:stCondLst>
+                              <p:cond delay="0"/>
+                            </p:stCondLst>
+                            <p:childTnLst>
+                              <p:par>
+                                <p:cTn id="46" presetID="10" presetClass="entr" presetSubtype="0" fill="hold" grpId="0" nodeType="clickEffect">
+                                  <p:stCondLst>
+                                    <p:cond delay="0"/>
+                                  </p:stCondLst>
+                                  <p:childTnLst>
+                                    <p:set>
+                                      <p:cBhvr>
+                                        <p:cTn id="47" dur="1" fill="hold">
+                                          <p:stCondLst>
+                                            <p:cond delay="0"/>
+                                          </p:stCondLst>
+                                        </p:cTn>
+                                        <p:tgtEl>
+                                          <p:spTgt spid="24"/>
+                                        </p:tgtEl>
+                                        <p:attrNameLst>
+                                          <p:attrName>style.visibility</p:attrName>
+                                        </p:attrNameLst>
+                                      </p:cBhvr>
+                                      <p:to>
+                                        <p:strVal val="visible"/>
+                                      </p:to>
+                                    </p:set>
+                                    <p:animEffect transition="in" filter="fade">
+                                      <p:cBhvr>
+                                        <p:cTn id="48" dur="500"/>
+                                        <p:tgtEl>
+                                          <p:spTgt spid="24"/>
+                                        </p:tgtEl>
+                                      </p:cBhvr>
+                                    </p:animEffect>
+                                  </p:childTnLst>
+                                </p:cTn>
+                              </p:par>
+                            </p:childTnLst>
+                          </p:cTn>
+                        </p:par>
+                      </p:childTnLst>
+                    </p:cTn>
+                  </p:par>
+                  <p:par>
+                    <p:cTn id="49" fill="hold">
+                      <p:stCondLst>
+                        <p:cond delay="indefinite"/>
+                      </p:stCondLst>
+                      <p:childTnLst>
+                        <p:par>
+                          <p:cTn id="50" fill="hold">
+                            <p:stCondLst>
+                              <p:cond delay="0"/>
+                            </p:stCondLst>
+                            <p:childTnLst>
+                              <p:par>
+                                <p:cTn id="51" presetID="10" presetClass="entr" presetSubtype="0" fill="hold" grpId="0" nodeType="clickEffect">
+                                  <p:stCondLst>
+                                    <p:cond delay="0"/>
+                                  </p:stCondLst>
+                                  <p:childTnLst>
+                                    <p:set>
+                                      <p:cBhvr>
+                                        <p:cTn id="52" dur="1" fill="hold">
+                                          <p:stCondLst>
+                                            <p:cond delay="0"/>
+                                          </p:stCondLst>
+                                        </p:cTn>
+                                        <p:tgtEl>
+                                          <p:spTgt spid="21"/>
+                                        </p:tgtEl>
+                                        <p:attrNameLst>
+                                          <p:attrName>style.visibility</p:attrName>
+                                        </p:attrNameLst>
+                                      </p:cBhvr>
+                                      <p:to>
+                                        <p:strVal val="visible"/>
+                                      </p:to>
+                                    </p:set>
+                                    <p:animEffect transition="in" filter="fade">
+                                      <p:cBhvr>
+                                        <p:cTn id="53" dur="500"/>
+                                        <p:tgtEl>
+                                          <p:spTgt spid="21"/>
+                                        </p:tgtEl>
+                                      </p:cBhvr>
+                                    </p:animEffect>
+                                  </p:childTnLst>
+                                </p:cTn>
+                              </p:par>
+                            </p:childTnLst>
+                          </p:cTn>
+                        </p:par>
+                      </p:childTnLst>
+                    </p:cTn>
+                  </p:par>
+                  <p:par>
+                    <p:cTn id="54" fill="hold">
+                      <p:stCondLst>
+                        <p:cond delay="indefinite"/>
+                      </p:stCondLst>
+                      <p:childTnLst>
+                        <p:par>
+                          <p:cTn id="55" fill="hold">
+                            <p:stCondLst>
+                              <p:cond delay="0"/>
+                            </p:stCondLst>
+                            <p:childTnLst>
+                              <p:par>
+                                <p:cTn id="56" presetID="10" presetClass="entr" presetSubtype="0" fill="hold" grpId="0" nodeType="clickEffect">
+                                  <p:stCondLst>
+                                    <p:cond delay="0"/>
+                                  </p:stCondLst>
+                                  <p:childTnLst>
+                                    <p:set>
+                                      <p:cBhvr>
+                                        <p:cTn id="57" dur="1" fill="hold">
+                                          <p:stCondLst>
+                                            <p:cond delay="0"/>
+                                          </p:stCondLst>
+                                        </p:cTn>
+                                        <p:tgtEl>
+                                          <p:spTgt spid="18"/>
+                                        </p:tgtEl>
+                                        <p:attrNameLst>
+                                          <p:attrName>style.visibility</p:attrName>
+                                        </p:attrNameLst>
+                                      </p:cBhvr>
+                                      <p:to>
+                                        <p:strVal val="visible"/>
+                                      </p:to>
+                                    </p:set>
+                                    <p:animEffect transition="in" filter="fade">
+                                      <p:cBhvr>
+                                        <p:cTn id="58" dur="500"/>
+                                        <p:tgtEl>
+                                          <p:spTgt spid="18"/>
+                                        </p:tgtEl>
+                                      </p:cBhvr>
+                                    </p:animEffect>
+                                  </p:childTnLst>
+                                </p:cTn>
+                              </p:par>
+                            </p:childTnLst>
+                          </p:cTn>
+                        </p:par>
+                      </p:childTnLst>
+                    </p:cTn>
+                  </p:par>
+                  <p:par>
+                    <p:cTn id="59" fill="hold">
+                      <p:stCondLst>
+                        <p:cond delay="indefinite"/>
+                      </p:stCondLst>
+                      <p:childTnLst>
+                        <p:par>
+                          <p:cTn id="60" fill="hold">
+                            <p:stCondLst>
+                              <p:cond delay="0"/>
+                            </p:stCondLst>
+                            <p:childTnLst>
+                              <p:par>
+                                <p:cTn id="61" presetID="10" presetClass="entr" presetSubtype="0" fill="hold" grpId="0" nodeType="clickEffect">
+                                  <p:stCondLst>
+                                    <p:cond delay="0"/>
+                                  </p:stCondLst>
+                                  <p:childTnLst>
+                                    <p:set>
+                                      <p:cBhvr>
+                                        <p:cTn id="62" dur="1" fill="hold">
+                                          <p:stCondLst>
+                                            <p:cond delay="0"/>
+                                          </p:stCondLst>
+                                        </p:cTn>
+                                        <p:tgtEl>
+                                          <p:spTgt spid="20"/>
+                                        </p:tgtEl>
+                                        <p:attrNameLst>
+                                          <p:attrName>style.visibility</p:attrName>
+                                        </p:attrNameLst>
+                                      </p:cBhvr>
+                                      <p:to>
+                                        <p:strVal val="visible"/>
+                                      </p:to>
+                                    </p:set>
+                                    <p:animEffect transition="in" filter="fade">
+                                      <p:cBhvr>
+                                        <p:cTn id="63" dur="500"/>
+                                        <p:tgtEl>
+                                          <p:spTgt spid="20"/>
+                                        </p:tgtEl>
+                                      </p:cBhvr>
+                                    </p:animEffect>
+                                  </p:childTnLst>
+                                </p:cTn>
+                              </p:par>
+                            </p:childTnLst>
+                          </p:cTn>
+                        </p:par>
+                      </p:childTnLst>
+                    </p:cTn>
+                  </p:par>
+                  <p:par>
+                    <p:cTn id="64" fill="hold">
+                      <p:stCondLst>
+                        <p:cond delay="indefinite"/>
+                      </p:stCondLst>
+                      <p:childTnLst>
+                        <p:par>
+                          <p:cTn id="65" fill="hold">
+                            <p:stCondLst>
+                              <p:cond delay="0"/>
+                            </p:stCondLst>
+                            <p:childTnLst>
+                              <p:par>
+                                <p:cTn id="66" presetID="10" presetClass="entr" presetSubtype="0" fill="hold" grpId="0" nodeType="clickEffect">
+                                  <p:stCondLst>
+                                    <p:cond delay="0"/>
+                                  </p:stCondLst>
+                                  <p:childTnLst>
+                                    <p:set>
+                                      <p:cBhvr>
+                                        <p:cTn id="67" dur="1" fill="hold">
+                                          <p:stCondLst>
+                                            <p:cond delay="0"/>
+                                          </p:stCondLst>
+                                        </p:cTn>
+                                        <p:tgtEl>
+                                          <p:spTgt spid="22"/>
+                                        </p:tgtEl>
+                                        <p:attrNameLst>
+                                          <p:attrName>style.visibility</p:attrName>
+                                        </p:attrNameLst>
+                                      </p:cBhvr>
+                                      <p:to>
+                                        <p:strVal val="visible"/>
+                                      </p:to>
+                                    </p:set>
+                                    <p:animEffect transition="in" filter="fade">
+                                      <p:cBhvr>
+                                        <p:cTn id="68" dur="500"/>
+                                        <p:tgtEl>
+                                          <p:spTgt spid="22"/>
+                                        </p:tgtEl>
+                                      </p:cBhvr>
+                                    </p:animEffect>
+                                  </p:childTnLst>
+                                </p:cTn>
+                              </p:par>
+                            </p:childTnLst>
+                          </p:cTn>
+                        </p:par>
+                      </p:childTnLst>
+                    </p:cTn>
+                  </p:par>
+                  <p:par>
+                    <p:cTn id="69" fill="hold">
+                      <p:stCondLst>
+                        <p:cond delay="indefinite"/>
+                      </p:stCondLst>
+                      <p:childTnLst>
+                        <p:par>
+                          <p:cTn id="70" fill="hold">
+                            <p:stCondLst>
+                              <p:cond delay="0"/>
+                            </p:stCondLst>
+                            <p:childTnLst>
+                              <p:par>
+                                <p:cTn id="71" presetID="10" presetClass="entr" presetSubtype="0" fill="hold" grpId="0" nodeType="clickEffect">
+                                  <p:stCondLst>
+                                    <p:cond delay="0"/>
+                                  </p:stCondLst>
+                                  <p:childTnLst>
+                                    <p:set>
+                                      <p:cBhvr>
+                                        <p:cTn id="72" dur="1" fill="hold">
+                                          <p:stCondLst>
+                                            <p:cond delay="0"/>
+                                          </p:stCondLst>
+                                        </p:cTn>
+                                        <p:tgtEl>
+                                          <p:spTgt spid="19"/>
+                                        </p:tgtEl>
+                                        <p:attrNameLst>
+                                          <p:attrName>style.visibility</p:attrName>
+                                        </p:attrNameLst>
+                                      </p:cBhvr>
+                                      <p:to>
+                                        <p:strVal val="visible"/>
+                                      </p:to>
+                                    </p:set>
+                                    <p:animEffect transition="in" filter="fade">
+                                      <p:cBhvr>
+                                        <p:cTn id="73" dur="500"/>
+                                        <p:tgtEl>
+                                          <p:spTgt spid="19"/>
+                                        </p:tgtEl>
+                                      </p:cBhvr>
+                                    </p:animEffect>
+                                  </p:childTnLst>
+                                </p:cTn>
+                              </p:par>
+                            </p:childTnLst>
+                          </p:cTn>
+                        </p:par>
+                      </p:childTnLst>
+                    </p:cTn>
+                  </p:par>
+                </p:childTnLst>
+              </p:cTn>
+              <p:prevCondLst>
+                <p:cond evt="onPrev" delay="0">
+                  <p:tgtEl>
+                    <p:sldTgt/>
+                  </p:tgtEl>
+                </p:cond>
+              </p:prevCondLst>
+              <p:nextCondLst>
+                <p:cond evt="onNext" delay="0">
+                  <p:tgtEl>
+                    <p:sldTgt/>
+                  </p:tgtEl>
+                </p:cond>
+              </p:nextCondLst>
+            </p:seq>
+          </p:childTnLst>
+        </p:cTn>
+      </p:par>
+    </p:tnLst>
+    <p:bldLst>
+      <p:bldP spid="2" grpId="0"/>
+      <p:bldP spid="3" grpId="0"/>
+      <p:bldP spid="7" grpId="0" animBg="1"/>
+      <p:bldP spid="9" grpId="0" animBg="1"/>
+      <p:bldP spid="12" grpId="0" animBg="1"/>
+      <p:bldP spid="13" grpId="0" animBg="1"/>
+      <p:bldP spid="15" grpId="0" animBg="1"/>
+      <p:bldP spid="16" grpId="0" animBg="1"/>
+      <p:bldP spid="18" grpId="0" animBg="1"/>
+      <p:bldP spid="19" grpId="0" animBg="1"/>
+      <p:bldP spid="20" grpId="0" animBg="1"/>
+      <p:bldP spid="21" grpId="0" animBg="1"/>
+      <p:bldP spid="22" grpId="0" animBg="1"/>
+      <p:bldP spid="23" grpId="0" animBg="1"/>
+      <p:bldP spid="24" grpId="0" animBg="1"/>
+      <p:bldP spid="25" grpId="0" animBg="1"/>
+    </p:bldLst>
+  </p:timing>
+</p:sld>
+</file>
+
+<file path=ppt/slides/slide9.xml><?xml version="1.0" encoding="utf-8"?>
+<p:sld xmlns:a="http://schemas.openxmlformats.org/drawingml/2006/main" xmlns:r="http://schemas.openxmlformats.org/officeDocument/2006/relationships" xmlns:p="http://schemas.openxmlformats.org/presentationml/2006/main">
+  <p:cSld>
     <p:bg>
       <p:bgPr>
-        <a:solidFill>
-          <a:schemeClr val="bg1"/>
-        </a:solidFill>
+        <a:gradFill>
+          <a:gsLst>
+            <a:gs pos="0">
+              <a:schemeClr val="accent1">
+                <a:lumMod val="5000"/>
+                <a:lumOff val="95000"/>
+              </a:schemeClr>
+            </a:gs>
+            <a:gs pos="100000">
+              <a:schemeClr val="accent1">
+                <a:lumMod val="40000"/>
+                <a:lumOff val="60000"/>
+              </a:schemeClr>
+            </a:gs>
+          </a:gsLst>
+          <a:lin ang="5400000" scaled="1"/>
+        </a:gradFill>
         <a:effectLst/>
       </p:bgPr>
     </p:bg>
@@ -4991,14 +8235,103 @@
       </p:grpSpPr>
       <p:sp>
         <p:nvSpPr>
-          <p:cNvPr id="4" name="ZoneTexte 3"/>
+          <p:cNvPr id="6" name="Rectangle 5"/>
+          <p:cNvSpPr>
+            <a:spLocks noChangeArrowheads="1"/>
+          </p:cNvSpPr>
+          <p:nvPr/>
+        </p:nvSpPr>
+        <p:spPr bwMode="auto">
+          <a:xfrm>
+            <a:off x="4829578" y="687878"/>
+            <a:ext cx="184731" cy="369332"/>
+          </a:xfrm>
+          <a:prstGeom prst="rect">
+            <a:avLst/>
+          </a:prstGeom>
+          <a:noFill/>
+          <a:ln>
+            <a:noFill/>
+          </a:ln>
+          <a:effectLst/>
+          <a:extLst>
+            <a:ext uri="{909E8E84-426E-40DD-AFC4-6F175D3DCCD1}">
+              <a14:hiddenFill xmlns:a14="http://schemas.microsoft.com/office/drawing/2010/main">
+                <a:solidFill>
+                  <a:schemeClr val="accent1"/>
+                </a:solidFill>
+              </a14:hiddenFill>
+            </a:ext>
+            <a:ext uri="{91240B29-F687-4F45-9708-019B960494DF}">
+              <a14:hiddenLine xmlns:a14="http://schemas.microsoft.com/office/drawing/2010/main" w="9525">
+                <a:solidFill>
+                  <a:schemeClr val="tx1"/>
+                </a:solidFill>
+                <a:miter lim="800000"/>
+                <a:headEnd/>
+                <a:tailEnd/>
+              </a14:hiddenLine>
+            </a:ext>
+            <a:ext uri="{AF507438-7753-43E0-B8FC-AC1667EBCBE1}">
+              <a14:hiddenEffects xmlns:a14="http://schemas.microsoft.com/office/drawing/2010/main">
+                <a:effectLst>
+                  <a:outerShdw dist="35921" dir="2700000" algn="ctr" rotWithShape="0">
+                    <a:schemeClr val="bg2"/>
+                  </a:outerShdw>
+                </a:effectLst>
+              </a14:hiddenEffects>
+            </a:ext>
+          </a:extLst>
+        </p:spPr>
+        <p:txBody>
+          <a:bodyPr vert="horz" wrap="none" lIns="91440" tIns="45720" rIns="91440" bIns="45720" numCol="1" anchor="ctr" anchorCtr="0" compatLnSpc="1">
+            <a:prstTxWarp prst="textNoShape">
+              <a:avLst/>
+            </a:prstTxWarp>
+            <a:spAutoFit/>
+          </a:bodyPr>
+          <a:lstStyle/>
+          <a:p>
+            <a:pPr marL="0" marR="0" lvl="0" indent="0" algn="l" defTabSz="914400" rtl="0" eaLnBrk="0" fontAlgn="base" latinLnBrk="0" hangingPunct="0">
+              <a:lnSpc>
+                <a:spcPct val="100000"/>
+              </a:lnSpc>
+              <a:spcBef>
+                <a:spcPct val="0"/>
+              </a:spcBef>
+              <a:spcAft>
+                <a:spcPct val="0"/>
+              </a:spcAft>
+              <a:buClrTx/>
+              <a:buSzTx/>
+              <a:buFontTx/>
+              <a:buNone/>
+              <a:tabLst/>
+            </a:pPr>
+            <a:endParaRPr kumimoji="0" lang="fr-FR" sz="1800" b="1" i="0" u="none" strike="noStrike" cap="none" normalizeH="0" baseline="0" dirty="0" smtClean="0">
+              <a:ln>
+                <a:noFill/>
+              </a:ln>
+              <a:solidFill>
+                <a:schemeClr val="tx1"/>
+              </a:solidFill>
+              <a:effectLst/>
+              <a:latin typeface="Arial" panose="020B0604020202020204" pitchFamily="34" charset="0"/>
+              <a:cs typeface="Arial" panose="020B0604020202020204" pitchFamily="34" charset="0"/>
+            </a:endParaRPr>
+          </a:p>
+        </p:txBody>
+      </p:sp>
+      <p:sp>
+        <p:nvSpPr>
+          <p:cNvPr id="2" name="ZoneTexte 1"/>
           <p:cNvSpPr txBox="1"/>
           <p:nvPr/>
         </p:nvSpPr>
         <p:spPr>
           <a:xfrm>
-            <a:off x="3471350" y="135676"/>
-            <a:ext cx="8362950" cy="769441"/>
+            <a:off x="6472179" y="1102382"/>
+            <a:ext cx="5319293" cy="3970318"/>
           </a:xfrm>
           <a:prstGeom prst="rect">
             <a:avLst/>
@@ -5011,33 +8344,78 @@
           </a:bodyPr>
           <a:lstStyle/>
           <a:p>
-            <a:pPr algn="r" rtl="1"/>
-            <a:r>
-              <a:rPr lang="ar-DZ" sz="4400" b="1" u="sng" dirty="0" smtClean="0">
-                <a:solidFill>
-                  <a:srgbClr val="FF0000"/>
-                </a:solidFill>
-              </a:rPr>
-              <a:t>تدريب :</a:t>
-            </a:r>
-            <a:endParaRPr lang="ar-DZ" sz="4400" b="1" u="sng" dirty="0">
-              <a:solidFill>
-                <a:srgbClr val="FF0000"/>
-              </a:solidFill>
-            </a:endParaRPr>
-          </a:p>
-        </p:txBody>
-      </p:sp>
-      <p:sp>
-        <p:nvSpPr>
-          <p:cNvPr id="7" name="ZoneTexte 6"/>
+            <a:pPr algn="r"/>
+            <a:r>
+              <a:rPr lang="ar-DZ" sz="3600" dirty="0" smtClean="0"/>
+              <a:t>1</a:t>
+            </a:r>
+            <a:r>
+              <a:rPr lang="ar-DZ" sz="3600" dirty="0"/>
+              <a:t>. شريط العنوان </a:t>
+            </a:r>
+          </a:p>
+          <a:p>
+            <a:pPr algn="r"/>
+            <a:r>
+              <a:rPr lang="ar-DZ" sz="3600" dirty="0"/>
+              <a:t>2. شريط </a:t>
+            </a:r>
+            <a:r>
+              <a:rPr lang="ar-DZ" sz="3600" dirty="0" err="1"/>
+              <a:t>التبويبات</a:t>
+            </a:r>
+            <a:r>
+              <a:rPr lang="ar-DZ" sz="3600" dirty="0"/>
+              <a:t> </a:t>
+            </a:r>
+          </a:p>
+          <a:p>
+            <a:pPr algn="r"/>
+            <a:r>
+              <a:rPr lang="ar-DZ" sz="3600" dirty="0"/>
+              <a:t>3. شريط المجموعات و الأدوات </a:t>
+            </a:r>
+          </a:p>
+          <a:p>
+            <a:pPr algn="r"/>
+            <a:r>
+              <a:rPr lang="ar-DZ" sz="3600" dirty="0"/>
+              <a:t>4. المسطرة الأفقية و العمودية </a:t>
+            </a:r>
+          </a:p>
+          <a:p>
+            <a:pPr algn="r"/>
+            <a:r>
+              <a:rPr lang="ar-DZ" sz="3600" dirty="0"/>
+              <a:t>5. ورقة الكتابة </a:t>
+            </a:r>
+          </a:p>
+          <a:p>
+            <a:pPr algn="r"/>
+            <a:r>
+              <a:rPr lang="ar-DZ" sz="3600" dirty="0"/>
+              <a:t>6. شريط المعلومات </a:t>
+            </a:r>
+          </a:p>
+          <a:p>
+            <a:pPr algn="r"/>
+            <a:r>
+              <a:rPr lang="ar-DZ" sz="3600" dirty="0"/>
+              <a:t>7. شريط التمرير الأفقي و العمود </a:t>
+            </a:r>
+          </a:p>
+        </p:txBody>
+      </p:sp>
+      <p:sp>
+        <p:nvSpPr>
+          <p:cNvPr id="9" name="ZoneTexte 8"/>
           <p:cNvSpPr txBox="1"/>
           <p:nvPr/>
         </p:nvSpPr>
         <p:spPr>
           <a:xfrm>
-            <a:off x="316109" y="1040119"/>
-            <a:ext cx="11618400" cy="1569660"/>
+            <a:off x="3371708" y="262247"/>
+            <a:ext cx="8419764" cy="646331"/>
           </a:xfrm>
           <a:prstGeom prst="rect">
             <a:avLst/>
@@ -5050,67 +8428,80 @@
           </a:bodyPr>
           <a:lstStyle/>
           <a:p>
-            <a:pPr marL="457200" indent="-457200" algn="r" rtl="1">
-              <a:buFont typeface="Wingdings" panose="05000000000000000000" pitchFamily="2" charset="2"/>
-              <a:buChar char="Ø"/>
+            <a:pPr marL="742950" indent="-742950" algn="r" rtl="1">
+              <a:buFont typeface="+mj-lt"/>
+              <a:buAutoNum type="arabicPeriod" startAt="3"/>
             </a:pPr>
             <a:r>
-              <a:rPr lang="ar-DZ" sz="3200" dirty="0"/>
-              <a:t>قم بتشغيل ايقونة  </a:t>
-            </a:r>
-            <a:r>
-              <a:rPr lang="fr-FR" sz="3200" dirty="0"/>
-              <a:t>Ce </a:t>
-            </a:r>
-            <a:r>
-              <a:rPr lang="fr-FR" sz="3200" dirty="0" smtClean="0"/>
-              <a:t>PC</a:t>
-            </a:r>
-            <a:r>
-              <a:rPr lang="ar-DZ" sz="3200" dirty="0" smtClean="0"/>
-              <a:t>  وادخل </a:t>
-            </a:r>
-            <a:r>
-              <a:rPr lang="ar-DZ" sz="3200" dirty="0"/>
-              <a:t>الى القرص </a:t>
-            </a:r>
-            <a:r>
-              <a:rPr lang="fr-FR" sz="3200" dirty="0"/>
-              <a:t>D</a:t>
-            </a:r>
-          </a:p>
-          <a:p>
-            <a:pPr marL="457200" indent="-457200" algn="r" rtl="1">
-              <a:buFont typeface="Wingdings" panose="05000000000000000000" pitchFamily="2" charset="2"/>
-              <a:buChar char="Ø"/>
-            </a:pPr>
-            <a:r>
-              <a:rPr lang="ar-DZ" sz="3200" dirty="0"/>
-              <a:t>ق</a:t>
-            </a:r>
-            <a:r>
-              <a:rPr lang="ar-DZ" sz="3200" dirty="0" smtClean="0"/>
-              <a:t>م </a:t>
-            </a:r>
-            <a:r>
-              <a:rPr lang="ar-DZ" sz="3200" dirty="0"/>
-              <a:t>بنقل المجلد الذي يحمل "</a:t>
-            </a:r>
-            <a:r>
-              <a:rPr lang="ar-DZ" sz="3200" dirty="0" err="1"/>
-              <a:t>إسمك</a:t>
-            </a:r>
-            <a:r>
-              <a:rPr lang="ar-DZ" sz="3200" dirty="0"/>
-              <a:t> لقبك" الذي انشأته في الحصة الماضية  إلى داخل المجلد الذي يحمل اسم قسمك (1م1 أو 1م2)</a:t>
-            </a:r>
-          </a:p>
-        </p:txBody>
-      </p:sp>
+              <a:rPr lang="ar-DZ" sz="3600" b="1" u="sng" dirty="0" smtClean="0">
+                <a:solidFill>
+                  <a:srgbClr val="FF0000"/>
+                </a:solidFill>
+                <a:cs typeface="+mj-cs"/>
+              </a:rPr>
+              <a:t>عناصر واجهة برنامج </a:t>
+            </a:r>
+            <a:r>
+              <a:rPr lang="fr-FR" sz="3600" b="1" u="sng" dirty="0" smtClean="0">
+                <a:solidFill>
+                  <a:srgbClr val="FF0000"/>
+                </a:solidFill>
+                <a:cs typeface="+mj-cs"/>
+              </a:rPr>
+              <a:t> Word</a:t>
+            </a:r>
+            <a:r>
+              <a:rPr lang="ar-DZ" sz="3600" b="1" u="sng" dirty="0" smtClean="0">
+                <a:solidFill>
+                  <a:srgbClr val="FF0000"/>
+                </a:solidFill>
+                <a:cs typeface="+mj-cs"/>
+              </a:rPr>
+              <a:t>:</a:t>
+            </a:r>
+            <a:endParaRPr lang="ar-DZ" sz="3600" b="1" u="sng" dirty="0">
+              <a:solidFill>
+                <a:srgbClr val="FF0000"/>
+              </a:solidFill>
+              <a:cs typeface="+mj-cs"/>
+            </a:endParaRPr>
+          </a:p>
+        </p:txBody>
+      </p:sp>
+      <p:pic>
+        <p:nvPicPr>
+          <p:cNvPr id="3" name="Image 2"/>
+          <p:cNvPicPr>
+            <a:picLocks noChangeAspect="1"/>
+          </p:cNvPicPr>
+          <p:nvPr/>
+        </p:nvPicPr>
+        <p:blipFill>
+          <a:blip r:embed="rId2">
+            <a:extLst>
+              <a:ext uri="{28A0092B-C50C-407E-A947-70E740481C1C}">
+                <a14:useLocalDpi xmlns:a14="http://schemas.microsoft.com/office/drawing/2010/main" val="0"/>
+              </a:ext>
+            </a:extLst>
+          </a:blip>
+          <a:stretch>
+            <a:fillRect/>
+          </a:stretch>
+        </p:blipFill>
+        <p:spPr>
+          <a:xfrm>
+            <a:off x="92054" y="1057210"/>
+            <a:ext cx="6559307" cy="4410691"/>
+          </a:xfrm>
+          <a:prstGeom prst="rect">
+            <a:avLst/>
+          </a:prstGeom>
+        </p:spPr>
+      </p:pic>
     </p:spTree>
     <p:extLst>
       <p:ext uri="{BB962C8B-B14F-4D97-AF65-F5344CB8AC3E}">
-        <p14:creationId xmlns:p14="http://schemas.microsoft.com/office/powerpoint/2010/main" val="1603209517"/>
+        <p14:creationId xmlns:p14="http://schemas.microsoft.com/office/powerpoint/2010/main" val="3034632288"/>
       </p:ext>
     </p:extLst>
   </p:cSld>

--- a/1 am/معالج النصوص 2/1 تقديم معالج النصوص/cours 12/عرض الدرس.pptx
+++ b/1 am/معالج النصوص 2/1 تقديم معالج النصوص/cours 12/عرض الدرس.pptx
@@ -252,7 +252,7 @@
           <a:p>
             <a:fld id="{33E46DBA-FA3B-4C5F-B700-4671668DAB72}" type="datetimeFigureOut">
               <a:rPr lang="fr-FR" smtClean="0"/>
-              <a:t>05/04/2025</a:t>
+              <a:t>07/04/2025</a:t>
             </a:fld>
             <a:endParaRPr lang="fr-FR"/>
           </a:p>
@@ -422,7 +422,7 @@
           <a:p>
             <a:fld id="{33E46DBA-FA3B-4C5F-B700-4671668DAB72}" type="datetimeFigureOut">
               <a:rPr lang="fr-FR" smtClean="0"/>
-              <a:t>05/04/2025</a:t>
+              <a:t>07/04/2025</a:t>
             </a:fld>
             <a:endParaRPr lang="fr-FR"/>
           </a:p>
@@ -602,7 +602,7 @@
           <a:p>
             <a:fld id="{33E46DBA-FA3B-4C5F-B700-4671668DAB72}" type="datetimeFigureOut">
               <a:rPr lang="fr-FR" smtClean="0"/>
-              <a:t>05/04/2025</a:t>
+              <a:t>07/04/2025</a:t>
             </a:fld>
             <a:endParaRPr lang="fr-FR"/>
           </a:p>
@@ -772,7 +772,7 @@
           <a:p>
             <a:fld id="{33E46DBA-FA3B-4C5F-B700-4671668DAB72}" type="datetimeFigureOut">
               <a:rPr lang="fr-FR" smtClean="0"/>
-              <a:t>05/04/2025</a:t>
+              <a:t>07/04/2025</a:t>
             </a:fld>
             <a:endParaRPr lang="fr-FR"/>
           </a:p>
@@ -1018,7 +1018,7 @@
           <a:p>
             <a:fld id="{33E46DBA-FA3B-4C5F-B700-4671668DAB72}" type="datetimeFigureOut">
               <a:rPr lang="fr-FR" smtClean="0"/>
-              <a:t>05/04/2025</a:t>
+              <a:t>07/04/2025</a:t>
             </a:fld>
             <a:endParaRPr lang="fr-FR"/>
           </a:p>
@@ -1250,7 +1250,7 @@
           <a:p>
             <a:fld id="{33E46DBA-FA3B-4C5F-B700-4671668DAB72}" type="datetimeFigureOut">
               <a:rPr lang="fr-FR" smtClean="0"/>
-              <a:t>05/04/2025</a:t>
+              <a:t>07/04/2025</a:t>
             </a:fld>
             <a:endParaRPr lang="fr-FR"/>
           </a:p>
@@ -1617,7 +1617,7 @@
           <a:p>
             <a:fld id="{33E46DBA-FA3B-4C5F-B700-4671668DAB72}" type="datetimeFigureOut">
               <a:rPr lang="fr-FR" smtClean="0"/>
-              <a:t>05/04/2025</a:t>
+              <a:t>07/04/2025</a:t>
             </a:fld>
             <a:endParaRPr lang="fr-FR"/>
           </a:p>
@@ -1735,7 +1735,7 @@
           <a:p>
             <a:fld id="{33E46DBA-FA3B-4C5F-B700-4671668DAB72}" type="datetimeFigureOut">
               <a:rPr lang="fr-FR" smtClean="0"/>
-              <a:t>05/04/2025</a:t>
+              <a:t>07/04/2025</a:t>
             </a:fld>
             <a:endParaRPr lang="fr-FR"/>
           </a:p>
@@ -1830,7 +1830,7 @@
           <a:p>
             <a:fld id="{33E46DBA-FA3B-4C5F-B700-4671668DAB72}" type="datetimeFigureOut">
               <a:rPr lang="fr-FR" smtClean="0"/>
-              <a:t>05/04/2025</a:t>
+              <a:t>07/04/2025</a:t>
             </a:fld>
             <a:endParaRPr lang="fr-FR"/>
           </a:p>
@@ -2107,7 +2107,7 @@
           <a:p>
             <a:fld id="{33E46DBA-FA3B-4C5F-B700-4671668DAB72}" type="datetimeFigureOut">
               <a:rPr lang="fr-FR" smtClean="0"/>
-              <a:t>05/04/2025</a:t>
+              <a:t>07/04/2025</a:t>
             </a:fld>
             <a:endParaRPr lang="fr-FR"/>
           </a:p>
@@ -2360,7 +2360,7 @@
           <a:p>
             <a:fld id="{33E46DBA-FA3B-4C5F-B700-4671668DAB72}" type="datetimeFigureOut">
               <a:rPr lang="fr-FR" smtClean="0"/>
-              <a:t>05/04/2025</a:t>
+              <a:t>07/04/2025</a:t>
             </a:fld>
             <a:endParaRPr lang="fr-FR"/>
           </a:p>
@@ -2573,7 +2573,7 @@
           <a:p>
             <a:fld id="{33E46DBA-FA3B-4C5F-B700-4671668DAB72}" type="datetimeFigureOut">
               <a:rPr lang="fr-FR" smtClean="0"/>
-              <a:t>05/04/2025</a:t>
+              <a:t>07/04/2025</a:t>
             </a:fld>
             <a:endParaRPr lang="fr-FR"/>
           </a:p>
@@ -5855,21 +5855,7 @@
                 <a:ea typeface="Calibri" panose="020F0502020204030204" pitchFamily="34" charset="0"/>
                 <a:cs typeface="Times New Roman" panose="02020603050405020304" pitchFamily="18" charset="0"/>
               </a:rPr>
-              <a:t>كيف نسمي الصورة التي ظهرت </a:t>
-            </a:r>
-            <a:r>
-              <a:rPr lang="ar-DZ" sz="3200" b="1" dirty="0" smtClean="0">
-                <a:ea typeface="Calibri" panose="020F0502020204030204" pitchFamily="34" charset="0"/>
-                <a:cs typeface="Times New Roman" panose="02020603050405020304" pitchFamily="18" charset="0"/>
-              </a:rPr>
-              <a:t> </a:t>
-            </a:r>
-            <a:r>
-              <a:rPr lang="ar-DZ" sz="3200" b="1" dirty="0" smtClean="0">
-                <a:ea typeface="Calibri" panose="020F0502020204030204" pitchFamily="34" charset="0"/>
-                <a:cs typeface="Times New Roman" panose="02020603050405020304" pitchFamily="18" charset="0"/>
-              </a:rPr>
-              <a:t>؟</a:t>
+              <a:t>كيف نسمي الصورة التي ظهرت  ؟</a:t>
             </a:r>
             <a:endParaRPr lang="fr-FR" sz="6600" b="1" dirty="0"/>
           </a:p>
@@ -5949,16 +5935,7 @@
                 </a:solidFill>
                 <a:cs typeface="+mj-cs"/>
               </a:rPr>
-              <a:t>واجهة </a:t>
-            </a:r>
-            <a:r>
-              <a:rPr lang="ar-DZ" sz="3200" b="1" dirty="0" smtClean="0">
-                <a:solidFill>
-                  <a:srgbClr val="FF0000"/>
-                </a:solidFill>
-                <a:cs typeface="+mj-cs"/>
-              </a:rPr>
-              <a:t>برنامج معالج النصوص</a:t>
+              <a:t>واجهة برنامج معالج النصوص</a:t>
             </a:r>
             <a:endParaRPr lang="fr-FR" sz="3200" b="1" dirty="0">
               <a:solidFill>
@@ -5974,7 +5951,7 @@
           <p:cNvPr id="7" name="AutoShape 2">
             <a:extLst>
               <a:ext uri="{FF2B5EF4-FFF2-40B4-BE49-F238E27FC236}">
-                <a16:creationId xmlns="" xmlns:a16="http://schemas.microsoft.com/office/drawing/2014/main" id="{5C6A2B0B-A849-A4FC-330C-41B69E87EFAB}"/>
+                <a16:creationId xmlns:a16="http://schemas.microsoft.com/office/drawing/2014/main" xmlns="" id="{5C6A2B0B-A849-A4FC-330C-41B69E87EFAB}"/>
               </a:ext>
             </a:extLst>
           </p:cNvPr>
@@ -6073,7 +6050,7 @@
           <p:cNvPr id="9" name="AutoShape 3">
             <a:extLst>
               <a:ext uri="{FF2B5EF4-FFF2-40B4-BE49-F238E27FC236}">
-                <a16:creationId xmlns="" xmlns:a16="http://schemas.microsoft.com/office/drawing/2014/main" id="{1BD37110-EA45-9A5D-8474-6AC363B5A5BE}"/>
+                <a16:creationId xmlns:a16="http://schemas.microsoft.com/office/drawing/2014/main" xmlns="" id="{1BD37110-EA45-9A5D-8474-6AC363B5A5BE}"/>
               </a:ext>
             </a:extLst>
           </p:cNvPr>
@@ -6166,7 +6143,7 @@
           <p:cNvPr id="12" name="AutoShape 4">
             <a:extLst>
               <a:ext uri="{FF2B5EF4-FFF2-40B4-BE49-F238E27FC236}">
-                <a16:creationId xmlns="" xmlns:a16="http://schemas.microsoft.com/office/drawing/2014/main" id="{F3F4B74F-4D54-2644-12F3-BFA2D3CB4D54}"/>
+                <a16:creationId xmlns:a16="http://schemas.microsoft.com/office/drawing/2014/main" xmlns="" id="{F3F4B74F-4D54-2644-12F3-BFA2D3CB4D54}"/>
               </a:ext>
             </a:extLst>
           </p:cNvPr>
@@ -6279,7 +6256,7 @@
           <p:cNvPr id="13" name="AutoShape 5">
             <a:extLst>
               <a:ext uri="{FF2B5EF4-FFF2-40B4-BE49-F238E27FC236}">
-                <a16:creationId xmlns="" xmlns:a16="http://schemas.microsoft.com/office/drawing/2014/main" id="{17FD8BDE-D82E-75CA-6D57-44402CD7F60D}"/>
+                <a16:creationId xmlns:a16="http://schemas.microsoft.com/office/drawing/2014/main" xmlns="" id="{17FD8BDE-D82E-75CA-6D57-44402CD7F60D}"/>
               </a:ext>
             </a:extLst>
           </p:cNvPr>
@@ -6438,7 +6415,7 @@
           <p:cNvPr id="15" name="AutoShape 2">
             <a:extLst>
               <a:ext uri="{FF2B5EF4-FFF2-40B4-BE49-F238E27FC236}">
-                <a16:creationId xmlns="" xmlns:a16="http://schemas.microsoft.com/office/drawing/2014/main" id="{5C6A2B0B-A849-A4FC-330C-41B69E87EFAB}"/>
+                <a16:creationId xmlns:a16="http://schemas.microsoft.com/office/drawing/2014/main" xmlns="" id="{5C6A2B0B-A849-A4FC-330C-41B69E87EFAB}"/>
               </a:ext>
             </a:extLst>
           </p:cNvPr>
@@ -6529,7 +6506,7 @@
           <p:cNvPr id="16" name="AutoShape 2">
             <a:extLst>
               <a:ext uri="{FF2B5EF4-FFF2-40B4-BE49-F238E27FC236}">
-                <a16:creationId xmlns="" xmlns:a16="http://schemas.microsoft.com/office/drawing/2014/main" id="{5C6A2B0B-A849-A4FC-330C-41B69E87EFAB}"/>
+                <a16:creationId xmlns:a16="http://schemas.microsoft.com/office/drawing/2014/main" xmlns="" id="{5C6A2B0B-A849-A4FC-330C-41B69E87EFAB}"/>
               </a:ext>
             </a:extLst>
           </p:cNvPr>
@@ -6608,7 +6585,7 @@
           <p:cNvPr id="18" name="AutoShape 2">
             <a:extLst>
               <a:ext uri="{FF2B5EF4-FFF2-40B4-BE49-F238E27FC236}">
-                <a16:creationId xmlns="" xmlns:a16="http://schemas.microsoft.com/office/drawing/2014/main" id="{5C6A2B0B-A849-A4FC-330C-41B69E87EFAB}"/>
+                <a16:creationId xmlns:a16="http://schemas.microsoft.com/office/drawing/2014/main" xmlns="" id="{5C6A2B0B-A849-A4FC-330C-41B69E87EFAB}"/>
               </a:ext>
             </a:extLst>
           </p:cNvPr>
@@ -6692,7 +6669,7 @@
           <p:cNvPr id="19" name="AutoShape 2">
             <a:extLst>
               <a:ext uri="{FF2B5EF4-FFF2-40B4-BE49-F238E27FC236}">
-                <a16:creationId xmlns="" xmlns:a16="http://schemas.microsoft.com/office/drawing/2014/main" id="{5C6A2B0B-A849-A4FC-330C-41B69E87EFAB}"/>
+                <a16:creationId xmlns:a16="http://schemas.microsoft.com/office/drawing/2014/main" xmlns="" id="{5C6A2B0B-A849-A4FC-330C-41B69E87EFAB}"/>
               </a:ext>
             </a:extLst>
           </p:cNvPr>
@@ -6771,7 +6748,7 @@
           <p:cNvPr id="20" name="AutoShape 2">
             <a:extLst>
               <a:ext uri="{FF2B5EF4-FFF2-40B4-BE49-F238E27FC236}">
-                <a16:creationId xmlns="" xmlns:a16="http://schemas.microsoft.com/office/drawing/2014/main" id="{5C6A2B0B-A849-A4FC-330C-41B69E87EFAB}"/>
+                <a16:creationId xmlns:a16="http://schemas.microsoft.com/office/drawing/2014/main" xmlns="" id="{5C6A2B0B-A849-A4FC-330C-41B69E87EFAB}"/>
               </a:ext>
             </a:extLst>
           </p:cNvPr>
@@ -6850,7 +6827,7 @@
           <p:cNvPr id="21" name="AutoShape 2">
             <a:extLst>
               <a:ext uri="{FF2B5EF4-FFF2-40B4-BE49-F238E27FC236}">
-                <a16:creationId xmlns="" xmlns:a16="http://schemas.microsoft.com/office/drawing/2014/main" id="{5C6A2B0B-A849-A4FC-330C-41B69E87EFAB}"/>
+                <a16:creationId xmlns:a16="http://schemas.microsoft.com/office/drawing/2014/main" xmlns="" id="{5C6A2B0B-A849-A4FC-330C-41B69E87EFAB}"/>
               </a:ext>
             </a:extLst>
           </p:cNvPr>
@@ -6934,7 +6911,7 @@
           <p:cNvPr id="22" name="AutoShape 2">
             <a:extLst>
               <a:ext uri="{FF2B5EF4-FFF2-40B4-BE49-F238E27FC236}">
-                <a16:creationId xmlns="" xmlns:a16="http://schemas.microsoft.com/office/drawing/2014/main" id="{5C6A2B0B-A849-A4FC-330C-41B69E87EFAB}"/>
+                <a16:creationId xmlns:a16="http://schemas.microsoft.com/office/drawing/2014/main" xmlns="" id="{5C6A2B0B-A849-A4FC-330C-41B69E87EFAB}"/>
               </a:ext>
             </a:extLst>
           </p:cNvPr>
@@ -7043,7 +7020,7 @@
           <p:cNvPr id="23" name="AutoShape 2">
             <a:extLst>
               <a:ext uri="{FF2B5EF4-FFF2-40B4-BE49-F238E27FC236}">
-                <a16:creationId xmlns="" xmlns:a16="http://schemas.microsoft.com/office/drawing/2014/main" id="{5C6A2B0B-A849-A4FC-330C-41B69E87EFAB}"/>
+                <a16:creationId xmlns:a16="http://schemas.microsoft.com/office/drawing/2014/main" xmlns="" id="{5C6A2B0B-A849-A4FC-330C-41B69E87EFAB}"/>
               </a:ext>
             </a:extLst>
           </p:cNvPr>
@@ -7134,7 +7111,7 @@
           <p:cNvPr id="24" name="AutoShape 2">
             <a:extLst>
               <a:ext uri="{FF2B5EF4-FFF2-40B4-BE49-F238E27FC236}">
-                <a16:creationId xmlns="" xmlns:a16="http://schemas.microsoft.com/office/drawing/2014/main" id="{5C6A2B0B-A849-A4FC-330C-41B69E87EFAB}"/>
+                <a16:creationId xmlns:a16="http://schemas.microsoft.com/office/drawing/2014/main" xmlns="" id="{5C6A2B0B-A849-A4FC-330C-41B69E87EFAB}"/>
               </a:ext>
             </a:extLst>
           </p:cNvPr>
@@ -7218,7 +7195,7 @@
           <p:cNvPr id="25" name="AutoShape 2">
             <a:extLst>
               <a:ext uri="{FF2B5EF4-FFF2-40B4-BE49-F238E27FC236}">
-                <a16:creationId xmlns="" xmlns:a16="http://schemas.microsoft.com/office/drawing/2014/main" id="{5C6A2B0B-A849-A4FC-330C-41B69E87EFAB}"/>
+                <a16:creationId xmlns:a16="http://schemas.microsoft.com/office/drawing/2014/main" xmlns="" id="{5C6A2B0B-A849-A4FC-330C-41B69E87EFAB}"/>
               </a:ext>
             </a:extLst>
           </p:cNvPr>
@@ -8330,8 +8307,8 @@
         </p:nvSpPr>
         <p:spPr>
           <a:xfrm>
-            <a:off x="6472179" y="1102382"/>
-            <a:ext cx="5319293" cy="3970318"/>
+            <a:off x="6275541" y="1102382"/>
+            <a:ext cx="5515932" cy="3970318"/>
           </a:xfrm>
           <a:prstGeom prst="rect">
             <a:avLst/>
@@ -8401,8 +8378,13 @@
             <a:pPr algn="r"/>
             <a:r>
               <a:rPr lang="ar-DZ" sz="3600" dirty="0"/>
-              <a:t>7. شريط التمرير الأفقي و العمود </a:t>
-            </a:r>
+              <a:t>7. شريط التمرير الأفقي و </a:t>
+            </a:r>
+            <a:r>
+              <a:rPr lang="ar-DZ" sz="3600" dirty="0" smtClean="0"/>
+              <a:t>العمودي </a:t>
+            </a:r>
+            <a:endParaRPr lang="ar-DZ" sz="3600" dirty="0"/>
           </a:p>
         </p:txBody>
       </p:sp>
@@ -8491,7 +8473,7 @@
         <p:spPr>
           <a:xfrm>
             <a:off x="92054" y="1057210"/>
-            <a:ext cx="6559307" cy="4410691"/>
+            <a:ext cx="6380125" cy="4410691"/>
           </a:xfrm>
           <a:prstGeom prst="rect">
             <a:avLst/>
